--- a/Git The Hard Way.pptx
+++ b/Git The Hard Way.pptx
@@ -6,7 +6,12 @@
   </p:sldMasterIdLst>
   <p:sldIdLst>
     <p:sldId id="256" r:id="rId2"/>
-    <p:sldId id="257" r:id="rId3"/>
+    <p:sldId id="259" r:id="rId3"/>
+    <p:sldId id="261" r:id="rId4"/>
+    <p:sldId id="257" r:id="rId5"/>
+    <p:sldId id="262" r:id="rId6"/>
+    <p:sldId id="260" r:id="rId7"/>
+    <p:sldId id="258" r:id="rId8"/>
   </p:sldIdLst>
   <p:sldSz cx="12192000" cy="6858000"/>
   <p:notesSz cx="7010400" cy="9296400"/>
@@ -15256,6 +15261,13 @@
   <p:transition spd="med">
     <p:wipe/>
   </p:transition>
+  <p:timing>
+    <p:tnLst>
+      <p:par>
+        <p:cTn id="1" dur="indefinite" restart="never" nodeType="tmRoot"/>
+      </p:par>
+    </p:tnLst>
+  </p:timing>
 </p:sld>
 </file>
 
@@ -15288,34 +15300,358 @@
         </p:nvSpPr>
         <p:spPr/>
         <p:txBody>
+          <a:bodyPr anchor="ctr">
+            <a:normAutofit/>
+          </a:bodyPr>
+          <a:lstStyle/>
+          <a:p>
+            <a:r>
+              <a:rPr lang="en-US" sz="2400" dirty="0" smtClean="0"/>
+              <a:t>Absolute beginners</a:t>
+            </a:r>
+          </a:p>
+          <a:p>
+            <a:r>
+              <a:rPr lang="en-US" sz="2400" dirty="0" smtClean="0"/>
+              <a:t>Those who want to learn how to properly merge</a:t>
+            </a:r>
+          </a:p>
+          <a:p>
+            <a:r>
+              <a:rPr lang="en-US" sz="2400" dirty="0" smtClean="0"/>
+              <a:t>Those who are not comfortable with command line </a:t>
+            </a:r>
+            <a:r>
+              <a:rPr lang="en-US" sz="2400" dirty="0" err="1" smtClean="0"/>
+              <a:t>git</a:t>
+            </a:r>
+            <a:endParaRPr lang="en-US" sz="2400" dirty="0" smtClean="0"/>
+          </a:p>
+        </p:txBody>
+      </p:sp>
+      <p:sp>
+        <p:nvSpPr>
+          <p:cNvPr id="3" name="Title 2"/>
+          <p:cNvSpPr>
+            <a:spLocks noGrp="1"/>
+          </p:cNvSpPr>
+          <p:nvPr>
+            <p:ph type="title"/>
+          </p:nvPr>
+        </p:nvSpPr>
+        <p:spPr/>
+        <p:txBody>
           <a:bodyPr/>
           <a:lstStyle/>
           <a:p>
             <a:r>
               <a:rPr lang="en-US" dirty="0" smtClean="0"/>
+              <a:t>Who This Is For</a:t>
+            </a:r>
+            <a:endParaRPr lang="en-US" dirty="0"/>
+          </a:p>
+        </p:txBody>
+      </p:sp>
+      <p:sp>
+        <p:nvSpPr>
+          <p:cNvPr id="4" name="Footer Placeholder 3"/>
+          <p:cNvSpPr>
+            <a:spLocks noGrp="1"/>
+          </p:cNvSpPr>
+          <p:nvPr>
+            <p:ph type="ftr" sz="quarter" idx="11"/>
+          </p:nvPr>
+        </p:nvSpPr>
+        <p:spPr/>
+        <p:txBody>
+          <a:bodyPr/>
+          <a:lstStyle/>
+          <a:p>
+            <a:r>
+              <a:rPr lang="en-US" smtClean="0"/>
+              <a:t>Silicon Labs Confidential</a:t>
+            </a:r>
+            <a:endParaRPr lang="en-US" dirty="0"/>
+          </a:p>
+        </p:txBody>
+      </p:sp>
+      <p:sp>
+        <p:nvSpPr>
+          <p:cNvPr id="5" name="Slide Number Placeholder 4"/>
+          <p:cNvSpPr>
+            <a:spLocks noGrp="1"/>
+          </p:cNvSpPr>
+          <p:nvPr>
+            <p:ph type="sldNum" sz="quarter" idx="12"/>
+          </p:nvPr>
+        </p:nvSpPr>
+        <p:spPr/>
+        <p:txBody>
+          <a:bodyPr/>
+          <a:lstStyle/>
+          <a:p>
+            <a:fld id="{29A7BD92-6AE5-CF43-B276-274952F2BFB4}" type="slidenum">
+              <a:rPr lang="en-US" smtClean="0"/>
+              <a:pPr/>
+              <a:t>2</a:t>
+            </a:fld>
+            <a:endParaRPr lang="en-US" dirty="0"/>
+          </a:p>
+        </p:txBody>
+      </p:sp>
+    </p:spTree>
+    <p:extLst>
+      <p:ext uri="{BB962C8B-B14F-4D97-AF65-F5344CB8AC3E}">
+        <p14:creationId xmlns:p14="http://schemas.microsoft.com/office/powerpoint/2010/main" val="246646530"/>
+      </p:ext>
+    </p:extLst>
+  </p:cSld>
+  <p:clrMapOvr>
+    <a:masterClrMapping/>
+  </p:clrMapOvr>
+  <p:transition spd="med">
+    <p:wipe/>
+  </p:transition>
+</p:sld>
+</file>
+
+<file path=ppt/slides/slide3.xml><?xml version="1.0" encoding="utf-8"?>
+<p:sld xmlns:a="http://schemas.openxmlformats.org/drawingml/2006/main" xmlns:r="http://schemas.openxmlformats.org/officeDocument/2006/relationships" xmlns:p="http://schemas.openxmlformats.org/presentationml/2006/main">
+  <p:cSld>
+    <p:spTree>
+      <p:nvGrpSpPr>
+        <p:cNvPr id="1" name=""/>
+        <p:cNvGrpSpPr/>
+        <p:nvPr/>
+      </p:nvGrpSpPr>
+      <p:grpSpPr>
+        <a:xfrm>
+          <a:off x="0" y="0"/>
+          <a:ext cx="0" cy="0"/>
+          <a:chOff x="0" y="0"/>
+          <a:chExt cx="0" cy="0"/>
+        </a:xfrm>
+      </p:grpSpPr>
+      <p:sp>
+        <p:nvSpPr>
+          <p:cNvPr id="2" name="Content Placeholder 1"/>
+          <p:cNvSpPr>
+            <a:spLocks noGrp="1"/>
+          </p:cNvSpPr>
+          <p:nvPr>
+            <p:ph idx="10"/>
+          </p:nvPr>
+        </p:nvSpPr>
+        <p:spPr/>
+        <p:txBody>
+          <a:bodyPr anchor="ctr">
+            <a:normAutofit/>
+          </a:bodyPr>
+          <a:lstStyle/>
+          <a:p>
+            <a:r>
+              <a:rPr lang="en-US" sz="2400" dirty="0" smtClean="0"/>
+              <a:t>I’ll talk a bit</a:t>
+            </a:r>
+          </a:p>
+          <a:p>
+            <a:r>
+              <a:rPr lang="en-US" sz="2400" dirty="0" smtClean="0"/>
+              <a:t>I’ll show a command window and type some commands</a:t>
+            </a:r>
+          </a:p>
+          <a:p>
+            <a:pPr lvl="1"/>
+            <a:r>
+              <a:rPr lang="en-US" sz="2000" dirty="0" smtClean="0"/>
+              <a:t>You’ll type the commands too</a:t>
+            </a:r>
+          </a:p>
+          <a:p>
+            <a:r>
+              <a:rPr lang="en-US" sz="2400" dirty="0" smtClean="0"/>
+              <a:t>You’ll earn your degree</a:t>
+            </a:r>
+            <a:endParaRPr lang="en-US" sz="2400" dirty="0"/>
+          </a:p>
+        </p:txBody>
+      </p:sp>
+      <p:sp>
+        <p:nvSpPr>
+          <p:cNvPr id="3" name="Title 2"/>
+          <p:cNvSpPr>
+            <a:spLocks noGrp="1"/>
+          </p:cNvSpPr>
+          <p:nvPr>
+            <p:ph type="title"/>
+          </p:nvPr>
+        </p:nvSpPr>
+        <p:spPr/>
+        <p:txBody>
+          <a:bodyPr/>
+          <a:lstStyle/>
+          <a:p>
+            <a:r>
+              <a:rPr lang="en-US" dirty="0"/>
+              <a:t>How </a:t>
+            </a:r>
+            <a:r>
+              <a:rPr lang="en-US" dirty="0" smtClean="0"/>
+              <a:t>This Is </a:t>
+            </a:r>
+            <a:r>
+              <a:rPr lang="en-US" dirty="0"/>
+              <a:t>Going to Work</a:t>
+            </a:r>
+          </a:p>
+        </p:txBody>
+      </p:sp>
+      <p:sp>
+        <p:nvSpPr>
+          <p:cNvPr id="4" name="Footer Placeholder 3"/>
+          <p:cNvSpPr>
+            <a:spLocks noGrp="1"/>
+          </p:cNvSpPr>
+          <p:nvPr>
+            <p:ph type="ftr" sz="quarter" idx="11"/>
+          </p:nvPr>
+        </p:nvSpPr>
+        <p:spPr/>
+        <p:txBody>
+          <a:bodyPr/>
+          <a:lstStyle/>
+          <a:p>
+            <a:r>
+              <a:rPr lang="en-US" smtClean="0"/>
+              <a:t>Silicon Labs Confidential</a:t>
+            </a:r>
+            <a:endParaRPr lang="en-US" dirty="0"/>
+          </a:p>
+        </p:txBody>
+      </p:sp>
+      <p:sp>
+        <p:nvSpPr>
+          <p:cNvPr id="5" name="Slide Number Placeholder 4"/>
+          <p:cNvSpPr>
+            <a:spLocks noGrp="1"/>
+          </p:cNvSpPr>
+          <p:nvPr>
+            <p:ph type="sldNum" sz="quarter" idx="12"/>
+          </p:nvPr>
+        </p:nvSpPr>
+        <p:spPr/>
+        <p:txBody>
+          <a:bodyPr/>
+          <a:lstStyle/>
+          <a:p>
+            <a:fld id="{29A7BD92-6AE5-CF43-B276-274952F2BFB4}" type="slidenum">
+              <a:rPr lang="en-US" smtClean="0"/>
+              <a:pPr/>
+              <a:t>3</a:t>
+            </a:fld>
+            <a:endParaRPr lang="en-US" dirty="0"/>
+          </a:p>
+        </p:txBody>
+      </p:sp>
+    </p:spTree>
+    <p:extLst>
+      <p:ext uri="{BB962C8B-B14F-4D97-AF65-F5344CB8AC3E}">
+        <p14:creationId xmlns:p14="http://schemas.microsoft.com/office/powerpoint/2010/main" val="3870545938"/>
+      </p:ext>
+    </p:extLst>
+  </p:cSld>
+  <p:clrMapOvr>
+    <a:masterClrMapping/>
+  </p:clrMapOvr>
+  <p:transition spd="med">
+    <p:wipe/>
+  </p:transition>
+</p:sld>
+</file>
+
+<file path=ppt/slides/slide4.xml><?xml version="1.0" encoding="utf-8"?>
+<p:sld xmlns:a="http://schemas.openxmlformats.org/drawingml/2006/main" xmlns:r="http://schemas.openxmlformats.org/officeDocument/2006/relationships" xmlns:p="http://schemas.openxmlformats.org/presentationml/2006/main">
+  <p:cSld>
+    <p:spTree>
+      <p:nvGrpSpPr>
+        <p:cNvPr id="1" name=""/>
+        <p:cNvGrpSpPr/>
+        <p:nvPr/>
+      </p:nvGrpSpPr>
+      <p:grpSpPr>
+        <a:xfrm>
+          <a:off x="0" y="0"/>
+          <a:ext cx="0" cy="0"/>
+          <a:chOff x="0" y="0"/>
+          <a:chExt cx="0" cy="0"/>
+        </a:xfrm>
+      </p:grpSpPr>
+      <p:sp>
+        <p:nvSpPr>
+          <p:cNvPr id="2" name="Content Placeholder 1"/>
+          <p:cNvSpPr>
+            <a:spLocks noGrp="1"/>
+          </p:cNvSpPr>
+          <p:nvPr>
+            <p:ph idx="10"/>
+          </p:nvPr>
+        </p:nvSpPr>
+        <p:spPr/>
+        <p:txBody>
+          <a:bodyPr>
+            <a:normAutofit/>
+          </a:bodyPr>
+          <a:lstStyle/>
+          <a:p>
+            <a:r>
+              <a:rPr lang="en-US" sz="2400" dirty="0" smtClean="0"/>
               <a:t>What is Git?</a:t>
             </a:r>
           </a:p>
           <a:p>
             <a:r>
-              <a:rPr lang="en-US" dirty="0" smtClean="0"/>
-              <a:t>Making a repository</a:t>
-            </a:r>
-          </a:p>
-          <a:p>
-            <a:r>
-              <a:rPr lang="en-US" dirty="0" smtClean="0"/>
+              <a:rPr lang="en-US" sz="2400" dirty="0" smtClean="0"/>
+              <a:t>Making a repository (also, what’s a repository?)</a:t>
+            </a:r>
+          </a:p>
+          <a:p>
+            <a:r>
+              <a:rPr lang="en-US" sz="2400" dirty="0" smtClean="0"/>
               <a:t>Tracking changes</a:t>
             </a:r>
           </a:p>
           <a:p>
             <a:r>
-              <a:rPr lang="en-US" dirty="0" smtClean="0"/>
+              <a:rPr lang="en-US" sz="2400" dirty="0" smtClean="0"/>
               <a:t>Undoing changes</a:t>
             </a:r>
           </a:p>
           <a:p>
-            <a:endParaRPr lang="en-US" dirty="0"/>
+            <a:r>
+              <a:rPr lang="en-US" sz="2400" dirty="0" smtClean="0"/>
+              <a:t>Experimenting with changes</a:t>
+            </a:r>
+          </a:p>
+          <a:p>
+            <a:r>
+              <a:rPr lang="en-US" sz="2400" dirty="0" smtClean="0"/>
+              <a:t>Merging changes</a:t>
+            </a:r>
+          </a:p>
+          <a:p>
+            <a:r>
+              <a:rPr lang="en-US" sz="2400" dirty="0" smtClean="0"/>
+              <a:t>Sharing changes</a:t>
+            </a:r>
+          </a:p>
+          <a:p>
+            <a:r>
+              <a:rPr lang="en-US" sz="2400" dirty="0" smtClean="0"/>
+              <a:t>Wrapping up: command showcase</a:t>
+            </a:r>
+          </a:p>
+          <a:p>
+            <a:endParaRPr lang="en-US" sz="2400" dirty="0"/>
           </a:p>
         </p:txBody>
       </p:sp>
@@ -15383,7 +15719,7 @@
             <a:fld id="{29A7BD92-6AE5-CF43-B276-274952F2BFB4}" type="slidenum">
               <a:rPr lang="en-US" smtClean="0"/>
               <a:pPr/>
-              <a:t>2</a:t>
+              <a:t>4</a:t>
             </a:fld>
             <a:endParaRPr lang="en-US" dirty="0"/>
           </a:p>
@@ -15402,6 +15738,438 @@
   <p:transition spd="med">
     <p:wipe/>
   </p:transition>
+  <p:timing>
+    <p:tnLst>
+      <p:par>
+        <p:cTn id="1" dur="indefinite" restart="never" nodeType="tmRoot"/>
+      </p:par>
+    </p:tnLst>
+  </p:timing>
+</p:sld>
+</file>
+
+<file path=ppt/slides/slide5.xml><?xml version="1.0" encoding="utf-8"?>
+<p:sld xmlns:a="http://schemas.openxmlformats.org/drawingml/2006/main" xmlns:r="http://schemas.openxmlformats.org/officeDocument/2006/relationships" xmlns:p="http://schemas.openxmlformats.org/presentationml/2006/main">
+  <p:cSld>
+    <p:spTree>
+      <p:nvGrpSpPr>
+        <p:cNvPr id="1" name=""/>
+        <p:cNvGrpSpPr/>
+        <p:nvPr/>
+      </p:nvGrpSpPr>
+      <p:grpSpPr>
+        <a:xfrm>
+          <a:off x="0" y="0"/>
+          <a:ext cx="0" cy="0"/>
+          <a:chOff x="0" y="0"/>
+          <a:chExt cx="0" cy="0"/>
+        </a:xfrm>
+      </p:grpSpPr>
+      <p:sp>
+        <p:nvSpPr>
+          <p:cNvPr id="4" name="Title 3"/>
+          <p:cNvSpPr>
+            <a:spLocks noGrp="1"/>
+          </p:cNvSpPr>
+          <p:nvPr>
+            <p:ph type="title"/>
+          </p:nvPr>
+        </p:nvSpPr>
+        <p:spPr/>
+        <p:txBody>
+          <a:bodyPr/>
+          <a:lstStyle/>
+          <a:p>
+            <a:r>
+              <a:rPr lang="en-US" dirty="0"/>
+              <a:t>Let's Get Started</a:t>
+            </a:r>
+          </a:p>
+        </p:txBody>
+      </p:sp>
+      <p:sp>
+        <p:nvSpPr>
+          <p:cNvPr id="5" name="Text Placeholder 4"/>
+          <p:cNvSpPr>
+            <a:spLocks noGrp="1"/>
+          </p:cNvSpPr>
+          <p:nvPr>
+            <p:ph type="body" sz="quarter" idx="11"/>
+          </p:nvPr>
+        </p:nvSpPr>
+        <p:spPr/>
+        <p:txBody>
+          <a:bodyPr/>
+          <a:lstStyle/>
+          <a:p>
+            <a:endParaRPr lang="en-US"/>
+          </a:p>
+        </p:txBody>
+      </p:sp>
+    </p:spTree>
+    <p:extLst>
+      <p:ext uri="{BB962C8B-B14F-4D97-AF65-F5344CB8AC3E}">
+        <p14:creationId xmlns:p14="http://schemas.microsoft.com/office/powerpoint/2010/main" val="319386383"/>
+      </p:ext>
+    </p:extLst>
+  </p:cSld>
+  <p:clrMapOvr>
+    <a:masterClrMapping/>
+  </p:clrMapOvr>
+  <p:transition spd="med">
+    <p:wipe/>
+  </p:transition>
+</p:sld>
+</file>
+
+<file path=ppt/slides/slide6.xml><?xml version="1.0" encoding="utf-8"?>
+<p:sld xmlns:a="http://schemas.openxmlformats.org/drawingml/2006/main" xmlns:r="http://schemas.openxmlformats.org/officeDocument/2006/relationships" xmlns:p="http://schemas.openxmlformats.org/presentationml/2006/main">
+  <p:cSld>
+    <p:spTree>
+      <p:nvGrpSpPr>
+        <p:cNvPr id="1" name=""/>
+        <p:cNvGrpSpPr/>
+        <p:nvPr/>
+      </p:nvGrpSpPr>
+      <p:grpSpPr>
+        <a:xfrm>
+          <a:off x="0" y="0"/>
+          <a:ext cx="0" cy="0"/>
+          <a:chOff x="0" y="0"/>
+          <a:chExt cx="0" cy="0"/>
+        </a:xfrm>
+      </p:grpSpPr>
+      <p:sp>
+        <p:nvSpPr>
+          <p:cNvPr id="2" name="Content Placeholder 1"/>
+          <p:cNvSpPr>
+            <a:spLocks noGrp="1"/>
+          </p:cNvSpPr>
+          <p:nvPr>
+            <p:ph idx="10"/>
+          </p:nvPr>
+        </p:nvSpPr>
+        <p:spPr/>
+        <p:txBody>
+          <a:bodyPr>
+            <a:normAutofit/>
+          </a:bodyPr>
+          <a:lstStyle/>
+          <a:p>
+            <a:r>
+              <a:rPr lang="en-US" sz="2400" dirty="0" smtClean="0"/>
+              <a:t>Git helps you keep track of files</a:t>
+            </a:r>
+          </a:p>
+          <a:p>
+            <a:r>
+              <a:rPr lang="en-US" sz="2400" dirty="0" smtClean="0"/>
+              <a:t>Git helps you keep track of changes to files</a:t>
+            </a:r>
+          </a:p>
+          <a:p>
+            <a:r>
+              <a:rPr lang="en-US" sz="2400" dirty="0" smtClean="0"/>
+              <a:t>It’s fully decentralized</a:t>
+            </a:r>
+          </a:p>
+          <a:p>
+            <a:r>
+              <a:rPr lang="en-US" sz="2400" dirty="0" smtClean="0"/>
+              <a:t>It makes experimenting easy</a:t>
+            </a:r>
+          </a:p>
+          <a:p>
+            <a:r>
+              <a:rPr lang="en-US" sz="2400" dirty="0" smtClean="0"/>
+              <a:t>It helps protect you from yourself and others</a:t>
+            </a:r>
+            <a:endParaRPr lang="en-US" sz="2400" dirty="0"/>
+          </a:p>
+        </p:txBody>
+      </p:sp>
+      <p:sp>
+        <p:nvSpPr>
+          <p:cNvPr id="3" name="Title 2"/>
+          <p:cNvSpPr>
+            <a:spLocks noGrp="1"/>
+          </p:cNvSpPr>
+          <p:nvPr>
+            <p:ph type="title"/>
+          </p:nvPr>
+        </p:nvSpPr>
+        <p:spPr/>
+        <p:txBody>
+          <a:bodyPr/>
+          <a:lstStyle/>
+          <a:p>
+            <a:r>
+              <a:rPr lang="en-US" dirty="0" smtClean="0"/>
+              <a:t>What is Git?</a:t>
+            </a:r>
+            <a:endParaRPr lang="en-US" dirty="0"/>
+          </a:p>
+        </p:txBody>
+      </p:sp>
+      <p:sp>
+        <p:nvSpPr>
+          <p:cNvPr id="4" name="Footer Placeholder 3"/>
+          <p:cNvSpPr>
+            <a:spLocks noGrp="1"/>
+          </p:cNvSpPr>
+          <p:nvPr>
+            <p:ph type="ftr" sz="quarter" idx="11"/>
+          </p:nvPr>
+        </p:nvSpPr>
+        <p:spPr/>
+        <p:txBody>
+          <a:bodyPr/>
+          <a:lstStyle/>
+          <a:p>
+            <a:r>
+              <a:rPr lang="en-US" smtClean="0"/>
+              <a:t>Silicon Labs Confidential</a:t>
+            </a:r>
+            <a:endParaRPr lang="en-US" dirty="0"/>
+          </a:p>
+        </p:txBody>
+      </p:sp>
+      <p:sp>
+        <p:nvSpPr>
+          <p:cNvPr id="5" name="Slide Number Placeholder 4"/>
+          <p:cNvSpPr>
+            <a:spLocks noGrp="1"/>
+          </p:cNvSpPr>
+          <p:nvPr>
+            <p:ph type="sldNum" sz="quarter" idx="12"/>
+          </p:nvPr>
+        </p:nvSpPr>
+        <p:spPr/>
+        <p:txBody>
+          <a:bodyPr/>
+          <a:lstStyle/>
+          <a:p>
+            <a:fld id="{29A7BD92-6AE5-CF43-B276-274952F2BFB4}" type="slidenum">
+              <a:rPr lang="en-US" smtClean="0"/>
+              <a:pPr/>
+              <a:t>6</a:t>
+            </a:fld>
+            <a:endParaRPr lang="en-US" dirty="0"/>
+          </a:p>
+        </p:txBody>
+      </p:sp>
+    </p:spTree>
+    <p:extLst>
+      <p:ext uri="{BB962C8B-B14F-4D97-AF65-F5344CB8AC3E}">
+        <p14:creationId xmlns:p14="http://schemas.microsoft.com/office/powerpoint/2010/main" val="50188034"/>
+      </p:ext>
+    </p:extLst>
+  </p:cSld>
+  <p:clrMapOvr>
+    <a:masterClrMapping/>
+  </p:clrMapOvr>
+  <p:transition spd="med">
+    <p:wipe/>
+  </p:transition>
+</p:sld>
+</file>
+
+<file path=ppt/slides/slide7.xml><?xml version="1.0" encoding="utf-8"?>
+<p:sld xmlns:a="http://schemas.openxmlformats.org/drawingml/2006/main" xmlns:r="http://schemas.openxmlformats.org/officeDocument/2006/relationships" xmlns:p="http://schemas.openxmlformats.org/presentationml/2006/main">
+  <p:cSld>
+    <p:spTree>
+      <p:nvGrpSpPr>
+        <p:cNvPr id="1" name=""/>
+        <p:cNvGrpSpPr/>
+        <p:nvPr/>
+      </p:nvGrpSpPr>
+      <p:grpSpPr>
+        <a:xfrm>
+          <a:off x="0" y="0"/>
+          <a:ext cx="0" cy="0"/>
+          <a:chOff x="0" y="0"/>
+          <a:chExt cx="0" cy="0"/>
+        </a:xfrm>
+      </p:grpSpPr>
+      <p:sp>
+        <p:nvSpPr>
+          <p:cNvPr id="14" name="Title 13"/>
+          <p:cNvSpPr>
+            <a:spLocks noGrp="1"/>
+          </p:cNvSpPr>
+          <p:nvPr>
+            <p:ph type="title"/>
+          </p:nvPr>
+        </p:nvSpPr>
+        <p:spPr/>
+        <p:txBody>
+          <a:bodyPr/>
+          <a:lstStyle/>
+          <a:p>
+            <a:r>
+              <a:rPr lang="en-US" dirty="0" smtClean="0"/>
+              <a:t>Making A Repository</a:t>
+            </a:r>
+            <a:endParaRPr lang="en-US" dirty="0"/>
+          </a:p>
+        </p:txBody>
+      </p:sp>
+      <p:sp>
+        <p:nvSpPr>
+          <p:cNvPr id="16" name="Picture Placeholder 15"/>
+          <p:cNvSpPr>
+            <a:spLocks noGrp="1"/>
+          </p:cNvSpPr>
+          <p:nvPr>
+            <p:ph type="pic" sz="quarter" idx="15"/>
+          </p:nvPr>
+        </p:nvSpPr>
+        <p:spPr/>
+      </p:sp>
+      <p:sp>
+        <p:nvSpPr>
+          <p:cNvPr id="15" name="Content Placeholder 14"/>
+          <p:cNvSpPr>
+            <a:spLocks noGrp="1"/>
+          </p:cNvSpPr>
+          <p:nvPr>
+            <p:ph sz="quarter" idx="13"/>
+          </p:nvPr>
+        </p:nvSpPr>
+        <p:spPr/>
+        <p:txBody>
+          <a:bodyPr>
+            <a:normAutofit/>
+          </a:bodyPr>
+          <a:lstStyle/>
+          <a:p>
+            <a:r>
+              <a:rPr lang="en-US" sz="2400" dirty="0" smtClean="0">
+                <a:ea typeface="Anonymous Pro" panose="02060609030202000504" pitchFamily="49" charset="0"/>
+              </a:rPr>
+              <a:t>Repository: all the folders and files you want </a:t>
+            </a:r>
+            <a:r>
+              <a:rPr lang="en-US" sz="2400" dirty="0" err="1" smtClean="0">
+                <a:ea typeface="Anonymous Pro" panose="02060609030202000504" pitchFamily="49" charset="0"/>
+              </a:rPr>
+              <a:t>git</a:t>
+            </a:r>
+            <a:r>
+              <a:rPr lang="en-US" sz="2400" dirty="0" smtClean="0">
+                <a:ea typeface="Anonymous Pro" panose="02060609030202000504" pitchFamily="49" charset="0"/>
+              </a:rPr>
+              <a:t> to track</a:t>
+            </a:r>
+          </a:p>
+          <a:p>
+            <a:r>
+              <a:rPr lang="en-US" sz="2400" dirty="0" err="1" smtClean="0">
+                <a:solidFill>
+                  <a:schemeClr val="tx2"/>
+                </a:solidFill>
+                <a:latin typeface="Anonymous Pro" panose="02060609030202000504" pitchFamily="49" charset="0"/>
+                <a:ea typeface="Anonymous Pro" panose="02060609030202000504" pitchFamily="49" charset="0"/>
+              </a:rPr>
+              <a:t>git</a:t>
+            </a:r>
+            <a:r>
+              <a:rPr lang="en-US" sz="2400" dirty="0" smtClean="0">
+                <a:solidFill>
+                  <a:schemeClr val="tx2"/>
+                </a:solidFill>
+                <a:latin typeface="Anonymous Pro" panose="02060609030202000504" pitchFamily="49" charset="0"/>
+                <a:ea typeface="Anonymous Pro" panose="02060609030202000504" pitchFamily="49" charset="0"/>
+              </a:rPr>
+              <a:t> </a:t>
+            </a:r>
+            <a:r>
+              <a:rPr lang="en-US" sz="2400" dirty="0" err="1">
+                <a:solidFill>
+                  <a:schemeClr val="tx2"/>
+                </a:solidFill>
+                <a:latin typeface="Anonymous Pro" panose="02060609030202000504" pitchFamily="49" charset="0"/>
+                <a:ea typeface="Anonymous Pro" panose="02060609030202000504" pitchFamily="49" charset="0"/>
+              </a:rPr>
+              <a:t>init</a:t>
+            </a:r>
+            <a:endParaRPr lang="en-US" sz="2400" dirty="0">
+              <a:solidFill>
+                <a:schemeClr val="tx2"/>
+              </a:solidFill>
+              <a:latin typeface="Anonymous Pro" panose="02060609030202000504" pitchFamily="49" charset="0"/>
+              <a:ea typeface="Anonymous Pro" panose="02060609030202000504" pitchFamily="49" charset="0"/>
+            </a:endParaRPr>
+          </a:p>
+        </p:txBody>
+      </p:sp>
+      <p:sp>
+        <p:nvSpPr>
+          <p:cNvPr id="4" name="Footer Placeholder 3"/>
+          <p:cNvSpPr>
+            <a:spLocks noGrp="1"/>
+          </p:cNvSpPr>
+          <p:nvPr>
+            <p:ph type="ftr" sz="quarter" idx="16"/>
+          </p:nvPr>
+        </p:nvSpPr>
+        <p:spPr/>
+        <p:txBody>
+          <a:bodyPr/>
+          <a:lstStyle/>
+          <a:p>
+            <a:r>
+              <a:rPr lang="en-US" smtClean="0"/>
+              <a:t>Silicon Labs Confidential</a:t>
+            </a:r>
+            <a:endParaRPr lang="en-US" dirty="0"/>
+          </a:p>
+        </p:txBody>
+      </p:sp>
+      <p:sp>
+        <p:nvSpPr>
+          <p:cNvPr id="5" name="Slide Number Placeholder 4"/>
+          <p:cNvSpPr>
+            <a:spLocks noGrp="1"/>
+          </p:cNvSpPr>
+          <p:nvPr>
+            <p:ph type="sldNum" sz="quarter" idx="17"/>
+          </p:nvPr>
+        </p:nvSpPr>
+        <p:spPr/>
+        <p:txBody>
+          <a:bodyPr/>
+          <a:lstStyle/>
+          <a:p>
+            <a:fld id="{29A7BD92-6AE5-CF43-B276-274952F2BFB4}" type="slidenum">
+              <a:rPr lang="en-US" smtClean="0"/>
+              <a:pPr/>
+              <a:t>7</a:t>
+            </a:fld>
+            <a:endParaRPr lang="en-US" dirty="0"/>
+          </a:p>
+        </p:txBody>
+      </p:sp>
+    </p:spTree>
+    <p:extLst>
+      <p:ext uri="{BB962C8B-B14F-4D97-AF65-F5344CB8AC3E}">
+        <p14:creationId xmlns:p14="http://schemas.microsoft.com/office/powerpoint/2010/main" val="1651991502"/>
+      </p:ext>
+    </p:extLst>
+  </p:cSld>
+  <p:clrMapOvr>
+    <a:masterClrMapping/>
+  </p:clrMapOvr>
+  <p:transition spd="med">
+    <p:wipe/>
+  </p:transition>
+  <p:timing>
+    <p:tnLst>
+      <p:par>
+        <p:cTn id="1" dur="indefinite" restart="never" nodeType="tmRoot"/>
+      </p:par>
+    </p:tnLst>
+  </p:timing>
 </p:sld>
 </file>
 

--- a/Git The Hard Way.pptx
+++ b/Git The Hard Way.pptx
@@ -12,6 +12,32 @@
     <p:sldId id="262" r:id="rId6"/>
     <p:sldId id="260" r:id="rId7"/>
     <p:sldId id="258" r:id="rId8"/>
+    <p:sldId id="263" r:id="rId9"/>
+    <p:sldId id="264" r:id="rId10"/>
+    <p:sldId id="265" r:id="rId11"/>
+    <p:sldId id="266" r:id="rId12"/>
+    <p:sldId id="267" r:id="rId13"/>
+    <p:sldId id="268" r:id="rId14"/>
+    <p:sldId id="269" r:id="rId15"/>
+    <p:sldId id="270" r:id="rId16"/>
+    <p:sldId id="271" r:id="rId17"/>
+    <p:sldId id="272" r:id="rId18"/>
+    <p:sldId id="273" r:id="rId19"/>
+    <p:sldId id="274" r:id="rId20"/>
+    <p:sldId id="276" r:id="rId21"/>
+    <p:sldId id="277" r:id="rId22"/>
+    <p:sldId id="278" r:id="rId23"/>
+    <p:sldId id="279" r:id="rId24"/>
+    <p:sldId id="282" r:id="rId25"/>
+    <p:sldId id="283" r:id="rId26"/>
+    <p:sldId id="284" r:id="rId27"/>
+    <p:sldId id="285" r:id="rId28"/>
+    <p:sldId id="286" r:id="rId29"/>
+    <p:sldId id="287" r:id="rId30"/>
+    <p:sldId id="288" r:id="rId31"/>
+    <p:sldId id="289" r:id="rId32"/>
+    <p:sldId id="281" r:id="rId33"/>
+    <p:sldId id="280" r:id="rId34"/>
   </p:sldIdLst>
   <p:sldSz cx="12192000" cy="6858000"/>
   <p:notesSz cx="7010400" cy="9296400"/>
@@ -132,6 +158,10 @@
 </p:presentation>
 </file>
 
+<file path=ppt/revisionInfo.xml><?xml version="1.0" encoding="utf-8"?>
+<p1510:revInfo xmlns:a="http://schemas.openxmlformats.org/drawingml/2006/main" xmlns:r="http://schemas.openxmlformats.org/officeDocument/2006/relationships" xmlns:p1510="http://schemas.microsoft.com/office/powerpoint/2015/10/main"/>
+</file>
+
 <file path=ppt/slideLayouts/slideLayout1.xml><?xml version="1.0" encoding="utf-8"?>
 <p:sldLayout xmlns:a="http://schemas.openxmlformats.org/drawingml/2006/main" xmlns:r="http://schemas.openxmlformats.org/officeDocument/2006/relationships" xmlns:p="http://schemas.openxmlformats.org/presentationml/2006/main" showMasterSp="0" type="title" preserve="1">
   <p:cSld name="light-title-slide">
@@ -162,7 +192,7 @@
           <p:cNvPr id="8" name="Picture 7">
             <a:extLst>
               <a:ext uri="{FF2B5EF4-FFF2-40B4-BE49-F238E27FC236}">
-                <a16:creationId xmlns="" xmlns:a16="http://schemas.microsoft.com/office/drawing/2014/main" id="{5B102488-5F21-43D9-8708-963BDC34D90B}"/>
+                <a16:creationId xmlns:a16="http://schemas.microsoft.com/office/drawing/2014/main" id="{5B102488-5F21-43D9-8708-963BDC34D90B}"/>
               </a:ext>
             </a:extLst>
           </p:cNvPr>
@@ -225,7 +255,7 @@
           </a:lstStyle>
           <a:p>
             <a:r>
-              <a:rPr lang="en-US" smtClean="0"/>
+              <a:rPr lang="en-US"/>
               <a:t>Click to edit Master title style</a:t>
             </a:r>
             <a:endParaRPr lang="en-US" dirty="0"/>
@@ -586,7 +616,7 @@
           <p:cNvPr id="9" name="Picture 8">
             <a:extLst>
               <a:ext uri="{FF2B5EF4-FFF2-40B4-BE49-F238E27FC236}">
-                <a16:creationId xmlns="" xmlns:a16="http://schemas.microsoft.com/office/drawing/2014/main" id="{8D9EF3CA-2BB9-8142-96F6-4CE2B52E1DB7}"/>
+                <a16:creationId xmlns:a16="http://schemas.microsoft.com/office/drawing/2014/main" id="{8D9EF3CA-2BB9-8142-96F6-4CE2B52E1DB7}"/>
               </a:ext>
             </a:extLst>
           </p:cNvPr>
@@ -622,7 +652,7 @@
           <p:cNvPr id="6" name="Picture 5">
             <a:extLst>
               <a:ext uri="{FF2B5EF4-FFF2-40B4-BE49-F238E27FC236}">
-                <a16:creationId xmlns="" xmlns:a16="http://schemas.microsoft.com/office/drawing/2014/main" id="{5B102488-5F21-43D9-8708-963BDC34D90B}"/>
+                <a16:creationId xmlns:a16="http://schemas.microsoft.com/office/drawing/2014/main" id="{5B102488-5F21-43D9-8708-963BDC34D90B}"/>
               </a:ext>
             </a:extLst>
           </p:cNvPr>
@@ -704,7 +734,7 @@
           <p:cNvPr id="15" name="Title 14">
             <a:extLst>
               <a:ext uri="{FF2B5EF4-FFF2-40B4-BE49-F238E27FC236}">
-                <a16:creationId xmlns="" xmlns:a16="http://schemas.microsoft.com/office/drawing/2014/main" id="{B04EC185-D65C-2E41-A41C-F6E27623E76B}"/>
+                <a16:creationId xmlns:a16="http://schemas.microsoft.com/office/drawing/2014/main" id="{B04EC185-D65C-2E41-A41C-F6E27623E76B}"/>
               </a:ext>
             </a:extLst>
           </p:cNvPr>
@@ -726,7 +756,7 @@
           <a:lstStyle/>
           <a:p>
             <a:r>
-              <a:rPr lang="en-US" smtClean="0"/>
+              <a:rPr lang="en-US"/>
               <a:t>Click to edit Master title style</a:t>
             </a:r>
             <a:endParaRPr lang="en-US" dirty="0"/>
@@ -738,7 +768,7 @@
           <p:cNvPr id="17" name="Text Placeholder 16">
             <a:extLst>
               <a:ext uri="{FF2B5EF4-FFF2-40B4-BE49-F238E27FC236}">
-                <a16:creationId xmlns="" xmlns:a16="http://schemas.microsoft.com/office/drawing/2014/main" id="{1154C575-C080-9248-9367-944B912E1E84}"/>
+                <a16:creationId xmlns:a16="http://schemas.microsoft.com/office/drawing/2014/main" id="{1154C575-C080-9248-9367-944B912E1E84}"/>
               </a:ext>
             </a:extLst>
           </p:cNvPr>
@@ -784,35 +814,35 @@
           <a:p>
             <a:pPr lvl="0"/>
             <a:r>
-              <a:rPr lang="en-US" smtClean="0"/>
+              <a:rPr lang="en-US"/>
               <a:t>Click to edit Master text styles</a:t>
             </a:r>
           </a:p>
           <a:p>
             <a:pPr lvl="1"/>
             <a:r>
-              <a:rPr lang="en-US" smtClean="0"/>
+              <a:rPr lang="en-US"/>
               <a:t>Second level</a:t>
             </a:r>
           </a:p>
           <a:p>
             <a:pPr lvl="2"/>
             <a:r>
-              <a:rPr lang="en-US" smtClean="0"/>
+              <a:rPr lang="en-US"/>
               <a:t>Third level</a:t>
             </a:r>
           </a:p>
           <a:p>
             <a:pPr lvl="3"/>
             <a:r>
-              <a:rPr lang="en-US" smtClean="0"/>
+              <a:rPr lang="en-US"/>
               <a:t>Fourth level</a:t>
             </a:r>
           </a:p>
           <a:p>
             <a:pPr lvl="4"/>
             <a:r>
-              <a:rPr lang="en-US" smtClean="0"/>
+              <a:rPr lang="en-US"/>
               <a:t>Fifth level</a:t>
             </a:r>
             <a:endParaRPr lang="en-US" dirty="0"/>
@@ -908,7 +938,7 @@
           </a:lstStyle>
           <a:p>
             <a:r>
-              <a:rPr lang="en-US" smtClean="0"/>
+              <a:rPr lang="en-US"/>
               <a:t>Click icon to add picture</a:t>
             </a:r>
             <a:endParaRPr lang="en-US" dirty="0"/>
@@ -1047,14 +1077,14 @@
           <a:p>
             <a:pPr lvl="0"/>
             <a:r>
-              <a:rPr lang="en-US" smtClean="0"/>
+              <a:rPr lang="en-US"/>
               <a:t>Click to edit Master text styles</a:t>
             </a:r>
           </a:p>
           <a:p>
             <a:pPr lvl="1"/>
             <a:r>
-              <a:rPr lang="en-US" smtClean="0"/>
+              <a:rPr lang="en-US"/>
               <a:t>Second level</a:t>
             </a:r>
           </a:p>
@@ -1195,10 +1225,9 @@
           </a:lstStyle>
           <a:p>
             <a:r>
-              <a:rPr lang="en-US" smtClean="0"/>
+              <a:rPr lang="en-US"/>
               <a:t>Click icon to add picture</a:t>
             </a:r>
-            <a:endParaRPr lang="en-US"/>
           </a:p>
         </p:txBody>
       </p:sp>
@@ -1497,7 +1526,7 @@
           <a:p>
             <a:pPr lvl="0"/>
             <a:r>
-              <a:rPr lang="en-US" smtClean="0"/>
+              <a:rPr lang="en-US"/>
               <a:t>Click to edit Master text styles</a:t>
             </a:r>
           </a:p>
@@ -1605,14 +1634,14 @@
           <a:p>
             <a:pPr lvl="0"/>
             <a:r>
-              <a:rPr lang="en-US" smtClean="0"/>
+              <a:rPr lang="en-US"/>
               <a:t>Click to edit Master text styles</a:t>
             </a:r>
           </a:p>
           <a:p>
             <a:pPr lvl="1"/>
             <a:r>
-              <a:rPr lang="en-US" smtClean="0"/>
+              <a:rPr lang="en-US"/>
               <a:t>Second level</a:t>
             </a:r>
           </a:p>
@@ -1768,7 +1797,7 @@
           <a:p>
             <a:pPr lvl="0"/>
             <a:r>
-              <a:rPr lang="en-US" smtClean="0"/>
+              <a:rPr lang="en-US"/>
               <a:t>Click to edit Master text styles</a:t>
             </a:r>
           </a:p>
@@ -1876,14 +1905,14 @@
           <a:p>
             <a:pPr lvl="0"/>
             <a:r>
-              <a:rPr lang="en-US" smtClean="0"/>
+              <a:rPr lang="en-US"/>
               <a:t>Click to edit Master text styles</a:t>
             </a:r>
           </a:p>
           <a:p>
             <a:pPr lvl="1"/>
             <a:r>
-              <a:rPr lang="en-US" smtClean="0"/>
+              <a:rPr lang="en-US"/>
               <a:t>Second level</a:t>
             </a:r>
           </a:p>
@@ -1999,7 +2028,7 @@
           <a:lstStyle/>
           <a:p>
             <a:r>
-              <a:rPr lang="en-US" smtClean="0"/>
+              <a:rPr lang="en-US"/>
               <a:t>Click to edit Master title style</a:t>
             </a:r>
             <a:endParaRPr lang="en-US" dirty="0"/>
@@ -2244,7 +2273,7 @@
           <a:p>
             <a:pPr lvl="0"/>
             <a:r>
-              <a:rPr lang="en-US" smtClean="0"/>
+              <a:rPr lang="en-US"/>
               <a:t>Click to edit Master text styles</a:t>
             </a:r>
           </a:p>
@@ -2355,14 +2384,14 @@
           <a:p>
             <a:pPr lvl="0"/>
             <a:r>
-              <a:rPr lang="en-US" smtClean="0"/>
+              <a:rPr lang="en-US"/>
               <a:t>Click to edit Master text styles</a:t>
             </a:r>
           </a:p>
           <a:p>
             <a:pPr lvl="1"/>
             <a:r>
-              <a:rPr lang="en-US" smtClean="0"/>
+              <a:rPr lang="en-US"/>
               <a:t>Second level</a:t>
             </a:r>
           </a:p>
@@ -2518,7 +2547,7 @@
           <a:p>
             <a:pPr lvl="0"/>
             <a:r>
-              <a:rPr lang="en-US" smtClean="0"/>
+              <a:rPr lang="en-US"/>
               <a:t>Click to edit Master text styles</a:t>
             </a:r>
           </a:p>
@@ -2629,14 +2658,14 @@
           <a:p>
             <a:pPr lvl="0"/>
             <a:r>
-              <a:rPr lang="en-US" smtClean="0"/>
+              <a:rPr lang="en-US"/>
               <a:t>Click to edit Master text styles</a:t>
             </a:r>
           </a:p>
           <a:p>
             <a:pPr lvl="1"/>
             <a:r>
-              <a:rPr lang="en-US" smtClean="0"/>
+              <a:rPr lang="en-US"/>
               <a:t>Second level</a:t>
             </a:r>
           </a:p>
@@ -2792,7 +2821,7 @@
           <a:p>
             <a:pPr lvl="0"/>
             <a:r>
-              <a:rPr lang="en-US" smtClean="0"/>
+              <a:rPr lang="en-US"/>
               <a:t>Click to edit Master text styles</a:t>
             </a:r>
           </a:p>
@@ -2900,14 +2929,14 @@
           <a:p>
             <a:pPr lvl="0"/>
             <a:r>
-              <a:rPr lang="en-US" smtClean="0"/>
+              <a:rPr lang="en-US"/>
               <a:t>Click to edit Master text styles</a:t>
             </a:r>
           </a:p>
           <a:p>
             <a:pPr lvl="1"/>
             <a:r>
-              <a:rPr lang="en-US" smtClean="0"/>
+              <a:rPr lang="en-US"/>
               <a:t>Second level</a:t>
             </a:r>
           </a:p>
@@ -3113,7 +3142,7 @@
           <a:lstStyle/>
           <a:p>
             <a:r>
-              <a:rPr lang="en-US" smtClean="0"/>
+              <a:rPr lang="en-US"/>
               <a:t>Click to edit Master title style</a:t>
             </a:r>
             <a:endParaRPr lang="en-US" dirty="0"/>
@@ -3358,7 +3387,7 @@
           <a:p>
             <a:pPr lvl="0"/>
             <a:r>
-              <a:rPr lang="en-US" smtClean="0"/>
+              <a:rPr lang="en-US"/>
               <a:t>Click to edit Master text styles</a:t>
             </a:r>
           </a:p>
@@ -3422,14 +3451,14 @@
           <a:p>
             <a:pPr lvl="0"/>
             <a:r>
-              <a:rPr lang="en-US" smtClean="0"/>
+              <a:rPr lang="en-US"/>
               <a:t>Click to edit Master text styles</a:t>
             </a:r>
           </a:p>
           <a:p>
             <a:pPr lvl="1"/>
             <a:r>
-              <a:rPr lang="en-US" smtClean="0"/>
+              <a:rPr lang="en-US"/>
               <a:t>Second level</a:t>
             </a:r>
           </a:p>
@@ -3491,7 +3520,7 @@
           <a:lstStyle/>
           <a:p>
             <a:r>
-              <a:rPr lang="en-US" smtClean="0"/>
+              <a:rPr lang="en-US"/>
               <a:t>Click to edit Master title style</a:t>
             </a:r>
             <a:endParaRPr lang="en-US" dirty="0"/>
@@ -3648,7 +3677,7 @@
           <a:p>
             <a:pPr lvl="0"/>
             <a:r>
-              <a:rPr lang="en-US" smtClean="0"/>
+              <a:rPr lang="en-US"/>
               <a:t>Click to edit Master text styles</a:t>
             </a:r>
           </a:p>
@@ -3712,14 +3741,14 @@
           <a:p>
             <a:pPr lvl="0"/>
             <a:r>
-              <a:rPr lang="en-US" smtClean="0"/>
+              <a:rPr lang="en-US"/>
               <a:t>Click to edit Master text styles</a:t>
             </a:r>
           </a:p>
           <a:p>
             <a:pPr lvl="1"/>
             <a:r>
-              <a:rPr lang="en-US" smtClean="0"/>
+              <a:rPr lang="en-US"/>
               <a:t>Second level</a:t>
             </a:r>
           </a:p>
@@ -3915,7 +3944,7 @@
           <a:p>
             <a:pPr lvl="0"/>
             <a:r>
-              <a:rPr lang="en-US" smtClean="0"/>
+              <a:rPr lang="en-US"/>
               <a:t>Click to edit Master text styles</a:t>
             </a:r>
           </a:p>
@@ -3997,7 +4026,7 @@
               <a:defRPr/>
             </a:pPr>
             <a:r>
-              <a:rPr lang="en-US" smtClean="0"/>
+              <a:rPr lang="en-US"/>
               <a:t>Click to edit Master text styles</a:t>
             </a:r>
           </a:p>
@@ -4022,7 +4051,7 @@
               <a:defRPr/>
             </a:pPr>
             <a:r>
-              <a:rPr lang="en-US" smtClean="0"/>
+              <a:rPr lang="en-US"/>
               <a:t>Second level</a:t>
             </a:r>
           </a:p>
@@ -4218,7 +4247,7 @@
           <a:p>
             <a:pPr lvl="0"/>
             <a:r>
-              <a:rPr lang="en-US" smtClean="0"/>
+              <a:rPr lang="en-US"/>
               <a:t>Click to edit Master text styles</a:t>
             </a:r>
           </a:p>
@@ -4282,14 +4311,14 @@
           <a:p>
             <a:pPr lvl="0"/>
             <a:r>
-              <a:rPr lang="en-US" smtClean="0"/>
+              <a:rPr lang="en-US"/>
               <a:t>Click to edit Master text styles</a:t>
             </a:r>
           </a:p>
           <a:p>
             <a:pPr lvl="1"/>
             <a:r>
-              <a:rPr lang="en-US" smtClean="0"/>
+              <a:rPr lang="en-US"/>
               <a:t>Second level</a:t>
             </a:r>
           </a:p>
@@ -4573,7 +4602,7 @@
           <a:p>
             <a:pPr lvl="0"/>
             <a:r>
-              <a:rPr lang="en-US" smtClean="0"/>
+              <a:rPr lang="en-US"/>
               <a:t>Click to edit Master text styles</a:t>
             </a:r>
           </a:p>
@@ -4684,14 +4713,14 @@
           <a:p>
             <a:pPr lvl="0"/>
             <a:r>
-              <a:rPr lang="en-US" smtClean="0"/>
+              <a:rPr lang="en-US"/>
               <a:t>Click to edit Master text styles</a:t>
             </a:r>
           </a:p>
           <a:p>
             <a:pPr lvl="1"/>
             <a:r>
-              <a:rPr lang="en-US" smtClean="0"/>
+              <a:rPr lang="en-US"/>
               <a:t>Second level</a:t>
             </a:r>
           </a:p>
@@ -4847,7 +4876,7 @@
           <a:p>
             <a:pPr lvl="0"/>
             <a:r>
-              <a:rPr lang="en-US" smtClean="0"/>
+              <a:rPr lang="en-US"/>
               <a:t>Click to edit Master text styles</a:t>
             </a:r>
           </a:p>
@@ -4914,14 +4943,14 @@
           <a:p>
             <a:pPr lvl="0"/>
             <a:r>
-              <a:rPr lang="en-US" smtClean="0"/>
+              <a:rPr lang="en-US"/>
               <a:t>Click to edit Master text styles</a:t>
             </a:r>
           </a:p>
           <a:p>
             <a:pPr lvl="1"/>
             <a:r>
-              <a:rPr lang="en-US" smtClean="0"/>
+              <a:rPr lang="en-US"/>
               <a:t>Second level</a:t>
             </a:r>
           </a:p>
@@ -5077,7 +5106,7 @@
           <a:p>
             <a:pPr lvl="0"/>
             <a:r>
-              <a:rPr lang="en-US" smtClean="0"/>
+              <a:rPr lang="en-US"/>
               <a:t>Click to edit Master text styles</a:t>
             </a:r>
           </a:p>
@@ -5185,14 +5214,14 @@
           <a:p>
             <a:pPr lvl="0"/>
             <a:r>
-              <a:rPr lang="en-US" smtClean="0"/>
+              <a:rPr lang="en-US"/>
               <a:t>Click to edit Master text styles</a:t>
             </a:r>
           </a:p>
           <a:p>
             <a:pPr lvl="1"/>
             <a:r>
-              <a:rPr lang="en-US" smtClean="0"/>
+              <a:rPr lang="en-US"/>
               <a:t>Second level</a:t>
             </a:r>
           </a:p>
@@ -5398,7 +5427,7 @@
           <a:lstStyle/>
           <a:p>
             <a:r>
-              <a:rPr lang="en-US" smtClean="0"/>
+              <a:rPr lang="en-US"/>
               <a:t>Click to edit Master title style</a:t>
             </a:r>
             <a:endParaRPr lang="en-US" dirty="0"/>
@@ -5659,7 +5688,7 @@
           <a:p>
             <a:pPr lvl="0"/>
             <a:r>
-              <a:rPr lang="en-US" smtClean="0"/>
+              <a:rPr lang="en-US"/>
               <a:t>Click to edit Master text styles</a:t>
             </a:r>
           </a:p>
@@ -5726,14 +5755,14 @@
           <a:p>
             <a:pPr lvl="0"/>
             <a:r>
-              <a:rPr lang="en-US" smtClean="0"/>
+              <a:rPr lang="en-US"/>
               <a:t>Click to edit Master text styles</a:t>
             </a:r>
           </a:p>
           <a:p>
             <a:pPr lvl="1"/>
             <a:r>
-              <a:rPr lang="en-US" smtClean="0"/>
+              <a:rPr lang="en-US"/>
               <a:t>Second level</a:t>
             </a:r>
           </a:p>
@@ -5889,7 +5918,7 @@
           <a:p>
             <a:pPr lvl="0"/>
             <a:r>
-              <a:rPr lang="en-US" smtClean="0"/>
+              <a:rPr lang="en-US"/>
               <a:t>Click to edit Master text styles</a:t>
             </a:r>
           </a:p>
@@ -5956,14 +5985,14 @@
           <a:p>
             <a:pPr lvl="0"/>
             <a:r>
-              <a:rPr lang="en-US" smtClean="0"/>
+              <a:rPr lang="en-US"/>
               <a:t>Click to edit Master text styles</a:t>
             </a:r>
           </a:p>
           <a:p>
             <a:pPr lvl="1"/>
             <a:r>
-              <a:rPr lang="en-US" smtClean="0"/>
+              <a:rPr lang="en-US"/>
               <a:t>Second level</a:t>
             </a:r>
           </a:p>
@@ -6119,7 +6148,7 @@
           <a:p>
             <a:pPr lvl="0"/>
             <a:r>
-              <a:rPr lang="en-US" smtClean="0"/>
+              <a:rPr lang="en-US"/>
               <a:t>Click to edit Master text styles</a:t>
             </a:r>
           </a:p>
@@ -6183,14 +6212,14 @@
           <a:p>
             <a:pPr lvl="0"/>
             <a:r>
-              <a:rPr lang="en-US" smtClean="0"/>
+              <a:rPr lang="en-US"/>
               <a:t>Click to edit Master text styles</a:t>
             </a:r>
           </a:p>
           <a:p>
             <a:pPr lvl="1"/>
             <a:r>
-              <a:rPr lang="en-US" smtClean="0"/>
+              <a:rPr lang="en-US"/>
               <a:t>Second level</a:t>
             </a:r>
           </a:p>
@@ -6442,7 +6471,7 @@
           <p:cNvPr id="44" name="Rectangle 43">
             <a:extLst>
               <a:ext uri="{FF2B5EF4-FFF2-40B4-BE49-F238E27FC236}">
-                <a16:creationId xmlns="" xmlns:a16="http://schemas.microsoft.com/office/drawing/2014/main" id="{1A2E8BD4-BE75-7B4A-913B-399868EC08F6}"/>
+                <a16:creationId xmlns:a16="http://schemas.microsoft.com/office/drawing/2014/main" id="{1A2E8BD4-BE75-7B4A-913B-399868EC08F6}"/>
               </a:ext>
             </a:extLst>
           </p:cNvPr>
@@ -6505,7 +6534,7 @@
           <p:cNvPr id="64" name="Rectangle 63">
             <a:extLst>
               <a:ext uri="{FF2B5EF4-FFF2-40B4-BE49-F238E27FC236}">
-                <a16:creationId xmlns="" xmlns:a16="http://schemas.microsoft.com/office/drawing/2014/main" id="{EA21308E-ADCE-324E-8F58-80AAF08CE2E3}"/>
+                <a16:creationId xmlns:a16="http://schemas.microsoft.com/office/drawing/2014/main" id="{EA21308E-ADCE-324E-8F58-80AAF08CE2E3}"/>
               </a:ext>
             </a:extLst>
           </p:cNvPr>
@@ -6567,7 +6596,7 @@
           <p:cNvPr id="66" name="Rectangle 65">
             <a:extLst>
               <a:ext uri="{FF2B5EF4-FFF2-40B4-BE49-F238E27FC236}">
-                <a16:creationId xmlns="" xmlns:a16="http://schemas.microsoft.com/office/drawing/2014/main" id="{05B03B78-09D2-5346-B25E-294EAA5EF25C}"/>
+                <a16:creationId xmlns:a16="http://schemas.microsoft.com/office/drawing/2014/main" id="{05B03B78-09D2-5346-B25E-294EAA5EF25C}"/>
               </a:ext>
             </a:extLst>
           </p:cNvPr>
@@ -6629,7 +6658,7 @@
           <p:cNvPr id="68" name="Rectangle 67">
             <a:extLst>
               <a:ext uri="{FF2B5EF4-FFF2-40B4-BE49-F238E27FC236}">
-                <a16:creationId xmlns="" xmlns:a16="http://schemas.microsoft.com/office/drawing/2014/main" id="{1083C06A-A455-2746-9903-700FB00CC165}"/>
+                <a16:creationId xmlns:a16="http://schemas.microsoft.com/office/drawing/2014/main" id="{1083C06A-A455-2746-9903-700FB00CC165}"/>
               </a:ext>
             </a:extLst>
           </p:cNvPr>
@@ -6691,7 +6720,7 @@
           <p:cNvPr id="69" name="Rectangle 68">
             <a:extLst>
               <a:ext uri="{FF2B5EF4-FFF2-40B4-BE49-F238E27FC236}">
-                <a16:creationId xmlns="" xmlns:a16="http://schemas.microsoft.com/office/drawing/2014/main" id="{68C7D543-35B2-804E-8A03-7191A0229CEB}"/>
+                <a16:creationId xmlns:a16="http://schemas.microsoft.com/office/drawing/2014/main" id="{68C7D543-35B2-804E-8A03-7191A0229CEB}"/>
               </a:ext>
             </a:extLst>
           </p:cNvPr>
@@ -6754,7 +6783,7 @@
           <p:cNvPr id="70" name="Rectangle 69">
             <a:extLst>
               <a:ext uri="{FF2B5EF4-FFF2-40B4-BE49-F238E27FC236}">
-                <a16:creationId xmlns="" xmlns:a16="http://schemas.microsoft.com/office/drawing/2014/main" id="{F86551E3-D754-D444-83F5-3BC03736C853}"/>
+                <a16:creationId xmlns:a16="http://schemas.microsoft.com/office/drawing/2014/main" id="{F86551E3-D754-D444-83F5-3BC03736C853}"/>
               </a:ext>
             </a:extLst>
           </p:cNvPr>
@@ -6817,7 +6846,7 @@
           <p:cNvPr id="72" name="Rectangle 71">
             <a:extLst>
               <a:ext uri="{FF2B5EF4-FFF2-40B4-BE49-F238E27FC236}">
-                <a16:creationId xmlns="" xmlns:a16="http://schemas.microsoft.com/office/drawing/2014/main" id="{86D95270-2486-A047-AE2B-6A393CA82219}"/>
+                <a16:creationId xmlns:a16="http://schemas.microsoft.com/office/drawing/2014/main" id="{86D95270-2486-A047-AE2B-6A393CA82219}"/>
               </a:ext>
             </a:extLst>
           </p:cNvPr>
@@ -6879,7 +6908,7 @@
           <p:cNvPr id="74" name="Rectangle 73">
             <a:extLst>
               <a:ext uri="{FF2B5EF4-FFF2-40B4-BE49-F238E27FC236}">
-                <a16:creationId xmlns="" xmlns:a16="http://schemas.microsoft.com/office/drawing/2014/main" id="{7525AC67-83B9-814E-A597-81542C079DBE}"/>
+                <a16:creationId xmlns:a16="http://schemas.microsoft.com/office/drawing/2014/main" id="{7525AC67-83B9-814E-A597-81542C079DBE}"/>
               </a:ext>
             </a:extLst>
           </p:cNvPr>
@@ -6941,7 +6970,7 @@
           <p:cNvPr id="76" name="Rectangle 75">
             <a:extLst>
               <a:ext uri="{FF2B5EF4-FFF2-40B4-BE49-F238E27FC236}">
-                <a16:creationId xmlns="" xmlns:a16="http://schemas.microsoft.com/office/drawing/2014/main" id="{87B95C14-95D0-3B40-84C5-1997DC902410}"/>
+                <a16:creationId xmlns:a16="http://schemas.microsoft.com/office/drawing/2014/main" id="{87B95C14-95D0-3B40-84C5-1997DC902410}"/>
               </a:ext>
             </a:extLst>
           </p:cNvPr>
@@ -7003,7 +7032,7 @@
           <p:cNvPr id="77" name="Rectangle 76">
             <a:extLst>
               <a:ext uri="{FF2B5EF4-FFF2-40B4-BE49-F238E27FC236}">
-                <a16:creationId xmlns="" xmlns:a16="http://schemas.microsoft.com/office/drawing/2014/main" id="{357A6769-A3FE-AF45-A5B9-B4DE07654241}"/>
+                <a16:creationId xmlns:a16="http://schemas.microsoft.com/office/drawing/2014/main" id="{357A6769-A3FE-AF45-A5B9-B4DE07654241}"/>
               </a:ext>
             </a:extLst>
           </p:cNvPr>
@@ -7066,7 +7095,7 @@
           <p:cNvPr id="78" name="Rectangle 77">
             <a:extLst>
               <a:ext uri="{FF2B5EF4-FFF2-40B4-BE49-F238E27FC236}">
-                <a16:creationId xmlns="" xmlns:a16="http://schemas.microsoft.com/office/drawing/2014/main" id="{9C8896EC-57D3-D14C-8C64-7C13BABBD65B}"/>
+                <a16:creationId xmlns:a16="http://schemas.microsoft.com/office/drawing/2014/main" id="{9C8896EC-57D3-D14C-8C64-7C13BABBD65B}"/>
               </a:ext>
             </a:extLst>
           </p:cNvPr>
@@ -7129,7 +7158,7 @@
           <p:cNvPr id="80" name="Rectangle 79">
             <a:extLst>
               <a:ext uri="{FF2B5EF4-FFF2-40B4-BE49-F238E27FC236}">
-                <a16:creationId xmlns="" xmlns:a16="http://schemas.microsoft.com/office/drawing/2014/main" id="{8BA7915E-116F-6C4B-8C6B-F1DCB1CCFA84}"/>
+                <a16:creationId xmlns:a16="http://schemas.microsoft.com/office/drawing/2014/main" id="{8BA7915E-116F-6C4B-8C6B-F1DCB1CCFA84}"/>
               </a:ext>
             </a:extLst>
           </p:cNvPr>
@@ -7191,7 +7220,7 @@
           <p:cNvPr id="82" name="Rectangle 81">
             <a:extLst>
               <a:ext uri="{FF2B5EF4-FFF2-40B4-BE49-F238E27FC236}">
-                <a16:creationId xmlns="" xmlns:a16="http://schemas.microsoft.com/office/drawing/2014/main" id="{02BA596E-8DF1-6848-81CC-F32DEAA26CE5}"/>
+                <a16:creationId xmlns:a16="http://schemas.microsoft.com/office/drawing/2014/main" id="{02BA596E-8DF1-6848-81CC-F32DEAA26CE5}"/>
               </a:ext>
             </a:extLst>
           </p:cNvPr>
@@ -7253,7 +7282,7 @@
           <p:cNvPr id="84" name="Rectangle 83">
             <a:extLst>
               <a:ext uri="{FF2B5EF4-FFF2-40B4-BE49-F238E27FC236}">
-                <a16:creationId xmlns="" xmlns:a16="http://schemas.microsoft.com/office/drawing/2014/main" id="{C33A89F1-FC67-1848-A20B-36296B088A11}"/>
+                <a16:creationId xmlns:a16="http://schemas.microsoft.com/office/drawing/2014/main" id="{C33A89F1-FC67-1848-A20B-36296B088A11}"/>
               </a:ext>
             </a:extLst>
           </p:cNvPr>
@@ -7315,7 +7344,7 @@
           <p:cNvPr id="85" name="Rectangle 84">
             <a:extLst>
               <a:ext uri="{FF2B5EF4-FFF2-40B4-BE49-F238E27FC236}">
-                <a16:creationId xmlns="" xmlns:a16="http://schemas.microsoft.com/office/drawing/2014/main" id="{F2705203-A13A-C544-99F4-CEF3FA1C0B95}"/>
+                <a16:creationId xmlns:a16="http://schemas.microsoft.com/office/drawing/2014/main" id="{F2705203-A13A-C544-99F4-CEF3FA1C0B95}"/>
               </a:ext>
             </a:extLst>
           </p:cNvPr>
@@ -7378,7 +7407,7 @@
           <p:cNvPr id="86" name="Rectangle 85">
             <a:extLst>
               <a:ext uri="{FF2B5EF4-FFF2-40B4-BE49-F238E27FC236}">
-                <a16:creationId xmlns="" xmlns:a16="http://schemas.microsoft.com/office/drawing/2014/main" id="{4D7E306C-65B5-E24F-9F75-6A7D096FF30A}"/>
+                <a16:creationId xmlns:a16="http://schemas.microsoft.com/office/drawing/2014/main" id="{4D7E306C-65B5-E24F-9F75-6A7D096FF30A}"/>
               </a:ext>
             </a:extLst>
           </p:cNvPr>
@@ -7441,7 +7470,7 @@
           <p:cNvPr id="88" name="Rectangle 87">
             <a:extLst>
               <a:ext uri="{FF2B5EF4-FFF2-40B4-BE49-F238E27FC236}">
-                <a16:creationId xmlns="" xmlns:a16="http://schemas.microsoft.com/office/drawing/2014/main" id="{90AAB2C3-5BA5-684D-8ADA-EF1412D87D3E}"/>
+                <a16:creationId xmlns:a16="http://schemas.microsoft.com/office/drawing/2014/main" id="{90AAB2C3-5BA5-684D-8ADA-EF1412D87D3E}"/>
               </a:ext>
             </a:extLst>
           </p:cNvPr>
@@ -7503,7 +7532,7 @@
           <p:cNvPr id="90" name="Rectangle 89">
             <a:extLst>
               <a:ext uri="{FF2B5EF4-FFF2-40B4-BE49-F238E27FC236}">
-                <a16:creationId xmlns="" xmlns:a16="http://schemas.microsoft.com/office/drawing/2014/main" id="{86508930-77D3-2F44-8FB5-82777D818B3E}"/>
+                <a16:creationId xmlns:a16="http://schemas.microsoft.com/office/drawing/2014/main" id="{86508930-77D3-2F44-8FB5-82777D818B3E}"/>
               </a:ext>
             </a:extLst>
           </p:cNvPr>
@@ -7565,7 +7594,7 @@
           <p:cNvPr id="92" name="Rectangle 91">
             <a:extLst>
               <a:ext uri="{FF2B5EF4-FFF2-40B4-BE49-F238E27FC236}">
-                <a16:creationId xmlns="" xmlns:a16="http://schemas.microsoft.com/office/drawing/2014/main" id="{715D9808-3CEA-D344-AD04-878335C3A293}"/>
+                <a16:creationId xmlns:a16="http://schemas.microsoft.com/office/drawing/2014/main" id="{715D9808-3CEA-D344-AD04-878335C3A293}"/>
               </a:ext>
             </a:extLst>
           </p:cNvPr>
@@ -7627,7 +7656,7 @@
           <p:cNvPr id="93" name="Rectangle 92">
             <a:extLst>
               <a:ext uri="{FF2B5EF4-FFF2-40B4-BE49-F238E27FC236}">
-                <a16:creationId xmlns="" xmlns:a16="http://schemas.microsoft.com/office/drawing/2014/main" id="{B811A609-4BD0-D542-B1AE-4D2501266EBF}"/>
+                <a16:creationId xmlns:a16="http://schemas.microsoft.com/office/drawing/2014/main" id="{B811A609-4BD0-D542-B1AE-4D2501266EBF}"/>
               </a:ext>
             </a:extLst>
           </p:cNvPr>
@@ -7949,28 +7978,28 @@
           <a:p>
             <a:pPr lvl="0"/>
             <a:r>
-              <a:rPr lang="en-US" smtClean="0"/>
+              <a:rPr lang="en-US"/>
               <a:t>Click to edit Master text styles</a:t>
             </a:r>
           </a:p>
           <a:p>
             <a:pPr lvl="1"/>
             <a:r>
-              <a:rPr lang="en-US" smtClean="0"/>
+              <a:rPr lang="en-US"/>
               <a:t>Second level</a:t>
             </a:r>
           </a:p>
           <a:p>
             <a:pPr lvl="2"/>
             <a:r>
-              <a:rPr lang="en-US" smtClean="0"/>
+              <a:rPr lang="en-US"/>
               <a:t>Third level</a:t>
             </a:r>
           </a:p>
           <a:p>
             <a:pPr lvl="3"/>
             <a:r>
-              <a:rPr lang="en-US" smtClean="0"/>
+              <a:rPr lang="en-US"/>
               <a:t>Fourth level</a:t>
             </a:r>
           </a:p>
@@ -8036,28 +8065,28 @@
           <a:p>
             <a:pPr lvl="0"/>
             <a:r>
-              <a:rPr lang="en-US" smtClean="0"/>
+              <a:rPr lang="en-US"/>
               <a:t>Click to edit Master text styles</a:t>
             </a:r>
           </a:p>
           <a:p>
             <a:pPr lvl="1"/>
             <a:r>
-              <a:rPr lang="en-US" smtClean="0"/>
+              <a:rPr lang="en-US"/>
               <a:t>Second level</a:t>
             </a:r>
           </a:p>
           <a:p>
             <a:pPr lvl="2"/>
             <a:r>
-              <a:rPr lang="en-US" smtClean="0"/>
+              <a:rPr lang="en-US"/>
               <a:t>Third level</a:t>
             </a:r>
           </a:p>
           <a:p>
             <a:pPr lvl="3"/>
             <a:r>
-              <a:rPr lang="en-US" smtClean="0"/>
+              <a:rPr lang="en-US"/>
               <a:t>Fourth level</a:t>
             </a:r>
           </a:p>
@@ -8089,7 +8118,7 @@
           <a:lstStyle/>
           <a:p>
             <a:r>
-              <a:rPr lang="en-US" smtClean="0"/>
+              <a:rPr lang="en-US"/>
               <a:t>Click to edit Master title style</a:t>
             </a:r>
             <a:endParaRPr lang="en-US" dirty="0"/>
@@ -8379,7 +8408,7 @@
           </a:lstStyle>
           <a:p>
             <a:r>
-              <a:rPr lang="en-US" smtClean="0"/>
+              <a:rPr lang="en-US"/>
               <a:t>Click icon to add picture</a:t>
             </a:r>
             <a:endParaRPr lang="en-US" dirty="0"/>
@@ -8507,28 +8536,28 @@
           <a:p>
             <a:pPr lvl="0"/>
             <a:r>
-              <a:rPr lang="en-US" smtClean="0"/>
+              <a:rPr lang="en-US"/>
               <a:t>Click to edit Master text styles</a:t>
             </a:r>
           </a:p>
           <a:p>
             <a:pPr lvl="1"/>
             <a:r>
-              <a:rPr lang="en-US" smtClean="0"/>
+              <a:rPr lang="en-US"/>
               <a:t>Second level</a:t>
             </a:r>
           </a:p>
           <a:p>
             <a:pPr lvl="2"/>
             <a:r>
-              <a:rPr lang="en-US" smtClean="0"/>
+              <a:rPr lang="en-US"/>
               <a:t>Third level</a:t>
             </a:r>
           </a:p>
           <a:p>
             <a:pPr lvl="3"/>
             <a:r>
-              <a:rPr lang="en-US" smtClean="0"/>
+              <a:rPr lang="en-US"/>
               <a:t>Fourth level</a:t>
             </a:r>
           </a:p>
@@ -8567,7 +8596,7 @@
           </a:lstStyle>
           <a:p>
             <a:r>
-              <a:rPr lang="en-US" smtClean="0"/>
+              <a:rPr lang="en-US"/>
               <a:t>Click icon to add picture</a:t>
             </a:r>
             <a:endParaRPr lang="en-US" dirty="0"/>
@@ -8590,7 +8619,7 @@
           <a:lstStyle/>
           <a:p>
             <a:r>
-              <a:rPr lang="en-US" smtClean="0"/>
+              <a:rPr lang="en-US"/>
               <a:t>Click to edit Master title style</a:t>
             </a:r>
             <a:endParaRPr lang="en-US" dirty="0"/>
@@ -8634,7 +8663,7 @@
           <a:p>
             <a:pPr lvl="0"/>
             <a:r>
-              <a:rPr lang="en-US" smtClean="0"/>
+              <a:rPr lang="en-US"/>
               <a:t>Click to edit Master text styles</a:t>
             </a:r>
           </a:p>
@@ -8677,7 +8706,7 @@
           <a:p>
             <a:pPr lvl="0"/>
             <a:r>
-              <a:rPr lang="en-US" smtClean="0"/>
+              <a:rPr lang="en-US"/>
               <a:t>Click to edit Master text styles</a:t>
             </a:r>
           </a:p>
@@ -8904,28 +8933,28 @@
           <a:p>
             <a:pPr lvl="0"/>
             <a:r>
-              <a:rPr lang="en-US" smtClean="0"/>
+              <a:rPr lang="en-US"/>
               <a:t>Click to edit Master text styles</a:t>
             </a:r>
           </a:p>
           <a:p>
             <a:pPr lvl="1"/>
             <a:r>
-              <a:rPr lang="en-US" smtClean="0"/>
+              <a:rPr lang="en-US"/>
               <a:t>Second level</a:t>
             </a:r>
           </a:p>
           <a:p>
             <a:pPr lvl="2"/>
             <a:r>
-              <a:rPr lang="en-US" smtClean="0"/>
+              <a:rPr lang="en-US"/>
               <a:t>Third level</a:t>
             </a:r>
           </a:p>
           <a:p>
             <a:pPr lvl="3"/>
             <a:r>
-              <a:rPr lang="en-US" smtClean="0"/>
+              <a:rPr lang="en-US"/>
               <a:t>Fourth level</a:t>
             </a:r>
           </a:p>
@@ -8947,7 +8976,7 @@
           <a:lstStyle/>
           <a:p>
             <a:r>
-              <a:rPr lang="en-US" smtClean="0"/>
+              <a:rPr lang="en-US"/>
               <a:t>Click to edit Master title style</a:t>
             </a:r>
             <a:endParaRPr lang="en-US" dirty="0"/>
@@ -9191,7 +9220,7 @@
           <a:lstStyle/>
           <a:p>
             <a:r>
-              <a:rPr lang="en-US" smtClean="0"/>
+              <a:rPr lang="en-US"/>
               <a:t>Click to edit Master title style</a:t>
             </a:r>
             <a:endParaRPr lang="en-US" dirty="0"/>
@@ -9262,28 +9291,28 @@
           <a:p>
             <a:pPr lvl="0"/>
             <a:r>
-              <a:rPr lang="en-US" smtClean="0"/>
+              <a:rPr lang="en-US"/>
               <a:t>Click to edit Master text styles</a:t>
             </a:r>
           </a:p>
           <a:p>
             <a:pPr lvl="1"/>
             <a:r>
-              <a:rPr lang="en-US" smtClean="0"/>
+              <a:rPr lang="en-US"/>
               <a:t>Second level</a:t>
             </a:r>
           </a:p>
           <a:p>
             <a:pPr lvl="2"/>
             <a:r>
-              <a:rPr lang="en-US" smtClean="0"/>
+              <a:rPr lang="en-US"/>
               <a:t>Third level</a:t>
             </a:r>
           </a:p>
           <a:p>
             <a:pPr lvl="3"/>
             <a:r>
-              <a:rPr lang="en-US" smtClean="0"/>
+              <a:rPr lang="en-US"/>
               <a:t>Fourth level</a:t>
             </a:r>
           </a:p>
@@ -9495,28 +9524,28 @@
           <a:p>
             <a:pPr lvl="0"/>
             <a:r>
-              <a:rPr lang="en-US" smtClean="0"/>
+              <a:rPr lang="en-US"/>
               <a:t>Click to edit Master text styles</a:t>
             </a:r>
           </a:p>
           <a:p>
             <a:pPr lvl="1"/>
             <a:r>
-              <a:rPr lang="en-US" smtClean="0"/>
+              <a:rPr lang="en-US"/>
               <a:t>Second level</a:t>
             </a:r>
           </a:p>
           <a:p>
             <a:pPr lvl="2"/>
             <a:r>
-              <a:rPr lang="en-US" smtClean="0"/>
+              <a:rPr lang="en-US"/>
               <a:t>Third level</a:t>
             </a:r>
           </a:p>
           <a:p>
             <a:pPr lvl="3"/>
             <a:r>
-              <a:rPr lang="en-US" smtClean="0"/>
+              <a:rPr lang="en-US"/>
               <a:t>Fourth level</a:t>
             </a:r>
           </a:p>
@@ -9639,7 +9668,7 @@
           <a:p>
             <a:pPr lvl="0"/>
             <a:r>
-              <a:rPr lang="en-US" smtClean="0"/>
+              <a:rPr lang="en-US"/>
               <a:t>Click to edit Master text styles</a:t>
             </a:r>
           </a:p>
@@ -9650,7 +9679,7 @@
           <p:cNvPr id="15" name="Rectangle 14">
             <a:extLst>
               <a:ext uri="{FF2B5EF4-FFF2-40B4-BE49-F238E27FC236}">
-                <a16:creationId xmlns="" xmlns:a16="http://schemas.microsoft.com/office/drawing/2014/main" id="{A70118BD-8500-F84D-986B-E284CF4B8663}"/>
+                <a16:creationId xmlns:a16="http://schemas.microsoft.com/office/drawing/2014/main" id="{A70118BD-8500-F84D-986B-E284CF4B8663}"/>
               </a:ext>
             </a:extLst>
           </p:cNvPr>
@@ -9699,7 +9728,7 @@
           <p:cNvPr id="16" name="Rectangle 15">
             <a:extLst>
               <a:ext uri="{FF2B5EF4-FFF2-40B4-BE49-F238E27FC236}">
-                <a16:creationId xmlns="" xmlns:a16="http://schemas.microsoft.com/office/drawing/2014/main" id="{00F14C4E-C403-9245-A7DE-FB8FA327E29D}"/>
+                <a16:creationId xmlns:a16="http://schemas.microsoft.com/office/drawing/2014/main" id="{00F14C4E-C403-9245-A7DE-FB8FA327E29D}"/>
               </a:ext>
             </a:extLst>
           </p:cNvPr>
@@ -9757,7 +9786,7 @@
           <p:cNvPr id="17" name="Straight Connector 16">
             <a:extLst>
               <a:ext uri="{FF2B5EF4-FFF2-40B4-BE49-F238E27FC236}">
-                <a16:creationId xmlns="" xmlns:a16="http://schemas.microsoft.com/office/drawing/2014/main" id="{87EF78B9-8C7A-BB4D-ABE9-F40E5EFA44EC}"/>
+                <a16:creationId xmlns:a16="http://schemas.microsoft.com/office/drawing/2014/main" id="{87EF78B9-8C7A-BB4D-ABE9-F40E5EFA44EC}"/>
               </a:ext>
             </a:extLst>
           </p:cNvPr>
@@ -9801,7 +9830,7 @@
           <p:cNvPr id="18" name="Rectangle 17">
             <a:extLst>
               <a:ext uri="{FF2B5EF4-FFF2-40B4-BE49-F238E27FC236}">
-                <a16:creationId xmlns="" xmlns:a16="http://schemas.microsoft.com/office/drawing/2014/main" id="{D876D8D7-10EF-A04C-9415-49E0C913A0FB}"/>
+                <a16:creationId xmlns:a16="http://schemas.microsoft.com/office/drawing/2014/main" id="{D876D8D7-10EF-A04C-9415-49E0C913A0FB}"/>
               </a:ext>
             </a:extLst>
           </p:cNvPr>
@@ -9850,7 +9879,7 @@
           <p:cNvPr id="19" name="Rectangle 18">
             <a:extLst>
               <a:ext uri="{FF2B5EF4-FFF2-40B4-BE49-F238E27FC236}">
-                <a16:creationId xmlns="" xmlns:a16="http://schemas.microsoft.com/office/drawing/2014/main" id="{6E7C39EB-E167-B346-B712-92ABB0BF75AD}"/>
+                <a16:creationId xmlns:a16="http://schemas.microsoft.com/office/drawing/2014/main" id="{6E7C39EB-E167-B346-B712-92ABB0BF75AD}"/>
               </a:ext>
             </a:extLst>
           </p:cNvPr>
@@ -9908,7 +9937,7 @@
           <p:cNvPr id="21" name="Straight Connector 20">
             <a:extLst>
               <a:ext uri="{FF2B5EF4-FFF2-40B4-BE49-F238E27FC236}">
-                <a16:creationId xmlns="" xmlns:a16="http://schemas.microsoft.com/office/drawing/2014/main" id="{466DFCA9-DAED-3741-87E0-8A788CD33B31}"/>
+                <a16:creationId xmlns:a16="http://schemas.microsoft.com/office/drawing/2014/main" id="{466DFCA9-DAED-3741-87E0-8A788CD33B31}"/>
               </a:ext>
             </a:extLst>
           </p:cNvPr>
@@ -9952,7 +9981,7 @@
           <p:cNvPr id="22" name="Rectangle 21">
             <a:extLst>
               <a:ext uri="{FF2B5EF4-FFF2-40B4-BE49-F238E27FC236}">
-                <a16:creationId xmlns="" xmlns:a16="http://schemas.microsoft.com/office/drawing/2014/main" id="{117B51E1-4AED-DB42-AD96-5A9FB61ED019}"/>
+                <a16:creationId xmlns:a16="http://schemas.microsoft.com/office/drawing/2014/main" id="{117B51E1-4AED-DB42-AD96-5A9FB61ED019}"/>
               </a:ext>
             </a:extLst>
           </p:cNvPr>
@@ -10001,7 +10030,7 @@
           <p:cNvPr id="23" name="Rectangle 22">
             <a:extLst>
               <a:ext uri="{FF2B5EF4-FFF2-40B4-BE49-F238E27FC236}">
-                <a16:creationId xmlns="" xmlns:a16="http://schemas.microsoft.com/office/drawing/2014/main" id="{32DEE475-A2D5-E14F-9F3A-43FB432C2DDE}"/>
+                <a16:creationId xmlns:a16="http://schemas.microsoft.com/office/drawing/2014/main" id="{32DEE475-A2D5-E14F-9F3A-43FB432C2DDE}"/>
               </a:ext>
             </a:extLst>
           </p:cNvPr>
@@ -10059,7 +10088,7 @@
           <p:cNvPr id="24" name="Straight Connector 23">
             <a:extLst>
               <a:ext uri="{FF2B5EF4-FFF2-40B4-BE49-F238E27FC236}">
-                <a16:creationId xmlns="" xmlns:a16="http://schemas.microsoft.com/office/drawing/2014/main" id="{A3AD7A21-2DCE-B04E-9377-494784E12B9A}"/>
+                <a16:creationId xmlns:a16="http://schemas.microsoft.com/office/drawing/2014/main" id="{A3AD7A21-2DCE-B04E-9377-494784E12B9A}"/>
               </a:ext>
             </a:extLst>
           </p:cNvPr>
@@ -10103,7 +10132,7 @@
           <p:cNvPr id="25" name="Rectangle 24">
             <a:extLst>
               <a:ext uri="{FF2B5EF4-FFF2-40B4-BE49-F238E27FC236}">
-                <a16:creationId xmlns="" xmlns:a16="http://schemas.microsoft.com/office/drawing/2014/main" id="{F8A5EFC8-95EF-5A45-85AF-741D41772FA2}"/>
+                <a16:creationId xmlns:a16="http://schemas.microsoft.com/office/drawing/2014/main" id="{F8A5EFC8-95EF-5A45-85AF-741D41772FA2}"/>
               </a:ext>
             </a:extLst>
           </p:cNvPr>
@@ -10152,7 +10181,7 @@
           <p:cNvPr id="26" name="Rectangle 25">
             <a:extLst>
               <a:ext uri="{FF2B5EF4-FFF2-40B4-BE49-F238E27FC236}">
-                <a16:creationId xmlns="" xmlns:a16="http://schemas.microsoft.com/office/drawing/2014/main" id="{112CC734-5C86-9145-B7EF-5BC343A9E833}"/>
+                <a16:creationId xmlns:a16="http://schemas.microsoft.com/office/drawing/2014/main" id="{112CC734-5C86-9145-B7EF-5BC343A9E833}"/>
               </a:ext>
             </a:extLst>
           </p:cNvPr>
@@ -10210,7 +10239,7 @@
           <p:cNvPr id="27" name="Straight Connector 26">
             <a:extLst>
               <a:ext uri="{FF2B5EF4-FFF2-40B4-BE49-F238E27FC236}">
-                <a16:creationId xmlns="" xmlns:a16="http://schemas.microsoft.com/office/drawing/2014/main" id="{F6ED15B8-ADA4-324F-BA09-09DB8AC9DE89}"/>
+                <a16:creationId xmlns:a16="http://schemas.microsoft.com/office/drawing/2014/main" id="{F6ED15B8-ADA4-324F-BA09-09DB8AC9DE89}"/>
               </a:ext>
             </a:extLst>
           </p:cNvPr>
@@ -10254,7 +10283,7 @@
           <p:cNvPr id="28" name="Rectangle 27">
             <a:extLst>
               <a:ext uri="{FF2B5EF4-FFF2-40B4-BE49-F238E27FC236}">
-                <a16:creationId xmlns="" xmlns:a16="http://schemas.microsoft.com/office/drawing/2014/main" id="{D223C678-F749-2143-B9BE-C374CF56F289}"/>
+                <a16:creationId xmlns:a16="http://schemas.microsoft.com/office/drawing/2014/main" id="{D223C678-F749-2143-B9BE-C374CF56F289}"/>
               </a:ext>
             </a:extLst>
           </p:cNvPr>
@@ -10303,7 +10332,7 @@
           <p:cNvPr id="29" name="Rectangle 28">
             <a:extLst>
               <a:ext uri="{FF2B5EF4-FFF2-40B4-BE49-F238E27FC236}">
-                <a16:creationId xmlns="" xmlns:a16="http://schemas.microsoft.com/office/drawing/2014/main" id="{5CA51D17-7C77-8B49-8423-A7AC69BA68B2}"/>
+                <a16:creationId xmlns:a16="http://schemas.microsoft.com/office/drawing/2014/main" id="{5CA51D17-7C77-8B49-8423-A7AC69BA68B2}"/>
               </a:ext>
             </a:extLst>
           </p:cNvPr>
@@ -10361,7 +10390,7 @@
           <p:cNvPr id="30" name="Straight Connector 29">
             <a:extLst>
               <a:ext uri="{FF2B5EF4-FFF2-40B4-BE49-F238E27FC236}">
-                <a16:creationId xmlns="" xmlns:a16="http://schemas.microsoft.com/office/drawing/2014/main" id="{4349CBFC-4AE9-D14C-A773-4CA1FC7097C2}"/>
+                <a16:creationId xmlns:a16="http://schemas.microsoft.com/office/drawing/2014/main" id="{4349CBFC-4AE9-D14C-A773-4CA1FC7097C2}"/>
               </a:ext>
             </a:extLst>
           </p:cNvPr>
@@ -10451,7 +10480,7 @@
           <p:cNvPr id="15" name="Rectangle 14">
             <a:extLst>
               <a:ext uri="{FF2B5EF4-FFF2-40B4-BE49-F238E27FC236}">
-                <a16:creationId xmlns="" xmlns:a16="http://schemas.microsoft.com/office/drawing/2014/main" id="{3AD1D600-8D4E-9440-BD68-670F10BFF878}"/>
+                <a16:creationId xmlns:a16="http://schemas.microsoft.com/office/drawing/2014/main" id="{3AD1D600-8D4E-9440-BD68-670F10BFF878}"/>
               </a:ext>
             </a:extLst>
           </p:cNvPr>
@@ -10514,7 +10543,7 @@
           <p:cNvPr id="33" name="Content Placeholder 9">
             <a:extLst>
               <a:ext uri="{FF2B5EF4-FFF2-40B4-BE49-F238E27FC236}">
-                <a16:creationId xmlns="" xmlns:a16="http://schemas.microsoft.com/office/drawing/2014/main" id="{E5757108-B059-A248-8F1C-8F86A0FEF605}"/>
+                <a16:creationId xmlns:a16="http://schemas.microsoft.com/office/drawing/2014/main" id="{E5757108-B059-A248-8F1C-8F86A0FEF605}"/>
               </a:ext>
             </a:extLst>
           </p:cNvPr>
@@ -10555,28 +10584,28 @@
           <a:p>
             <a:pPr lvl="0"/>
             <a:r>
-              <a:rPr lang="en-US" smtClean="0"/>
+              <a:rPr lang="en-US"/>
               <a:t>Click to edit Master text styles</a:t>
             </a:r>
           </a:p>
           <a:p>
             <a:pPr lvl="1"/>
             <a:r>
-              <a:rPr lang="en-US" smtClean="0"/>
+              <a:rPr lang="en-US"/>
               <a:t>Second level</a:t>
             </a:r>
           </a:p>
           <a:p>
             <a:pPr lvl="2"/>
             <a:r>
-              <a:rPr lang="en-US" smtClean="0"/>
+              <a:rPr lang="en-US"/>
               <a:t>Third level</a:t>
             </a:r>
           </a:p>
           <a:p>
             <a:pPr lvl="3"/>
             <a:r>
-              <a:rPr lang="en-US" smtClean="0"/>
+              <a:rPr lang="en-US"/>
               <a:t>Fourth level</a:t>
             </a:r>
           </a:p>
@@ -10587,7 +10616,7 @@
           <p:cNvPr id="18" name="Title 4">
             <a:extLst>
               <a:ext uri="{FF2B5EF4-FFF2-40B4-BE49-F238E27FC236}">
-                <a16:creationId xmlns="" xmlns:a16="http://schemas.microsoft.com/office/drawing/2014/main" id="{54C80A73-F9E9-4046-8E7E-5EF6EAC211F7}"/>
+                <a16:creationId xmlns:a16="http://schemas.microsoft.com/office/drawing/2014/main" id="{54C80A73-F9E9-4046-8E7E-5EF6EAC211F7}"/>
               </a:ext>
             </a:extLst>
           </p:cNvPr>
@@ -10609,7 +10638,7 @@
           <a:lstStyle/>
           <a:p>
             <a:r>
-              <a:rPr lang="en-US" smtClean="0"/>
+              <a:rPr lang="en-US"/>
               <a:t>Click to edit Master title style</a:t>
             </a:r>
             <a:endParaRPr lang="en-US" dirty="0"/>
@@ -10621,7 +10650,7 @@
           <p:cNvPr id="21" name="Footer Placeholder 8">
             <a:extLst>
               <a:ext uri="{FF2B5EF4-FFF2-40B4-BE49-F238E27FC236}">
-                <a16:creationId xmlns="" xmlns:a16="http://schemas.microsoft.com/office/drawing/2014/main" id="{C3E21816-985A-4842-9B5C-1AE1FD67F93D}"/>
+                <a16:creationId xmlns:a16="http://schemas.microsoft.com/office/drawing/2014/main" id="{C3E21816-985A-4842-9B5C-1AE1FD67F93D}"/>
               </a:ext>
             </a:extLst>
           </p:cNvPr>
@@ -10655,7 +10684,7 @@
           <p:cNvPr id="22" name="Slide Number Placeholder 9">
             <a:extLst>
               <a:ext uri="{FF2B5EF4-FFF2-40B4-BE49-F238E27FC236}">
-                <a16:creationId xmlns="" xmlns:a16="http://schemas.microsoft.com/office/drawing/2014/main" id="{60C016E8-485E-4B4C-9B12-494CE681D889}"/>
+                <a16:creationId xmlns:a16="http://schemas.microsoft.com/office/drawing/2014/main" id="{60C016E8-485E-4B4C-9B12-494CE681D889}"/>
               </a:ext>
             </a:extLst>
           </p:cNvPr>
@@ -10690,7 +10719,7 @@
           <p:cNvPr id="23" name="Straight Connector 22">
             <a:extLst>
               <a:ext uri="{FF2B5EF4-FFF2-40B4-BE49-F238E27FC236}">
-                <a16:creationId xmlns="" xmlns:a16="http://schemas.microsoft.com/office/drawing/2014/main" id="{889DDCA8-8073-7B4D-8A83-8532760E15A0}"/>
+                <a16:creationId xmlns:a16="http://schemas.microsoft.com/office/drawing/2014/main" id="{889DDCA8-8073-7B4D-8A83-8532760E15A0}"/>
               </a:ext>
             </a:extLst>
           </p:cNvPr>
@@ -10734,7 +10763,7 @@
           <p:cNvPr id="24" name="Content Placeholder 9">
             <a:extLst>
               <a:ext uri="{FF2B5EF4-FFF2-40B4-BE49-F238E27FC236}">
-                <a16:creationId xmlns="" xmlns:a16="http://schemas.microsoft.com/office/drawing/2014/main" id="{D3349FF2-9B18-554A-A94D-3C2C9A6FAA25}"/>
+                <a16:creationId xmlns:a16="http://schemas.microsoft.com/office/drawing/2014/main" id="{D3349FF2-9B18-554A-A94D-3C2C9A6FAA25}"/>
               </a:ext>
             </a:extLst>
           </p:cNvPr>
@@ -10775,28 +10804,28 @@
           <a:p>
             <a:pPr lvl="0"/>
             <a:r>
-              <a:rPr lang="en-US" smtClean="0"/>
+              <a:rPr lang="en-US"/>
               <a:t>Click to edit Master text styles</a:t>
             </a:r>
           </a:p>
           <a:p>
             <a:pPr lvl="1"/>
             <a:r>
-              <a:rPr lang="en-US" smtClean="0"/>
+              <a:rPr lang="en-US"/>
               <a:t>Second level</a:t>
             </a:r>
           </a:p>
           <a:p>
             <a:pPr lvl="2"/>
             <a:r>
-              <a:rPr lang="en-US" smtClean="0"/>
+              <a:rPr lang="en-US"/>
               <a:t>Third level</a:t>
             </a:r>
           </a:p>
           <a:p>
             <a:pPr lvl="3"/>
             <a:r>
-              <a:rPr lang="en-US" smtClean="0"/>
+              <a:rPr lang="en-US"/>
               <a:t>Fourth level</a:t>
             </a:r>
           </a:p>
@@ -10807,7 +10836,7 @@
           <p:cNvPr id="29" name="Text Placeholder 28">
             <a:extLst>
               <a:ext uri="{FF2B5EF4-FFF2-40B4-BE49-F238E27FC236}">
-                <a16:creationId xmlns="" xmlns:a16="http://schemas.microsoft.com/office/drawing/2014/main" id="{2440EF58-44DC-F34E-95FC-2EA13B3013F1}"/>
+                <a16:creationId xmlns:a16="http://schemas.microsoft.com/office/drawing/2014/main" id="{2440EF58-44DC-F34E-95FC-2EA13B3013F1}"/>
               </a:ext>
             </a:extLst>
           </p:cNvPr>
@@ -10864,7 +10893,7 @@
           <p:cNvPr id="30" name="Text Placeholder 28">
             <a:extLst>
               <a:ext uri="{FF2B5EF4-FFF2-40B4-BE49-F238E27FC236}">
-                <a16:creationId xmlns="" xmlns:a16="http://schemas.microsoft.com/office/drawing/2014/main" id="{7EEC2D55-F1DE-FA4B-A258-428D3D36C29E}"/>
+                <a16:creationId xmlns:a16="http://schemas.microsoft.com/office/drawing/2014/main" id="{7EEC2D55-F1DE-FA4B-A258-428D3D36C29E}"/>
               </a:ext>
             </a:extLst>
           </p:cNvPr>
@@ -10921,7 +10950,7 @@
           <p:cNvPr id="19" name="Content Placeholder 6">
             <a:extLst>
               <a:ext uri="{FF2B5EF4-FFF2-40B4-BE49-F238E27FC236}">
-                <a16:creationId xmlns="" xmlns:a16="http://schemas.microsoft.com/office/drawing/2014/main" id="{5F4CB608-1865-2E47-BF8A-850A58CA77AC}"/>
+                <a16:creationId xmlns:a16="http://schemas.microsoft.com/office/drawing/2014/main" id="{5F4CB608-1865-2E47-BF8A-850A58CA77AC}"/>
               </a:ext>
             </a:extLst>
           </p:cNvPr>
@@ -10974,28 +11003,28 @@
           <a:p>
             <a:pPr lvl="0"/>
             <a:r>
-              <a:rPr lang="en-US" smtClean="0"/>
+              <a:rPr lang="en-US"/>
               <a:t>Click to edit Master text styles</a:t>
             </a:r>
           </a:p>
           <a:p>
             <a:pPr lvl="1"/>
             <a:r>
-              <a:rPr lang="en-US" smtClean="0"/>
+              <a:rPr lang="en-US"/>
               <a:t>Second level</a:t>
             </a:r>
           </a:p>
           <a:p>
             <a:pPr lvl="2"/>
             <a:r>
-              <a:rPr lang="en-US" smtClean="0"/>
+              <a:rPr lang="en-US"/>
               <a:t>Third level</a:t>
             </a:r>
           </a:p>
           <a:p>
             <a:pPr lvl="3"/>
             <a:r>
-              <a:rPr lang="en-US" smtClean="0"/>
+              <a:rPr lang="en-US"/>
               <a:t>Fourth level</a:t>
             </a:r>
           </a:p>
@@ -11006,7 +11035,7 @@
           <p:cNvPr id="25" name="Content Placeholder 6">
             <a:extLst>
               <a:ext uri="{FF2B5EF4-FFF2-40B4-BE49-F238E27FC236}">
-                <a16:creationId xmlns="" xmlns:a16="http://schemas.microsoft.com/office/drawing/2014/main" id="{264585F3-5B37-E340-BB36-BF899EBE4C86}"/>
+                <a16:creationId xmlns:a16="http://schemas.microsoft.com/office/drawing/2014/main" id="{264585F3-5B37-E340-BB36-BF899EBE4C86}"/>
               </a:ext>
             </a:extLst>
           </p:cNvPr>
@@ -11059,28 +11088,28 @@
           <a:p>
             <a:pPr lvl="0"/>
             <a:r>
-              <a:rPr lang="en-US" smtClean="0"/>
+              <a:rPr lang="en-US"/>
               <a:t>Click to edit Master text styles</a:t>
             </a:r>
           </a:p>
           <a:p>
             <a:pPr lvl="1"/>
             <a:r>
-              <a:rPr lang="en-US" smtClean="0"/>
+              <a:rPr lang="en-US"/>
               <a:t>Second level</a:t>
             </a:r>
           </a:p>
           <a:p>
             <a:pPr lvl="2"/>
             <a:r>
-              <a:rPr lang="en-US" smtClean="0"/>
+              <a:rPr lang="en-US"/>
               <a:t>Third level</a:t>
             </a:r>
           </a:p>
           <a:p>
             <a:pPr lvl="3"/>
             <a:r>
-              <a:rPr lang="en-US" smtClean="0"/>
+              <a:rPr lang="en-US"/>
               <a:t>Fourth level</a:t>
             </a:r>
           </a:p>
@@ -11149,7 +11178,7 @@
           <p:cNvPr id="14" name="Rectangle 13">
             <a:extLst>
               <a:ext uri="{FF2B5EF4-FFF2-40B4-BE49-F238E27FC236}">
-                <a16:creationId xmlns="" xmlns:a16="http://schemas.microsoft.com/office/drawing/2014/main" id="{111B0170-4407-094E-99B7-77A0D4396FB9}"/>
+                <a16:creationId xmlns:a16="http://schemas.microsoft.com/office/drawing/2014/main" id="{111B0170-4407-094E-99B7-77A0D4396FB9}"/>
               </a:ext>
             </a:extLst>
           </p:cNvPr>
@@ -11212,7 +11241,7 @@
           <p:cNvPr id="11" name="Picture Placeholder 10">
             <a:extLst>
               <a:ext uri="{FF2B5EF4-FFF2-40B4-BE49-F238E27FC236}">
-                <a16:creationId xmlns="" xmlns:a16="http://schemas.microsoft.com/office/drawing/2014/main" id="{BC092A6A-06E3-7048-ABCC-EBDC942DFB04}"/>
+                <a16:creationId xmlns:a16="http://schemas.microsoft.com/office/drawing/2014/main" id="{BC092A6A-06E3-7048-ABCC-EBDC942DFB04}"/>
               </a:ext>
             </a:extLst>
           </p:cNvPr>
@@ -11241,7 +11270,7 @@
           </a:lstStyle>
           <a:p>
             <a:r>
-              <a:rPr lang="en-US" smtClean="0"/>
+              <a:rPr lang="en-US"/>
               <a:t>Click icon to add picture</a:t>
             </a:r>
             <a:endParaRPr lang="en-US" dirty="0"/>
@@ -11253,7 +11282,7 @@
           <p:cNvPr id="16" name="Title 2">
             <a:extLst>
               <a:ext uri="{FF2B5EF4-FFF2-40B4-BE49-F238E27FC236}">
-                <a16:creationId xmlns="" xmlns:a16="http://schemas.microsoft.com/office/drawing/2014/main" id="{95E313C6-5A93-9046-8797-EC4BBB5A6972}"/>
+                <a16:creationId xmlns:a16="http://schemas.microsoft.com/office/drawing/2014/main" id="{95E313C6-5A93-9046-8797-EC4BBB5A6972}"/>
               </a:ext>
             </a:extLst>
           </p:cNvPr>
@@ -11275,7 +11304,7 @@
           <a:lstStyle/>
           <a:p>
             <a:r>
-              <a:rPr lang="en-US" smtClean="0"/>
+              <a:rPr lang="en-US"/>
               <a:t>Click to edit Master title style</a:t>
             </a:r>
             <a:endParaRPr lang="en-US" dirty="0"/>
@@ -11583,7 +11612,7 @@
           <p:cNvPr id="2" name="Footer Placeholder 1">
             <a:extLst>
               <a:ext uri="{FF2B5EF4-FFF2-40B4-BE49-F238E27FC236}">
-                <a16:creationId xmlns="" xmlns:a16="http://schemas.microsoft.com/office/drawing/2014/main" id="{015C70AF-A211-824D-B8F1-176B5B6C15F6}"/>
+                <a16:creationId xmlns:a16="http://schemas.microsoft.com/office/drawing/2014/main" id="{015C70AF-A211-824D-B8F1-176B5B6C15F6}"/>
               </a:ext>
             </a:extLst>
           </p:cNvPr>
@@ -11612,7 +11641,7 @@
           <p:cNvPr id="5" name="Slide Number Placeholder 4">
             <a:extLst>
               <a:ext uri="{FF2B5EF4-FFF2-40B4-BE49-F238E27FC236}">
-                <a16:creationId xmlns="" xmlns:a16="http://schemas.microsoft.com/office/drawing/2014/main" id="{97C955AE-BE48-0440-B947-4DA51A461EAE}"/>
+                <a16:creationId xmlns:a16="http://schemas.microsoft.com/office/drawing/2014/main" id="{97C955AE-BE48-0440-B947-4DA51A461EAE}"/>
               </a:ext>
             </a:extLst>
           </p:cNvPr>
@@ -11647,7 +11676,7 @@
           <p:cNvPr id="22" name="Content Placeholder 6">
             <a:extLst>
               <a:ext uri="{FF2B5EF4-FFF2-40B4-BE49-F238E27FC236}">
-                <a16:creationId xmlns="" xmlns:a16="http://schemas.microsoft.com/office/drawing/2014/main" id="{C756EB6F-E11E-FA46-B313-A7C435FE3D61}"/>
+                <a16:creationId xmlns:a16="http://schemas.microsoft.com/office/drawing/2014/main" id="{C756EB6F-E11E-FA46-B313-A7C435FE3D61}"/>
               </a:ext>
             </a:extLst>
           </p:cNvPr>
@@ -11670,35 +11699,35 @@
           <a:p>
             <a:pPr lvl="0"/>
             <a:r>
-              <a:rPr lang="en-US" smtClean="0"/>
+              <a:rPr lang="en-US"/>
               <a:t>Click to edit Master text styles</a:t>
             </a:r>
           </a:p>
           <a:p>
             <a:pPr lvl="1"/>
             <a:r>
-              <a:rPr lang="en-US" smtClean="0"/>
+              <a:rPr lang="en-US"/>
               <a:t>Second level</a:t>
             </a:r>
           </a:p>
           <a:p>
             <a:pPr lvl="2"/>
             <a:r>
-              <a:rPr lang="en-US" smtClean="0"/>
+              <a:rPr lang="en-US"/>
               <a:t>Third level</a:t>
             </a:r>
           </a:p>
           <a:p>
             <a:pPr lvl="3"/>
             <a:r>
-              <a:rPr lang="en-US" smtClean="0"/>
+              <a:rPr lang="en-US"/>
               <a:t>Fourth level</a:t>
             </a:r>
           </a:p>
           <a:p>
             <a:pPr lvl="4"/>
             <a:r>
-              <a:rPr lang="en-US" smtClean="0"/>
+              <a:rPr lang="en-US"/>
               <a:t>Fifth level</a:t>
             </a:r>
             <a:endParaRPr lang="en-US" dirty="0"/>
@@ -11894,7 +11923,7 @@
           <a:p>
             <a:pPr lvl="0"/>
             <a:r>
-              <a:rPr lang="en-US" smtClean="0"/>
+              <a:rPr lang="en-US"/>
               <a:t>Click to edit Master text styles</a:t>
             </a:r>
           </a:p>
@@ -11905,7 +11934,7 @@
           <p:cNvPr id="10" name="Picture 9">
             <a:extLst>
               <a:ext uri="{FF2B5EF4-FFF2-40B4-BE49-F238E27FC236}">
-                <a16:creationId xmlns="" xmlns:a16="http://schemas.microsoft.com/office/drawing/2014/main" id="{0E7D3AC9-6FAA-7A43-9C03-76E90A3335AA}"/>
+                <a16:creationId xmlns:a16="http://schemas.microsoft.com/office/drawing/2014/main" id="{0E7D3AC9-6FAA-7A43-9C03-76E90A3335AA}"/>
               </a:ext>
             </a:extLst>
           </p:cNvPr>
@@ -11941,7 +11970,7 @@
           <p:cNvPr id="5" name="Picture 4">
             <a:extLst>
               <a:ext uri="{FF2B5EF4-FFF2-40B4-BE49-F238E27FC236}">
-                <a16:creationId xmlns="" xmlns:a16="http://schemas.microsoft.com/office/drawing/2014/main" id="{4BE419D7-7932-1F48-8A12-915AE99CA937}"/>
+                <a16:creationId xmlns:a16="http://schemas.microsoft.com/office/drawing/2014/main" id="{4BE419D7-7932-1F48-8A12-915AE99CA937}"/>
               </a:ext>
             </a:extLst>
           </p:cNvPr>
@@ -11977,7 +12006,7 @@
           <p:cNvPr id="6" name="Picture 5">
             <a:extLst>
               <a:ext uri="{FF2B5EF4-FFF2-40B4-BE49-F238E27FC236}">
-                <a16:creationId xmlns="" xmlns:a16="http://schemas.microsoft.com/office/drawing/2014/main" id="{970ADDB2-7B42-8941-92B0-0DF7C000BC0D}"/>
+                <a16:creationId xmlns:a16="http://schemas.microsoft.com/office/drawing/2014/main" id="{970ADDB2-7B42-8941-92B0-0DF7C000BC0D}"/>
               </a:ext>
             </a:extLst>
           </p:cNvPr>
@@ -12171,7 +12200,7 @@
           <a:lstStyle/>
           <a:p>
             <a:r>
-              <a:rPr lang="en-US" smtClean="0"/>
+              <a:rPr lang="en-US"/>
               <a:t>Click to edit Master title style</a:t>
             </a:r>
             <a:endParaRPr lang="en-US" dirty="0"/>
@@ -12218,28 +12247,28 @@
           <a:p>
             <a:pPr lvl="0"/>
             <a:r>
-              <a:rPr lang="en-US" smtClean="0"/>
+              <a:rPr lang="en-US"/>
               <a:t>Click to edit Master text styles</a:t>
             </a:r>
           </a:p>
           <a:p>
             <a:pPr lvl="1"/>
             <a:r>
-              <a:rPr lang="en-US" smtClean="0"/>
+              <a:rPr lang="en-US"/>
               <a:t>Second level</a:t>
             </a:r>
           </a:p>
           <a:p>
             <a:pPr lvl="2"/>
             <a:r>
-              <a:rPr lang="en-US" smtClean="0"/>
+              <a:rPr lang="en-US"/>
               <a:t>Third level</a:t>
             </a:r>
           </a:p>
           <a:p>
             <a:pPr lvl="3"/>
             <a:r>
-              <a:rPr lang="en-US" smtClean="0"/>
+              <a:rPr lang="en-US"/>
               <a:t>Fourth level</a:t>
             </a:r>
           </a:p>
@@ -12285,28 +12314,28 @@
           <a:p>
             <a:pPr lvl="0"/>
             <a:r>
-              <a:rPr lang="en-US" smtClean="0"/>
+              <a:rPr lang="en-US"/>
               <a:t>Click to edit Master text styles</a:t>
             </a:r>
           </a:p>
           <a:p>
             <a:pPr lvl="1"/>
             <a:r>
-              <a:rPr lang="en-US" smtClean="0"/>
+              <a:rPr lang="en-US"/>
               <a:t>Second level</a:t>
             </a:r>
           </a:p>
           <a:p>
             <a:pPr lvl="2"/>
             <a:r>
-              <a:rPr lang="en-US" smtClean="0"/>
+              <a:rPr lang="en-US"/>
               <a:t>Third level</a:t>
             </a:r>
           </a:p>
           <a:p>
             <a:pPr lvl="3"/>
             <a:r>
-              <a:rPr lang="en-US" smtClean="0"/>
+              <a:rPr lang="en-US"/>
               <a:t>Fourth level</a:t>
             </a:r>
           </a:p>
@@ -12502,28 +12531,28 @@
           <a:p>
             <a:pPr lvl="0"/>
             <a:r>
-              <a:rPr lang="en-US" smtClean="0"/>
+              <a:rPr lang="en-US"/>
               <a:t>Click to edit Master text styles</a:t>
             </a:r>
           </a:p>
           <a:p>
             <a:pPr lvl="1"/>
             <a:r>
-              <a:rPr lang="en-US" smtClean="0"/>
+              <a:rPr lang="en-US"/>
               <a:t>Second level</a:t>
             </a:r>
           </a:p>
           <a:p>
             <a:pPr lvl="2"/>
             <a:r>
-              <a:rPr lang="en-US" smtClean="0"/>
+              <a:rPr lang="en-US"/>
               <a:t>Third level</a:t>
             </a:r>
           </a:p>
           <a:p>
             <a:pPr lvl="3"/>
             <a:r>
-              <a:rPr lang="en-US" smtClean="0"/>
+              <a:rPr lang="en-US"/>
               <a:t>Fourth level</a:t>
             </a:r>
           </a:p>
@@ -12569,28 +12598,28 @@
           <a:p>
             <a:pPr lvl="0"/>
             <a:r>
-              <a:rPr lang="en-US" smtClean="0"/>
+              <a:rPr lang="en-US"/>
               <a:t>Click to edit Master text styles</a:t>
             </a:r>
           </a:p>
           <a:p>
             <a:pPr lvl="1"/>
             <a:r>
-              <a:rPr lang="en-US" smtClean="0"/>
+              <a:rPr lang="en-US"/>
               <a:t>Second level</a:t>
             </a:r>
           </a:p>
           <a:p>
             <a:pPr lvl="2"/>
             <a:r>
-              <a:rPr lang="en-US" smtClean="0"/>
+              <a:rPr lang="en-US"/>
               <a:t>Third level</a:t>
             </a:r>
           </a:p>
           <a:p>
             <a:pPr lvl="3"/>
             <a:r>
-              <a:rPr lang="en-US" smtClean="0"/>
+              <a:rPr lang="en-US"/>
               <a:t>Fourth level</a:t>
             </a:r>
           </a:p>
@@ -12636,28 +12665,28 @@
           <a:p>
             <a:pPr lvl="0"/>
             <a:r>
-              <a:rPr lang="en-US" smtClean="0"/>
+              <a:rPr lang="en-US"/>
               <a:t>Click to edit Master text styles</a:t>
             </a:r>
           </a:p>
           <a:p>
             <a:pPr lvl="1"/>
             <a:r>
-              <a:rPr lang="en-US" smtClean="0"/>
+              <a:rPr lang="en-US"/>
               <a:t>Second level</a:t>
             </a:r>
           </a:p>
           <a:p>
             <a:pPr lvl="2"/>
             <a:r>
-              <a:rPr lang="en-US" smtClean="0"/>
+              <a:rPr lang="en-US"/>
               <a:t>Third level</a:t>
             </a:r>
           </a:p>
           <a:p>
             <a:pPr lvl="3"/>
             <a:r>
-              <a:rPr lang="en-US" smtClean="0"/>
+              <a:rPr lang="en-US"/>
               <a:t>Fourth level</a:t>
             </a:r>
           </a:p>
@@ -12717,10 +12746,9 @@
           <a:lstStyle/>
           <a:p>
             <a:r>
-              <a:rPr lang="en-US" smtClean="0"/>
+              <a:rPr lang="en-US"/>
               <a:t>Click to edit Master title style</a:t>
             </a:r>
-            <a:endParaRPr lang="en-US"/>
           </a:p>
         </p:txBody>
       </p:sp>
@@ -12934,7 +12962,7 @@
           <a:lstStyle/>
           <a:p>
             <a:r>
-              <a:rPr lang="en-US" smtClean="0"/>
+              <a:rPr lang="en-US"/>
               <a:t>Click to edit Master title style</a:t>
             </a:r>
             <a:endParaRPr lang="en-US" dirty="0"/>
@@ -12981,28 +13009,28 @@
           <a:p>
             <a:pPr lvl="0"/>
             <a:r>
-              <a:rPr lang="en-US" smtClean="0"/>
+              <a:rPr lang="en-US"/>
               <a:t>Click to edit Master text styles</a:t>
             </a:r>
           </a:p>
           <a:p>
             <a:pPr lvl="1"/>
             <a:r>
-              <a:rPr lang="en-US" smtClean="0"/>
+              <a:rPr lang="en-US"/>
               <a:t>Second level</a:t>
             </a:r>
           </a:p>
           <a:p>
             <a:pPr lvl="2"/>
             <a:r>
-              <a:rPr lang="en-US" smtClean="0"/>
+              <a:rPr lang="en-US"/>
               <a:t>Third level</a:t>
             </a:r>
           </a:p>
           <a:p>
             <a:pPr lvl="3"/>
             <a:r>
-              <a:rPr lang="en-US" smtClean="0"/>
+              <a:rPr lang="en-US"/>
               <a:t>Fourth level</a:t>
             </a:r>
           </a:p>
@@ -13048,28 +13076,28 @@
           <a:p>
             <a:pPr lvl="0"/>
             <a:r>
-              <a:rPr lang="en-US" smtClean="0"/>
+              <a:rPr lang="en-US"/>
               <a:t>Click to edit Master text styles</a:t>
             </a:r>
           </a:p>
           <a:p>
             <a:pPr lvl="1"/>
             <a:r>
-              <a:rPr lang="en-US" smtClean="0"/>
+              <a:rPr lang="en-US"/>
               <a:t>Second level</a:t>
             </a:r>
           </a:p>
           <a:p>
             <a:pPr lvl="2"/>
             <a:r>
-              <a:rPr lang="en-US" smtClean="0"/>
+              <a:rPr lang="en-US"/>
               <a:t>Third level</a:t>
             </a:r>
           </a:p>
           <a:p>
             <a:pPr lvl="3"/>
             <a:r>
-              <a:rPr lang="en-US" smtClean="0"/>
+              <a:rPr lang="en-US"/>
               <a:t>Fourth level</a:t>
             </a:r>
           </a:p>
@@ -13115,28 +13143,28 @@
           <a:p>
             <a:pPr lvl="0"/>
             <a:r>
-              <a:rPr lang="en-US" smtClean="0"/>
+              <a:rPr lang="en-US"/>
               <a:t>Click to edit Master text styles</a:t>
             </a:r>
           </a:p>
           <a:p>
             <a:pPr lvl="1"/>
             <a:r>
-              <a:rPr lang="en-US" smtClean="0"/>
+              <a:rPr lang="en-US"/>
               <a:t>Second level</a:t>
             </a:r>
           </a:p>
           <a:p>
             <a:pPr lvl="2"/>
             <a:r>
-              <a:rPr lang="en-US" smtClean="0"/>
+              <a:rPr lang="en-US"/>
               <a:t>Third level</a:t>
             </a:r>
           </a:p>
           <a:p>
             <a:pPr lvl="3"/>
             <a:r>
-              <a:rPr lang="en-US" smtClean="0"/>
+              <a:rPr lang="en-US"/>
               <a:t>Fourth level</a:t>
             </a:r>
           </a:p>
@@ -13182,28 +13210,28 @@
           <a:p>
             <a:pPr lvl="0"/>
             <a:r>
-              <a:rPr lang="en-US" smtClean="0"/>
+              <a:rPr lang="en-US"/>
               <a:t>Click to edit Master text styles</a:t>
             </a:r>
           </a:p>
           <a:p>
             <a:pPr lvl="1"/>
             <a:r>
-              <a:rPr lang="en-US" smtClean="0"/>
+              <a:rPr lang="en-US"/>
               <a:t>Second level</a:t>
             </a:r>
           </a:p>
           <a:p>
             <a:pPr lvl="2"/>
             <a:r>
-              <a:rPr lang="en-US" smtClean="0"/>
+              <a:rPr lang="en-US"/>
               <a:t>Third level</a:t>
             </a:r>
           </a:p>
           <a:p>
             <a:pPr lvl="3"/>
             <a:r>
-              <a:rPr lang="en-US" smtClean="0"/>
+              <a:rPr lang="en-US"/>
               <a:t>Fourth level</a:t>
             </a:r>
           </a:p>
@@ -13391,7 +13419,7 @@
           <a:lstStyle/>
           <a:p>
             <a:r>
-              <a:rPr lang="en-US" smtClean="0"/>
+              <a:rPr lang="en-US"/>
               <a:t>Click to edit Master title style</a:t>
             </a:r>
             <a:endParaRPr lang="en-US" dirty="0"/>
@@ -13469,28 +13497,28 @@
           <a:p>
             <a:pPr lvl="0"/>
             <a:r>
-              <a:rPr lang="en-US" smtClean="0"/>
+              <a:rPr lang="en-US"/>
               <a:t>Click to edit Master text styles</a:t>
             </a:r>
           </a:p>
           <a:p>
             <a:pPr lvl="1"/>
             <a:r>
-              <a:rPr lang="en-US" smtClean="0"/>
+              <a:rPr lang="en-US"/>
               <a:t>Second level</a:t>
             </a:r>
           </a:p>
           <a:p>
             <a:pPr lvl="2"/>
             <a:r>
-              <a:rPr lang="en-US" smtClean="0"/>
+              <a:rPr lang="en-US"/>
               <a:t>Third level</a:t>
             </a:r>
           </a:p>
           <a:p>
             <a:pPr lvl="3"/>
             <a:r>
-              <a:rPr lang="en-US" smtClean="0"/>
+              <a:rPr lang="en-US"/>
               <a:t>Fourth level</a:t>
             </a:r>
           </a:p>
@@ -13567,28 +13595,28 @@
           <a:p>
             <a:pPr lvl="0"/>
             <a:r>
-              <a:rPr lang="en-US" smtClean="0"/>
+              <a:rPr lang="en-US"/>
               <a:t>Click to edit Master text styles</a:t>
             </a:r>
           </a:p>
           <a:p>
             <a:pPr lvl="1"/>
             <a:r>
-              <a:rPr lang="en-US" smtClean="0"/>
+              <a:rPr lang="en-US"/>
               <a:t>Second level</a:t>
             </a:r>
           </a:p>
           <a:p>
             <a:pPr lvl="2"/>
             <a:r>
-              <a:rPr lang="en-US" smtClean="0"/>
+              <a:rPr lang="en-US"/>
               <a:t>Third level</a:t>
             </a:r>
           </a:p>
           <a:p>
             <a:pPr lvl="3"/>
             <a:r>
-              <a:rPr lang="en-US" smtClean="0"/>
+              <a:rPr lang="en-US"/>
               <a:t>Fourth level</a:t>
             </a:r>
           </a:p>
@@ -13796,7 +13824,7 @@
           <a:lstStyle/>
           <a:p>
             <a:r>
-              <a:rPr lang="en-US" smtClean="0"/>
+              <a:rPr lang="en-US"/>
               <a:t>Click to edit Master title style</a:t>
             </a:r>
             <a:endParaRPr lang="en-US" dirty="0"/>
@@ -13834,7 +13862,7 @@
           </a:lstStyle>
           <a:p>
             <a:r>
-              <a:rPr lang="en-US" smtClean="0"/>
+              <a:rPr lang="en-US"/>
               <a:t>Click icon to add picture</a:t>
             </a:r>
             <a:endParaRPr lang="en-US" dirty="0"/>
@@ -13881,28 +13909,28 @@
           <a:p>
             <a:pPr lvl="0"/>
             <a:r>
-              <a:rPr lang="en-US" smtClean="0"/>
+              <a:rPr lang="en-US"/>
               <a:t>Click to edit Master text styles</a:t>
             </a:r>
           </a:p>
           <a:p>
             <a:pPr lvl="1"/>
             <a:r>
-              <a:rPr lang="en-US" smtClean="0"/>
+              <a:rPr lang="en-US"/>
               <a:t>Second level</a:t>
             </a:r>
           </a:p>
           <a:p>
             <a:pPr lvl="2"/>
             <a:r>
-              <a:rPr lang="en-US" smtClean="0"/>
+              <a:rPr lang="en-US"/>
               <a:t>Third level</a:t>
             </a:r>
           </a:p>
           <a:p>
             <a:pPr lvl="3"/>
             <a:r>
-              <a:rPr lang="en-US" smtClean="0"/>
+              <a:rPr lang="en-US"/>
               <a:t>Fourth level</a:t>
             </a:r>
           </a:p>
@@ -14132,7 +14160,7 @@
           <a:lstStyle/>
           <a:p>
             <a:r>
-              <a:rPr lang="en-US" smtClean="0"/>
+              <a:rPr lang="en-US"/>
               <a:t>Click to edit Master title style</a:t>
             </a:r>
             <a:endParaRPr lang="en-US" dirty="0"/>
@@ -14170,7 +14198,7 @@
           </a:lstStyle>
           <a:p>
             <a:r>
-              <a:rPr lang="en-US" smtClean="0"/>
+              <a:rPr lang="en-US"/>
               <a:t>Click icon to add picture</a:t>
             </a:r>
             <a:endParaRPr lang="en-US" dirty="0"/>
@@ -14252,28 +14280,28 @@
           <a:p>
             <a:pPr lvl="0"/>
             <a:r>
-              <a:rPr lang="en-US" smtClean="0"/>
+              <a:rPr lang="en-US"/>
               <a:t>Click to edit Master text styles</a:t>
             </a:r>
           </a:p>
           <a:p>
             <a:pPr lvl="1"/>
             <a:r>
-              <a:rPr lang="en-US" smtClean="0"/>
+              <a:rPr lang="en-US"/>
               <a:t>Second level</a:t>
             </a:r>
           </a:p>
           <a:p>
             <a:pPr lvl="2"/>
             <a:r>
-              <a:rPr lang="en-US" smtClean="0"/>
+              <a:rPr lang="en-US"/>
               <a:t>Third level</a:t>
             </a:r>
           </a:p>
           <a:p>
             <a:pPr lvl="3"/>
             <a:r>
-              <a:rPr lang="en-US" smtClean="0"/>
+              <a:rPr lang="en-US"/>
               <a:t>Fourth level</a:t>
             </a:r>
           </a:p>
@@ -14419,7 +14447,7 @@
           <a:lstStyle/>
           <a:p>
             <a:r>
-              <a:rPr lang="en-US" smtClean="0"/>
+              <a:rPr lang="en-US"/>
               <a:t>Click to edit Master title style</a:t>
             </a:r>
             <a:endParaRPr lang="en-US" dirty="0"/>
@@ -15218,10 +15246,9 @@
           <a:lstStyle/>
           <a:p>
             <a:r>
-              <a:rPr lang="en-US" dirty="0" smtClean="0"/>
+              <a:rPr lang="en-US" dirty="0"/>
               <a:t>Git: The Hard Way</a:t>
             </a:r>
-            <a:endParaRPr lang="en-US" dirty="0"/>
           </a:p>
         </p:txBody>
       </p:sp>
@@ -15241,10 +15268,9 @@
           <a:lstStyle/>
           <a:p>
             <a:r>
-              <a:rPr lang="en-US" dirty="0" smtClean="0"/>
+              <a:rPr lang="en-US" dirty="0"/>
               <a:t>Mark Aligbe | 14/06/18</a:t>
             </a:r>
-            <a:endParaRPr lang="en-US" dirty="0"/>
           </a:p>
         </p:txBody>
       </p:sp>
@@ -15261,13 +15287,1912 @@
   <p:transition spd="med">
     <p:wipe/>
   </p:transition>
-  <p:timing>
-    <p:tnLst>
-      <p:par>
-        <p:cTn id="1" dur="indefinite" restart="never" nodeType="tmRoot"/>
-      </p:par>
-    </p:tnLst>
-  </p:timing>
+</p:sld>
+</file>
+
+<file path=ppt/slides/slide10.xml><?xml version="1.0" encoding="utf-8"?>
+<p:sld xmlns:a="http://schemas.openxmlformats.org/drawingml/2006/main" xmlns:r="http://schemas.openxmlformats.org/officeDocument/2006/relationships" xmlns:p="http://schemas.openxmlformats.org/presentationml/2006/main">
+  <p:cSld>
+    <p:spTree>
+      <p:nvGrpSpPr>
+        <p:cNvPr id="1" name=""/>
+        <p:cNvGrpSpPr/>
+        <p:nvPr/>
+      </p:nvGrpSpPr>
+      <p:grpSpPr>
+        <a:xfrm>
+          <a:off x="0" y="0"/>
+          <a:ext cx="0" cy="0"/>
+          <a:chOff x="0" y="0"/>
+          <a:chExt cx="0" cy="0"/>
+        </a:xfrm>
+      </p:grpSpPr>
+      <p:sp>
+        <p:nvSpPr>
+          <p:cNvPr id="2" name="Title 1">
+            <a:extLst>
+              <a:ext uri="{FF2B5EF4-FFF2-40B4-BE49-F238E27FC236}">
+                <a16:creationId xmlns:a16="http://schemas.microsoft.com/office/drawing/2014/main" id="{E8CDBD9E-4D76-4AFF-AF87-B211220E59C3}"/>
+              </a:ext>
+            </a:extLst>
+          </p:cNvPr>
+          <p:cNvSpPr>
+            <a:spLocks noGrp="1"/>
+          </p:cNvSpPr>
+          <p:nvPr>
+            <p:ph type="title"/>
+          </p:nvPr>
+        </p:nvSpPr>
+        <p:spPr/>
+        <p:txBody>
+          <a:bodyPr/>
+          <a:lstStyle/>
+          <a:p>
+            <a:r>
+              <a:rPr lang="en-US" dirty="0"/>
+              <a:t>Tracking Changes: ”Save”</a:t>
+            </a:r>
+          </a:p>
+        </p:txBody>
+      </p:sp>
+      <p:sp>
+        <p:nvSpPr>
+          <p:cNvPr id="3" name="Picture Placeholder 2">
+            <a:extLst>
+              <a:ext uri="{FF2B5EF4-FFF2-40B4-BE49-F238E27FC236}">
+                <a16:creationId xmlns:a16="http://schemas.microsoft.com/office/drawing/2014/main" id="{B0C2A622-6ED1-4092-8C89-D0522BC0EC5E}"/>
+              </a:ext>
+            </a:extLst>
+          </p:cNvPr>
+          <p:cNvSpPr>
+            <a:spLocks noGrp="1"/>
+          </p:cNvSpPr>
+          <p:nvPr>
+            <p:ph type="pic" sz="quarter" idx="15"/>
+          </p:nvPr>
+        </p:nvSpPr>
+        <p:spPr/>
+      </p:sp>
+      <p:sp>
+        <p:nvSpPr>
+          <p:cNvPr id="4" name="Content Placeholder 3">
+            <a:extLst>
+              <a:ext uri="{FF2B5EF4-FFF2-40B4-BE49-F238E27FC236}">
+                <a16:creationId xmlns:a16="http://schemas.microsoft.com/office/drawing/2014/main" id="{E4F470C4-3224-4E5E-825D-B571941DCE68}"/>
+              </a:ext>
+            </a:extLst>
+          </p:cNvPr>
+          <p:cNvSpPr>
+            <a:spLocks noGrp="1"/>
+          </p:cNvSpPr>
+          <p:nvPr>
+            <p:ph sz="quarter" idx="13"/>
+          </p:nvPr>
+        </p:nvSpPr>
+        <p:spPr/>
+        <p:txBody>
+          <a:bodyPr>
+            <a:normAutofit/>
+          </a:bodyPr>
+          <a:lstStyle/>
+          <a:p>
+            <a:r>
+              <a:rPr lang="en-US" sz="2400" dirty="0"/>
+              <a:t>“Saving” the current set of changes is called “committing”</a:t>
+            </a:r>
+          </a:p>
+          <a:p>
+            <a:r>
+              <a:rPr lang="en-US" sz="2400" dirty="0">
+                <a:solidFill>
+                  <a:schemeClr val="tx2"/>
+                </a:solidFill>
+                <a:latin typeface="Anonymous Pro" panose="02060609030202000504"/>
+              </a:rPr>
+              <a:t>git commit –m</a:t>
+            </a:r>
+          </a:p>
+          <a:p>
+            <a:r>
+              <a:rPr lang="en-US" sz="2400" dirty="0">
+                <a:solidFill>
+                  <a:schemeClr val="tx2"/>
+                </a:solidFill>
+                <a:latin typeface="Anonymous Pro" panose="02060609030202000504"/>
+              </a:rPr>
+              <a:t>git status</a:t>
+            </a:r>
+            <a:r>
+              <a:rPr lang="en-US" sz="2400" dirty="0"/>
+              <a:t> (it’s a theme)</a:t>
+            </a:r>
+          </a:p>
+        </p:txBody>
+      </p:sp>
+      <p:sp>
+        <p:nvSpPr>
+          <p:cNvPr id="5" name="Footer Placeholder 4">
+            <a:extLst>
+              <a:ext uri="{FF2B5EF4-FFF2-40B4-BE49-F238E27FC236}">
+                <a16:creationId xmlns:a16="http://schemas.microsoft.com/office/drawing/2014/main" id="{F906C0A6-6308-4FC6-A7DB-ED43D42F2A82}"/>
+              </a:ext>
+            </a:extLst>
+          </p:cNvPr>
+          <p:cNvSpPr>
+            <a:spLocks noGrp="1"/>
+          </p:cNvSpPr>
+          <p:nvPr>
+            <p:ph type="ftr" sz="quarter" idx="16"/>
+          </p:nvPr>
+        </p:nvSpPr>
+        <p:spPr/>
+        <p:txBody>
+          <a:bodyPr/>
+          <a:lstStyle/>
+          <a:p>
+            <a:r>
+              <a:rPr lang="en-US"/>
+              <a:t>Silicon Labs Confidential</a:t>
+            </a:r>
+            <a:endParaRPr lang="en-US" dirty="0"/>
+          </a:p>
+        </p:txBody>
+      </p:sp>
+      <p:sp>
+        <p:nvSpPr>
+          <p:cNvPr id="6" name="Slide Number Placeholder 5">
+            <a:extLst>
+              <a:ext uri="{FF2B5EF4-FFF2-40B4-BE49-F238E27FC236}">
+                <a16:creationId xmlns:a16="http://schemas.microsoft.com/office/drawing/2014/main" id="{5F565CEF-3288-45AD-9F08-C0B0EBE6B363}"/>
+              </a:ext>
+            </a:extLst>
+          </p:cNvPr>
+          <p:cNvSpPr>
+            <a:spLocks noGrp="1"/>
+          </p:cNvSpPr>
+          <p:nvPr>
+            <p:ph type="sldNum" sz="quarter" idx="17"/>
+          </p:nvPr>
+        </p:nvSpPr>
+        <p:spPr/>
+        <p:txBody>
+          <a:bodyPr/>
+          <a:lstStyle/>
+          <a:p>
+            <a:fld id="{29A7BD92-6AE5-CF43-B276-274952F2BFB4}" type="slidenum">
+              <a:rPr lang="en-US" smtClean="0"/>
+              <a:pPr/>
+              <a:t>10</a:t>
+            </a:fld>
+            <a:endParaRPr lang="en-US" dirty="0"/>
+          </a:p>
+        </p:txBody>
+      </p:sp>
+    </p:spTree>
+    <p:extLst>
+      <p:ext uri="{BB962C8B-B14F-4D97-AF65-F5344CB8AC3E}">
+        <p14:creationId xmlns:p14="http://schemas.microsoft.com/office/powerpoint/2010/main" val="2123179101"/>
+      </p:ext>
+    </p:extLst>
+  </p:cSld>
+  <p:clrMapOvr>
+    <a:masterClrMapping/>
+  </p:clrMapOvr>
+  <p:transition spd="med">
+    <p:wipe/>
+  </p:transition>
+</p:sld>
+</file>
+
+<file path=ppt/slides/slide11.xml><?xml version="1.0" encoding="utf-8"?>
+<p:sld xmlns:a="http://schemas.openxmlformats.org/drawingml/2006/main" xmlns:r="http://schemas.openxmlformats.org/officeDocument/2006/relationships" xmlns:p="http://schemas.openxmlformats.org/presentationml/2006/main">
+  <p:cSld>
+    <p:spTree>
+      <p:nvGrpSpPr>
+        <p:cNvPr id="1" name=""/>
+        <p:cNvGrpSpPr/>
+        <p:nvPr/>
+      </p:nvGrpSpPr>
+      <p:grpSpPr>
+        <a:xfrm>
+          <a:off x="0" y="0"/>
+          <a:ext cx="0" cy="0"/>
+          <a:chOff x="0" y="0"/>
+          <a:chExt cx="0" cy="0"/>
+        </a:xfrm>
+      </p:grpSpPr>
+      <p:sp>
+        <p:nvSpPr>
+          <p:cNvPr id="7" name="Title 6">
+            <a:extLst>
+              <a:ext uri="{FF2B5EF4-FFF2-40B4-BE49-F238E27FC236}">
+                <a16:creationId xmlns:a16="http://schemas.microsoft.com/office/drawing/2014/main" id="{2D9A4E16-F757-4D5C-AD5C-7118143EAC07}"/>
+              </a:ext>
+            </a:extLst>
+          </p:cNvPr>
+          <p:cNvSpPr>
+            <a:spLocks noGrp="1"/>
+          </p:cNvSpPr>
+          <p:nvPr>
+            <p:ph type="title"/>
+          </p:nvPr>
+        </p:nvSpPr>
+        <p:spPr/>
+        <p:txBody>
+          <a:bodyPr/>
+          <a:lstStyle/>
+          <a:p>
+            <a:r>
+              <a:rPr lang="en-US" dirty="0"/>
+              <a:t>The Repository Emerges</a:t>
+            </a:r>
+          </a:p>
+        </p:txBody>
+      </p:sp>
+      <p:sp>
+        <p:nvSpPr>
+          <p:cNvPr id="9" name="Picture Placeholder 8">
+            <a:extLst>
+              <a:ext uri="{FF2B5EF4-FFF2-40B4-BE49-F238E27FC236}">
+                <a16:creationId xmlns:a16="http://schemas.microsoft.com/office/drawing/2014/main" id="{A391DB90-AADF-485B-93BE-82FBFA66A7DC}"/>
+              </a:ext>
+            </a:extLst>
+          </p:cNvPr>
+          <p:cNvSpPr>
+            <a:spLocks noGrp="1"/>
+          </p:cNvSpPr>
+          <p:nvPr>
+            <p:ph type="pic" sz="quarter" idx="15"/>
+          </p:nvPr>
+        </p:nvSpPr>
+        <p:spPr/>
+      </p:sp>
+      <p:sp>
+        <p:nvSpPr>
+          <p:cNvPr id="8" name="Content Placeholder 7">
+            <a:extLst>
+              <a:ext uri="{FF2B5EF4-FFF2-40B4-BE49-F238E27FC236}">
+                <a16:creationId xmlns:a16="http://schemas.microsoft.com/office/drawing/2014/main" id="{851A52AB-1B4D-413F-8969-D510FFBE3690}"/>
+              </a:ext>
+            </a:extLst>
+          </p:cNvPr>
+          <p:cNvSpPr>
+            <a:spLocks noGrp="1"/>
+          </p:cNvSpPr>
+          <p:nvPr>
+            <p:ph sz="quarter" idx="13"/>
+          </p:nvPr>
+        </p:nvSpPr>
+        <p:spPr/>
+        <p:txBody>
+          <a:bodyPr>
+            <a:normAutofit/>
+          </a:bodyPr>
+          <a:lstStyle/>
+          <a:p>
+            <a:r>
+              <a:rPr lang="en-US" sz="2400" dirty="0"/>
+              <a:t>The repository is the collection of all changes</a:t>
+            </a:r>
+          </a:p>
+        </p:txBody>
+      </p:sp>
+      <p:sp>
+        <p:nvSpPr>
+          <p:cNvPr id="5" name="Footer Placeholder 4">
+            <a:extLst>
+              <a:ext uri="{FF2B5EF4-FFF2-40B4-BE49-F238E27FC236}">
+                <a16:creationId xmlns:a16="http://schemas.microsoft.com/office/drawing/2014/main" id="{F0EDD395-DDF2-4653-9EB1-1090D6CF4692}"/>
+              </a:ext>
+            </a:extLst>
+          </p:cNvPr>
+          <p:cNvSpPr>
+            <a:spLocks noGrp="1"/>
+          </p:cNvSpPr>
+          <p:nvPr>
+            <p:ph type="ftr" sz="quarter" idx="16"/>
+          </p:nvPr>
+        </p:nvSpPr>
+        <p:spPr/>
+        <p:txBody>
+          <a:bodyPr/>
+          <a:lstStyle/>
+          <a:p>
+            <a:r>
+              <a:rPr lang="en-US"/>
+              <a:t>Silicon Labs Confidential</a:t>
+            </a:r>
+            <a:endParaRPr lang="en-US" dirty="0"/>
+          </a:p>
+        </p:txBody>
+      </p:sp>
+      <p:sp>
+        <p:nvSpPr>
+          <p:cNvPr id="6" name="Slide Number Placeholder 5">
+            <a:extLst>
+              <a:ext uri="{FF2B5EF4-FFF2-40B4-BE49-F238E27FC236}">
+                <a16:creationId xmlns:a16="http://schemas.microsoft.com/office/drawing/2014/main" id="{A77AFB4B-36E0-45A8-9DF9-F2FA90D604AC}"/>
+              </a:ext>
+            </a:extLst>
+          </p:cNvPr>
+          <p:cNvSpPr>
+            <a:spLocks noGrp="1"/>
+          </p:cNvSpPr>
+          <p:nvPr>
+            <p:ph type="sldNum" sz="quarter" idx="17"/>
+          </p:nvPr>
+        </p:nvSpPr>
+        <p:spPr/>
+        <p:txBody>
+          <a:bodyPr/>
+          <a:lstStyle/>
+          <a:p>
+            <a:fld id="{29A7BD92-6AE5-CF43-B276-274952F2BFB4}" type="slidenum">
+              <a:rPr lang="en-US" smtClean="0"/>
+              <a:pPr/>
+              <a:t>11</a:t>
+            </a:fld>
+            <a:endParaRPr lang="en-US" dirty="0"/>
+          </a:p>
+        </p:txBody>
+      </p:sp>
+      <p:pic>
+        <p:nvPicPr>
+          <p:cNvPr id="12" name="Picture 11">
+            <a:extLst>
+              <a:ext uri="{FF2B5EF4-FFF2-40B4-BE49-F238E27FC236}">
+                <a16:creationId xmlns:a16="http://schemas.microsoft.com/office/drawing/2014/main" id="{D5D5C27E-6744-4E4D-8845-2F0EB0B209FA}"/>
+              </a:ext>
+            </a:extLst>
+          </p:cNvPr>
+          <p:cNvPicPr>
+            <a:picLocks noChangeAspect="1"/>
+          </p:cNvPicPr>
+          <p:nvPr/>
+        </p:nvPicPr>
+        <p:blipFill>
+          <a:blip r:embed="rId2"/>
+          <a:stretch>
+            <a:fillRect/>
+          </a:stretch>
+        </p:blipFill>
+        <p:spPr>
+          <a:xfrm>
+            <a:off x="457199" y="1723516"/>
+            <a:ext cx="6553201" cy="3868167"/>
+          </a:xfrm>
+          <a:prstGeom prst="rect">
+            <a:avLst/>
+          </a:prstGeom>
+        </p:spPr>
+      </p:pic>
+      <p:sp>
+        <p:nvSpPr>
+          <p:cNvPr id="10" name="Rectangle 9">
+            <a:extLst>
+              <a:ext uri="{FF2B5EF4-FFF2-40B4-BE49-F238E27FC236}">
+                <a16:creationId xmlns:a16="http://schemas.microsoft.com/office/drawing/2014/main" id="{500FAF59-9F9D-43B7-A941-58464E5593B1}"/>
+              </a:ext>
+            </a:extLst>
+          </p:cNvPr>
+          <p:cNvSpPr/>
+          <p:nvPr/>
+        </p:nvSpPr>
+        <p:spPr>
+          <a:xfrm>
+            <a:off x="919161" y="5857742"/>
+            <a:ext cx="5629275" cy="276999"/>
+          </a:xfrm>
+          <a:prstGeom prst="rect">
+            <a:avLst/>
+          </a:prstGeom>
+        </p:spPr>
+        <p:txBody>
+          <a:bodyPr wrap="square">
+            <a:spAutoFit/>
+          </a:bodyPr>
+          <a:lstStyle/>
+          <a:p>
+            <a:r>
+              <a:rPr lang="en-US" sz="1200" dirty="0"/>
+              <a:t>https://www.quora.com/Whats-the-difference-between-committing-and-pushing-in-Git</a:t>
+            </a:r>
+          </a:p>
+        </p:txBody>
+      </p:sp>
+    </p:spTree>
+    <p:extLst>
+      <p:ext uri="{BB962C8B-B14F-4D97-AF65-F5344CB8AC3E}">
+        <p14:creationId xmlns:p14="http://schemas.microsoft.com/office/powerpoint/2010/main" val="3486176929"/>
+      </p:ext>
+    </p:extLst>
+  </p:cSld>
+  <p:clrMapOvr>
+    <a:masterClrMapping/>
+  </p:clrMapOvr>
+  <p:transition spd="med">
+    <p:wipe/>
+  </p:transition>
+</p:sld>
+</file>
+
+<file path=ppt/slides/slide12.xml><?xml version="1.0" encoding="utf-8"?>
+<p:sld xmlns:a="http://schemas.openxmlformats.org/drawingml/2006/main" xmlns:r="http://schemas.openxmlformats.org/officeDocument/2006/relationships" xmlns:p="http://schemas.openxmlformats.org/presentationml/2006/main">
+  <p:cSld>
+    <p:spTree>
+      <p:nvGrpSpPr>
+        <p:cNvPr id="1" name=""/>
+        <p:cNvGrpSpPr/>
+        <p:nvPr/>
+      </p:nvGrpSpPr>
+      <p:grpSpPr>
+        <a:xfrm>
+          <a:off x="0" y="0"/>
+          <a:ext cx="0" cy="0"/>
+          <a:chOff x="0" y="0"/>
+          <a:chExt cx="0" cy="0"/>
+        </a:xfrm>
+      </p:grpSpPr>
+      <p:sp>
+        <p:nvSpPr>
+          <p:cNvPr id="7" name="Title 6">
+            <a:extLst>
+              <a:ext uri="{FF2B5EF4-FFF2-40B4-BE49-F238E27FC236}">
+                <a16:creationId xmlns:a16="http://schemas.microsoft.com/office/drawing/2014/main" id="{D0C19938-22C8-4669-8C32-60DE027FCACE}"/>
+              </a:ext>
+            </a:extLst>
+          </p:cNvPr>
+          <p:cNvSpPr>
+            <a:spLocks noGrp="1"/>
+          </p:cNvSpPr>
+          <p:nvPr>
+            <p:ph type="title"/>
+          </p:nvPr>
+        </p:nvSpPr>
+        <p:spPr/>
+        <p:txBody>
+          <a:bodyPr/>
+          <a:lstStyle/>
+          <a:p>
+            <a:r>
+              <a:rPr lang="en-US" dirty="0"/>
+              <a:t>Inspecting the Repository</a:t>
+            </a:r>
+          </a:p>
+        </p:txBody>
+      </p:sp>
+      <p:sp>
+        <p:nvSpPr>
+          <p:cNvPr id="9" name="Picture Placeholder 8">
+            <a:extLst>
+              <a:ext uri="{FF2B5EF4-FFF2-40B4-BE49-F238E27FC236}">
+                <a16:creationId xmlns:a16="http://schemas.microsoft.com/office/drawing/2014/main" id="{4A795CE2-4AB0-4132-9B63-6908C074D3BF}"/>
+              </a:ext>
+            </a:extLst>
+          </p:cNvPr>
+          <p:cNvSpPr>
+            <a:spLocks noGrp="1"/>
+          </p:cNvSpPr>
+          <p:nvPr>
+            <p:ph type="pic" sz="quarter" idx="15"/>
+          </p:nvPr>
+        </p:nvSpPr>
+        <p:spPr/>
+      </p:sp>
+      <p:sp>
+        <p:nvSpPr>
+          <p:cNvPr id="8" name="Content Placeholder 7">
+            <a:extLst>
+              <a:ext uri="{FF2B5EF4-FFF2-40B4-BE49-F238E27FC236}">
+                <a16:creationId xmlns:a16="http://schemas.microsoft.com/office/drawing/2014/main" id="{9024912A-4857-454C-95E3-100E960146D0}"/>
+              </a:ext>
+            </a:extLst>
+          </p:cNvPr>
+          <p:cNvSpPr>
+            <a:spLocks noGrp="1"/>
+          </p:cNvSpPr>
+          <p:nvPr>
+            <p:ph sz="quarter" idx="13"/>
+          </p:nvPr>
+        </p:nvSpPr>
+        <p:spPr/>
+        <p:txBody>
+          <a:bodyPr>
+            <a:normAutofit/>
+          </a:bodyPr>
+          <a:lstStyle/>
+          <a:p>
+            <a:r>
+              <a:rPr lang="en-US" sz="2400" dirty="0">
+                <a:solidFill>
+                  <a:schemeClr val="tx2"/>
+                </a:solidFill>
+                <a:latin typeface="Anonymous Pro" panose="02060609030202000504" pitchFamily="49" charset="0"/>
+                <a:ea typeface="Anonymous Pro" panose="02060609030202000504" pitchFamily="49" charset="0"/>
+              </a:rPr>
+              <a:t>git log</a:t>
+            </a:r>
+            <a:r>
+              <a:rPr lang="en-US" sz="2400" dirty="0">
+                <a:ea typeface="Anonymous Pro" panose="02060609030202000504" pitchFamily="49" charset="0"/>
+              </a:rPr>
+              <a:t> (press “q” to quit)</a:t>
+            </a:r>
+          </a:p>
+        </p:txBody>
+      </p:sp>
+      <p:sp>
+        <p:nvSpPr>
+          <p:cNvPr id="5" name="Footer Placeholder 4">
+            <a:extLst>
+              <a:ext uri="{FF2B5EF4-FFF2-40B4-BE49-F238E27FC236}">
+                <a16:creationId xmlns:a16="http://schemas.microsoft.com/office/drawing/2014/main" id="{464224AB-EAD5-42EB-887D-730615419B88}"/>
+              </a:ext>
+            </a:extLst>
+          </p:cNvPr>
+          <p:cNvSpPr>
+            <a:spLocks noGrp="1"/>
+          </p:cNvSpPr>
+          <p:nvPr>
+            <p:ph type="ftr" sz="quarter" idx="16"/>
+          </p:nvPr>
+        </p:nvSpPr>
+        <p:spPr/>
+        <p:txBody>
+          <a:bodyPr/>
+          <a:lstStyle/>
+          <a:p>
+            <a:r>
+              <a:rPr lang="en-US"/>
+              <a:t>Silicon Labs Confidential</a:t>
+            </a:r>
+            <a:endParaRPr lang="en-US" dirty="0"/>
+          </a:p>
+        </p:txBody>
+      </p:sp>
+      <p:sp>
+        <p:nvSpPr>
+          <p:cNvPr id="6" name="Slide Number Placeholder 5">
+            <a:extLst>
+              <a:ext uri="{FF2B5EF4-FFF2-40B4-BE49-F238E27FC236}">
+                <a16:creationId xmlns:a16="http://schemas.microsoft.com/office/drawing/2014/main" id="{8EA22848-EABB-4103-ADAC-8B24E8F3830B}"/>
+              </a:ext>
+            </a:extLst>
+          </p:cNvPr>
+          <p:cNvSpPr>
+            <a:spLocks noGrp="1"/>
+          </p:cNvSpPr>
+          <p:nvPr>
+            <p:ph type="sldNum" sz="quarter" idx="17"/>
+          </p:nvPr>
+        </p:nvSpPr>
+        <p:spPr/>
+        <p:txBody>
+          <a:bodyPr/>
+          <a:lstStyle/>
+          <a:p>
+            <a:fld id="{29A7BD92-6AE5-CF43-B276-274952F2BFB4}" type="slidenum">
+              <a:rPr lang="en-US" smtClean="0"/>
+              <a:pPr/>
+              <a:t>12</a:t>
+            </a:fld>
+            <a:endParaRPr lang="en-US" dirty="0"/>
+          </a:p>
+        </p:txBody>
+      </p:sp>
+    </p:spTree>
+    <p:extLst>
+      <p:ext uri="{BB962C8B-B14F-4D97-AF65-F5344CB8AC3E}">
+        <p14:creationId xmlns:p14="http://schemas.microsoft.com/office/powerpoint/2010/main" val="3085144419"/>
+      </p:ext>
+    </p:extLst>
+  </p:cSld>
+  <p:clrMapOvr>
+    <a:masterClrMapping/>
+  </p:clrMapOvr>
+  <p:transition spd="med">
+    <p:wipe/>
+  </p:transition>
+</p:sld>
+</file>
+
+<file path=ppt/slides/slide13.xml><?xml version="1.0" encoding="utf-8"?>
+<p:sld xmlns:a="http://schemas.openxmlformats.org/drawingml/2006/main" xmlns:r="http://schemas.openxmlformats.org/officeDocument/2006/relationships" xmlns:p="http://schemas.openxmlformats.org/presentationml/2006/main">
+  <p:cSld>
+    <p:spTree>
+      <p:nvGrpSpPr>
+        <p:cNvPr id="1" name=""/>
+        <p:cNvGrpSpPr/>
+        <p:nvPr/>
+      </p:nvGrpSpPr>
+      <p:grpSpPr>
+        <a:xfrm>
+          <a:off x="0" y="0"/>
+          <a:ext cx="0" cy="0"/>
+          <a:chOff x="0" y="0"/>
+          <a:chExt cx="0" cy="0"/>
+        </a:xfrm>
+      </p:grpSpPr>
+      <p:sp>
+        <p:nvSpPr>
+          <p:cNvPr id="2" name="Title 1">
+            <a:extLst>
+              <a:ext uri="{FF2B5EF4-FFF2-40B4-BE49-F238E27FC236}">
+                <a16:creationId xmlns:a16="http://schemas.microsoft.com/office/drawing/2014/main" id="{4A7B31EA-9A86-46C4-B762-3F8B173C0B3B}"/>
+              </a:ext>
+            </a:extLst>
+          </p:cNvPr>
+          <p:cNvSpPr>
+            <a:spLocks noGrp="1"/>
+          </p:cNvSpPr>
+          <p:nvPr>
+            <p:ph type="title"/>
+          </p:nvPr>
+        </p:nvSpPr>
+        <p:spPr/>
+        <p:txBody>
+          <a:bodyPr/>
+          <a:lstStyle/>
+          <a:p>
+            <a:r>
+              <a:rPr lang="en-US" dirty="0"/>
+              <a:t>I Made a (small) Mistake</a:t>
+            </a:r>
+          </a:p>
+        </p:txBody>
+      </p:sp>
+      <p:sp>
+        <p:nvSpPr>
+          <p:cNvPr id="3" name="Picture Placeholder 2">
+            <a:extLst>
+              <a:ext uri="{FF2B5EF4-FFF2-40B4-BE49-F238E27FC236}">
+                <a16:creationId xmlns:a16="http://schemas.microsoft.com/office/drawing/2014/main" id="{CB31EAEB-4E75-41AF-9F97-33D9D168E86E}"/>
+              </a:ext>
+            </a:extLst>
+          </p:cNvPr>
+          <p:cNvSpPr>
+            <a:spLocks noGrp="1"/>
+          </p:cNvSpPr>
+          <p:nvPr>
+            <p:ph type="pic" sz="quarter" idx="15"/>
+          </p:nvPr>
+        </p:nvSpPr>
+        <p:spPr/>
+      </p:sp>
+      <p:sp>
+        <p:nvSpPr>
+          <p:cNvPr id="4" name="Content Placeholder 3">
+            <a:extLst>
+              <a:ext uri="{FF2B5EF4-FFF2-40B4-BE49-F238E27FC236}">
+                <a16:creationId xmlns:a16="http://schemas.microsoft.com/office/drawing/2014/main" id="{5FC2A44B-33CF-454F-88AA-C59CD954CE04}"/>
+              </a:ext>
+            </a:extLst>
+          </p:cNvPr>
+          <p:cNvSpPr>
+            <a:spLocks noGrp="1"/>
+          </p:cNvSpPr>
+          <p:nvPr>
+            <p:ph sz="quarter" idx="13"/>
+          </p:nvPr>
+        </p:nvSpPr>
+        <p:spPr/>
+        <p:txBody>
+          <a:bodyPr>
+            <a:normAutofit/>
+          </a:bodyPr>
+          <a:lstStyle/>
+          <a:p>
+            <a:r>
+              <a:rPr lang="en-US" sz="2400" dirty="0"/>
+              <a:t>Modify the previous commit:</a:t>
+            </a:r>
+          </a:p>
+          <a:p>
+            <a:r>
+              <a:rPr lang="en-US" sz="2400" dirty="0">
+                <a:solidFill>
+                  <a:schemeClr val="tx2"/>
+                </a:solidFill>
+                <a:latin typeface="Anonymous Pro" panose="02060609030202000504" pitchFamily="49" charset="0"/>
+                <a:ea typeface="Anonymous Pro" panose="02060609030202000504" pitchFamily="49" charset="0"/>
+              </a:rPr>
+              <a:t>git add</a:t>
+            </a:r>
+          </a:p>
+          <a:p>
+            <a:pPr marL="0" indent="0">
+              <a:buNone/>
+            </a:pPr>
+            <a:r>
+              <a:rPr lang="en-US" sz="2400" dirty="0">
+                <a:solidFill>
+                  <a:schemeClr val="tx2"/>
+                </a:solidFill>
+                <a:latin typeface="Anonymous Pro" panose="02060609030202000504" pitchFamily="49" charset="0"/>
+                <a:ea typeface="Anonymous Pro" panose="02060609030202000504" pitchFamily="49" charset="0"/>
+              </a:rPr>
+              <a:t> git commit --amend</a:t>
+            </a:r>
+          </a:p>
+          <a:p>
+            <a:r>
+              <a:rPr lang="en-US" sz="2400" dirty="0"/>
+              <a:t>This commit is fubar, just get rid of it:</a:t>
+            </a:r>
+          </a:p>
+          <a:p>
+            <a:r>
+              <a:rPr lang="en-US" sz="2400" dirty="0">
+                <a:solidFill>
+                  <a:schemeClr val="tx2"/>
+                </a:solidFill>
+                <a:latin typeface="Anonymous Pro" panose="02060609030202000504" pitchFamily="49" charset="0"/>
+                <a:ea typeface="Anonymous Pro" panose="02060609030202000504" pitchFamily="49" charset="0"/>
+              </a:rPr>
+              <a:t>git revert</a:t>
+            </a:r>
+            <a:r>
+              <a:rPr lang="en-US" sz="2400" dirty="0">
+                <a:ea typeface="Anonymous Pro" panose="02060609030202000504" pitchFamily="49" charset="0"/>
+              </a:rPr>
+              <a:t> (you can also revert reverts!)</a:t>
+            </a:r>
+          </a:p>
+        </p:txBody>
+      </p:sp>
+      <p:sp>
+        <p:nvSpPr>
+          <p:cNvPr id="5" name="Footer Placeholder 4">
+            <a:extLst>
+              <a:ext uri="{FF2B5EF4-FFF2-40B4-BE49-F238E27FC236}">
+                <a16:creationId xmlns:a16="http://schemas.microsoft.com/office/drawing/2014/main" id="{FFE0D97F-036D-46F7-B09A-27AC1B969DEE}"/>
+              </a:ext>
+            </a:extLst>
+          </p:cNvPr>
+          <p:cNvSpPr>
+            <a:spLocks noGrp="1"/>
+          </p:cNvSpPr>
+          <p:nvPr>
+            <p:ph type="ftr" sz="quarter" idx="16"/>
+          </p:nvPr>
+        </p:nvSpPr>
+        <p:spPr/>
+        <p:txBody>
+          <a:bodyPr/>
+          <a:lstStyle/>
+          <a:p>
+            <a:r>
+              <a:rPr lang="en-US"/>
+              <a:t>Silicon Labs Confidential</a:t>
+            </a:r>
+            <a:endParaRPr lang="en-US" dirty="0"/>
+          </a:p>
+        </p:txBody>
+      </p:sp>
+      <p:sp>
+        <p:nvSpPr>
+          <p:cNvPr id="6" name="Slide Number Placeholder 5">
+            <a:extLst>
+              <a:ext uri="{FF2B5EF4-FFF2-40B4-BE49-F238E27FC236}">
+                <a16:creationId xmlns:a16="http://schemas.microsoft.com/office/drawing/2014/main" id="{20B74292-85CF-4BA8-95DF-C0712CBFD53A}"/>
+              </a:ext>
+            </a:extLst>
+          </p:cNvPr>
+          <p:cNvSpPr>
+            <a:spLocks noGrp="1"/>
+          </p:cNvSpPr>
+          <p:nvPr>
+            <p:ph type="sldNum" sz="quarter" idx="17"/>
+          </p:nvPr>
+        </p:nvSpPr>
+        <p:spPr/>
+        <p:txBody>
+          <a:bodyPr/>
+          <a:lstStyle/>
+          <a:p>
+            <a:fld id="{29A7BD92-6AE5-CF43-B276-274952F2BFB4}" type="slidenum">
+              <a:rPr lang="en-US" smtClean="0"/>
+              <a:pPr/>
+              <a:t>13</a:t>
+            </a:fld>
+            <a:endParaRPr lang="en-US" dirty="0"/>
+          </a:p>
+        </p:txBody>
+      </p:sp>
+    </p:spTree>
+    <p:extLst>
+      <p:ext uri="{BB962C8B-B14F-4D97-AF65-F5344CB8AC3E}">
+        <p14:creationId xmlns:p14="http://schemas.microsoft.com/office/powerpoint/2010/main" val="1597855864"/>
+      </p:ext>
+    </p:extLst>
+  </p:cSld>
+  <p:clrMapOvr>
+    <a:masterClrMapping/>
+  </p:clrMapOvr>
+  <p:transition spd="med">
+    <p:wipe/>
+  </p:transition>
+</p:sld>
+</file>
+
+<file path=ppt/slides/slide14.xml><?xml version="1.0" encoding="utf-8"?>
+<p:sld xmlns:a="http://schemas.openxmlformats.org/drawingml/2006/main" xmlns:r="http://schemas.openxmlformats.org/officeDocument/2006/relationships" xmlns:p="http://schemas.openxmlformats.org/presentationml/2006/main">
+  <p:cSld>
+    <p:spTree>
+      <p:nvGrpSpPr>
+        <p:cNvPr id="1" name=""/>
+        <p:cNvGrpSpPr/>
+        <p:nvPr/>
+      </p:nvGrpSpPr>
+      <p:grpSpPr>
+        <a:xfrm>
+          <a:off x="0" y="0"/>
+          <a:ext cx="0" cy="0"/>
+          <a:chOff x="0" y="0"/>
+          <a:chExt cx="0" cy="0"/>
+        </a:xfrm>
+      </p:grpSpPr>
+      <p:sp>
+        <p:nvSpPr>
+          <p:cNvPr id="2" name="Title 1">
+            <a:extLst>
+              <a:ext uri="{FF2B5EF4-FFF2-40B4-BE49-F238E27FC236}">
+                <a16:creationId xmlns:a16="http://schemas.microsoft.com/office/drawing/2014/main" id="{382F54DC-0126-484D-A717-1C79F4888B61}"/>
+              </a:ext>
+            </a:extLst>
+          </p:cNvPr>
+          <p:cNvSpPr>
+            <a:spLocks noGrp="1"/>
+          </p:cNvSpPr>
+          <p:nvPr>
+            <p:ph type="title"/>
+          </p:nvPr>
+        </p:nvSpPr>
+        <p:spPr/>
+        <p:txBody>
+          <a:bodyPr/>
+          <a:lstStyle/>
+          <a:p>
+            <a:r>
+              <a:rPr lang="en-US" dirty="0"/>
+              <a:t>Experimenting with Changes</a:t>
+            </a:r>
+          </a:p>
+        </p:txBody>
+      </p:sp>
+      <p:sp>
+        <p:nvSpPr>
+          <p:cNvPr id="3" name="Text Placeholder 2">
+            <a:extLst>
+              <a:ext uri="{FF2B5EF4-FFF2-40B4-BE49-F238E27FC236}">
+                <a16:creationId xmlns:a16="http://schemas.microsoft.com/office/drawing/2014/main" id="{1B339223-29C7-4086-BEBC-0FF3EA489990}"/>
+              </a:ext>
+            </a:extLst>
+          </p:cNvPr>
+          <p:cNvSpPr>
+            <a:spLocks noGrp="1"/>
+          </p:cNvSpPr>
+          <p:nvPr>
+            <p:ph type="body" sz="quarter" idx="11"/>
+          </p:nvPr>
+        </p:nvSpPr>
+        <p:spPr/>
+        <p:txBody>
+          <a:bodyPr/>
+          <a:lstStyle/>
+          <a:p>
+            <a:endParaRPr lang="en-US"/>
+          </a:p>
+        </p:txBody>
+      </p:sp>
+    </p:spTree>
+    <p:extLst>
+      <p:ext uri="{BB962C8B-B14F-4D97-AF65-F5344CB8AC3E}">
+        <p14:creationId xmlns:p14="http://schemas.microsoft.com/office/powerpoint/2010/main" val="1487849528"/>
+      </p:ext>
+    </p:extLst>
+  </p:cSld>
+  <p:clrMapOvr>
+    <a:masterClrMapping/>
+  </p:clrMapOvr>
+  <p:transition spd="med">
+    <p:wipe/>
+  </p:transition>
+</p:sld>
+</file>
+
+<file path=ppt/slides/slide15.xml><?xml version="1.0" encoding="utf-8"?>
+<p:sld xmlns:a="http://schemas.openxmlformats.org/drawingml/2006/main" xmlns:r="http://schemas.openxmlformats.org/officeDocument/2006/relationships" xmlns:p="http://schemas.openxmlformats.org/presentationml/2006/main">
+  <p:cSld>
+    <p:spTree>
+      <p:nvGrpSpPr>
+        <p:cNvPr id="1" name=""/>
+        <p:cNvGrpSpPr/>
+        <p:nvPr/>
+      </p:nvGrpSpPr>
+      <p:grpSpPr>
+        <a:xfrm>
+          <a:off x="0" y="0"/>
+          <a:ext cx="0" cy="0"/>
+          <a:chOff x="0" y="0"/>
+          <a:chExt cx="0" cy="0"/>
+        </a:xfrm>
+      </p:grpSpPr>
+      <p:sp>
+        <p:nvSpPr>
+          <p:cNvPr id="2" name="Title 1">
+            <a:extLst>
+              <a:ext uri="{FF2B5EF4-FFF2-40B4-BE49-F238E27FC236}">
+                <a16:creationId xmlns:a16="http://schemas.microsoft.com/office/drawing/2014/main" id="{96BE1ABA-BAE2-4E1E-956B-BF2DDAB02F71}"/>
+              </a:ext>
+            </a:extLst>
+          </p:cNvPr>
+          <p:cNvSpPr>
+            <a:spLocks noGrp="1"/>
+          </p:cNvSpPr>
+          <p:nvPr>
+            <p:ph type="title"/>
+          </p:nvPr>
+        </p:nvSpPr>
+        <p:spPr/>
+        <p:txBody>
+          <a:bodyPr/>
+          <a:lstStyle/>
+          <a:p>
+            <a:r>
+              <a:rPr lang="en-US" dirty="0"/>
+              <a:t>References for 500</a:t>
+            </a:r>
+          </a:p>
+        </p:txBody>
+      </p:sp>
+      <p:sp>
+        <p:nvSpPr>
+          <p:cNvPr id="3" name="Picture Placeholder 2">
+            <a:extLst>
+              <a:ext uri="{FF2B5EF4-FFF2-40B4-BE49-F238E27FC236}">
+                <a16:creationId xmlns:a16="http://schemas.microsoft.com/office/drawing/2014/main" id="{CB4B4708-C49A-4E48-9E06-3DAE9E39A9D1}"/>
+              </a:ext>
+            </a:extLst>
+          </p:cNvPr>
+          <p:cNvSpPr>
+            <a:spLocks noGrp="1"/>
+          </p:cNvSpPr>
+          <p:nvPr>
+            <p:ph type="pic" sz="quarter" idx="15"/>
+          </p:nvPr>
+        </p:nvSpPr>
+        <p:spPr/>
+      </p:sp>
+      <p:sp>
+        <p:nvSpPr>
+          <p:cNvPr id="4" name="Content Placeholder 3">
+            <a:extLst>
+              <a:ext uri="{FF2B5EF4-FFF2-40B4-BE49-F238E27FC236}">
+                <a16:creationId xmlns:a16="http://schemas.microsoft.com/office/drawing/2014/main" id="{136EA403-A1D4-4EF0-9011-88323A090238}"/>
+              </a:ext>
+            </a:extLst>
+          </p:cNvPr>
+          <p:cNvSpPr>
+            <a:spLocks noGrp="1"/>
+          </p:cNvSpPr>
+          <p:nvPr>
+            <p:ph sz="quarter" idx="13"/>
+          </p:nvPr>
+        </p:nvSpPr>
+        <p:spPr/>
+        <p:txBody>
+          <a:bodyPr>
+            <a:normAutofit/>
+          </a:bodyPr>
+          <a:lstStyle/>
+          <a:p>
+            <a:r>
+              <a:rPr lang="en-US" sz="2400" dirty="0"/>
+              <a:t>References (or refs) are how git refers to commits</a:t>
+            </a:r>
+          </a:p>
+          <a:p>
+            <a:r>
+              <a:rPr lang="en-US" sz="2400" dirty="0"/>
+              <a:t>Every commit has a unique ID (a hash, or SHA)</a:t>
+            </a:r>
+          </a:p>
+          <a:p>
+            <a:r>
+              <a:rPr lang="en-US" sz="2400" dirty="0"/>
+              <a:t>A series of commits is a branch</a:t>
+            </a:r>
+          </a:p>
+          <a:p>
+            <a:r>
+              <a:rPr lang="en-US" sz="2400" dirty="0"/>
+              <a:t>The latest commit in a branch is called the “HEAD”</a:t>
+            </a:r>
+          </a:p>
+        </p:txBody>
+      </p:sp>
+      <p:sp>
+        <p:nvSpPr>
+          <p:cNvPr id="5" name="Footer Placeholder 4">
+            <a:extLst>
+              <a:ext uri="{FF2B5EF4-FFF2-40B4-BE49-F238E27FC236}">
+                <a16:creationId xmlns:a16="http://schemas.microsoft.com/office/drawing/2014/main" id="{809FDC81-F086-447A-8278-D5DD965D813C}"/>
+              </a:ext>
+            </a:extLst>
+          </p:cNvPr>
+          <p:cNvSpPr>
+            <a:spLocks noGrp="1"/>
+          </p:cNvSpPr>
+          <p:nvPr>
+            <p:ph type="ftr" sz="quarter" idx="16"/>
+          </p:nvPr>
+        </p:nvSpPr>
+        <p:spPr/>
+        <p:txBody>
+          <a:bodyPr/>
+          <a:lstStyle/>
+          <a:p>
+            <a:r>
+              <a:rPr lang="en-US"/>
+              <a:t>Silicon Labs Confidential</a:t>
+            </a:r>
+            <a:endParaRPr lang="en-US" dirty="0"/>
+          </a:p>
+        </p:txBody>
+      </p:sp>
+      <p:sp>
+        <p:nvSpPr>
+          <p:cNvPr id="6" name="Slide Number Placeholder 5">
+            <a:extLst>
+              <a:ext uri="{FF2B5EF4-FFF2-40B4-BE49-F238E27FC236}">
+                <a16:creationId xmlns:a16="http://schemas.microsoft.com/office/drawing/2014/main" id="{896A6BC4-05FD-4353-9367-EE7005C747D9}"/>
+              </a:ext>
+            </a:extLst>
+          </p:cNvPr>
+          <p:cNvSpPr>
+            <a:spLocks noGrp="1"/>
+          </p:cNvSpPr>
+          <p:nvPr>
+            <p:ph type="sldNum" sz="quarter" idx="17"/>
+          </p:nvPr>
+        </p:nvSpPr>
+        <p:spPr/>
+        <p:txBody>
+          <a:bodyPr/>
+          <a:lstStyle/>
+          <a:p>
+            <a:fld id="{29A7BD92-6AE5-CF43-B276-274952F2BFB4}" type="slidenum">
+              <a:rPr lang="en-US" smtClean="0"/>
+              <a:pPr/>
+              <a:t>15</a:t>
+            </a:fld>
+            <a:endParaRPr lang="en-US" dirty="0"/>
+          </a:p>
+        </p:txBody>
+      </p:sp>
+      <p:pic>
+        <p:nvPicPr>
+          <p:cNvPr id="7" name="Picture 6">
+            <a:extLst>
+              <a:ext uri="{FF2B5EF4-FFF2-40B4-BE49-F238E27FC236}">
+                <a16:creationId xmlns:a16="http://schemas.microsoft.com/office/drawing/2014/main" id="{7134171D-2F3B-40C6-818F-2B74E0A6A13F}"/>
+              </a:ext>
+            </a:extLst>
+          </p:cNvPr>
+          <p:cNvPicPr>
+            <a:picLocks noChangeAspect="1"/>
+          </p:cNvPicPr>
+          <p:nvPr/>
+        </p:nvPicPr>
+        <p:blipFill>
+          <a:blip r:embed="rId2"/>
+          <a:stretch>
+            <a:fillRect/>
+          </a:stretch>
+        </p:blipFill>
+        <p:spPr>
+          <a:xfrm>
+            <a:off x="465523" y="1438276"/>
+            <a:ext cx="6544877" cy="4008737"/>
+          </a:xfrm>
+          <a:prstGeom prst="rect">
+            <a:avLst/>
+          </a:prstGeom>
+        </p:spPr>
+      </p:pic>
+      <p:sp>
+        <p:nvSpPr>
+          <p:cNvPr id="8" name="Rectangle 7">
+            <a:extLst>
+              <a:ext uri="{FF2B5EF4-FFF2-40B4-BE49-F238E27FC236}">
+                <a16:creationId xmlns:a16="http://schemas.microsoft.com/office/drawing/2014/main" id="{FE7AF28A-DD7A-4416-B425-12FE95767CF8}"/>
+              </a:ext>
+            </a:extLst>
+          </p:cNvPr>
+          <p:cNvSpPr/>
+          <p:nvPr/>
+        </p:nvSpPr>
+        <p:spPr>
+          <a:xfrm>
+            <a:off x="1777028" y="5970889"/>
+            <a:ext cx="3916825" cy="276999"/>
+          </a:xfrm>
+          <a:prstGeom prst="rect">
+            <a:avLst/>
+          </a:prstGeom>
+        </p:spPr>
+        <p:txBody>
+          <a:bodyPr wrap="square">
+            <a:spAutoFit/>
+          </a:bodyPr>
+          <a:lstStyle/>
+          <a:p>
+            <a:r>
+              <a:rPr lang="en-US" sz="1200" dirty="0"/>
+              <a:t>https://www.atlassian.com/git/tutorials/refs-and-the-reflog</a:t>
+            </a:r>
+          </a:p>
+        </p:txBody>
+      </p:sp>
+    </p:spTree>
+    <p:extLst>
+      <p:ext uri="{BB962C8B-B14F-4D97-AF65-F5344CB8AC3E}">
+        <p14:creationId xmlns:p14="http://schemas.microsoft.com/office/powerpoint/2010/main" val="1049086725"/>
+      </p:ext>
+    </p:extLst>
+  </p:cSld>
+  <p:clrMapOvr>
+    <a:masterClrMapping/>
+  </p:clrMapOvr>
+  <p:transition spd="med">
+    <p:wipe/>
+  </p:transition>
+</p:sld>
+</file>
+
+<file path=ppt/slides/slide16.xml><?xml version="1.0" encoding="utf-8"?>
+<p:sld xmlns:a="http://schemas.openxmlformats.org/drawingml/2006/main" xmlns:r="http://schemas.openxmlformats.org/officeDocument/2006/relationships" xmlns:p="http://schemas.openxmlformats.org/presentationml/2006/main">
+  <p:cSld>
+    <p:spTree>
+      <p:nvGrpSpPr>
+        <p:cNvPr id="1" name=""/>
+        <p:cNvGrpSpPr/>
+        <p:nvPr/>
+      </p:nvGrpSpPr>
+      <p:grpSpPr>
+        <a:xfrm>
+          <a:off x="0" y="0"/>
+          <a:ext cx="0" cy="0"/>
+          <a:chOff x="0" y="0"/>
+          <a:chExt cx="0" cy="0"/>
+        </a:xfrm>
+      </p:grpSpPr>
+      <p:sp>
+        <p:nvSpPr>
+          <p:cNvPr id="7" name="Title 6">
+            <a:extLst>
+              <a:ext uri="{FF2B5EF4-FFF2-40B4-BE49-F238E27FC236}">
+                <a16:creationId xmlns:a16="http://schemas.microsoft.com/office/drawing/2014/main" id="{8E164AB9-74FB-4477-9C6C-5C7F339DE218}"/>
+              </a:ext>
+            </a:extLst>
+          </p:cNvPr>
+          <p:cNvSpPr>
+            <a:spLocks noGrp="1"/>
+          </p:cNvSpPr>
+          <p:nvPr>
+            <p:ph type="title"/>
+          </p:nvPr>
+        </p:nvSpPr>
+        <p:spPr/>
+        <p:txBody>
+          <a:bodyPr/>
+          <a:lstStyle/>
+          <a:p>
+            <a:r>
+              <a:rPr lang="en-US" dirty="0"/>
+              <a:t>Working with Branches</a:t>
+            </a:r>
+          </a:p>
+        </p:txBody>
+      </p:sp>
+      <p:sp>
+        <p:nvSpPr>
+          <p:cNvPr id="9" name="Picture Placeholder 8">
+            <a:extLst>
+              <a:ext uri="{FF2B5EF4-FFF2-40B4-BE49-F238E27FC236}">
+                <a16:creationId xmlns:a16="http://schemas.microsoft.com/office/drawing/2014/main" id="{EB2DBC90-3ABF-45FB-B9B2-D3D00A6D01C1}"/>
+              </a:ext>
+            </a:extLst>
+          </p:cNvPr>
+          <p:cNvSpPr>
+            <a:spLocks noGrp="1"/>
+          </p:cNvSpPr>
+          <p:nvPr>
+            <p:ph type="pic" sz="quarter" idx="15"/>
+          </p:nvPr>
+        </p:nvSpPr>
+        <p:spPr/>
+      </p:sp>
+      <p:sp>
+        <p:nvSpPr>
+          <p:cNvPr id="8" name="Content Placeholder 7">
+            <a:extLst>
+              <a:ext uri="{FF2B5EF4-FFF2-40B4-BE49-F238E27FC236}">
+                <a16:creationId xmlns:a16="http://schemas.microsoft.com/office/drawing/2014/main" id="{B69DFB65-D5E6-4729-822E-9C641B02192D}"/>
+              </a:ext>
+            </a:extLst>
+          </p:cNvPr>
+          <p:cNvSpPr>
+            <a:spLocks noGrp="1"/>
+          </p:cNvSpPr>
+          <p:nvPr>
+            <p:ph sz="quarter" idx="13"/>
+          </p:nvPr>
+        </p:nvSpPr>
+        <p:spPr/>
+        <p:txBody>
+          <a:bodyPr>
+            <a:normAutofit/>
+          </a:bodyPr>
+          <a:lstStyle/>
+          <a:p>
+            <a:r>
+              <a:rPr lang="en-US" sz="2400" dirty="0"/>
+              <a:t>The default mode of operation</a:t>
+            </a:r>
+          </a:p>
+          <a:p>
+            <a:pPr lvl="1"/>
+            <a:r>
+              <a:rPr lang="en-US" sz="2200" dirty="0"/>
+              <a:t>The master branch is the “default” branch</a:t>
+            </a:r>
+          </a:p>
+          <a:p>
+            <a:r>
+              <a:rPr lang="en-US" sz="2400" dirty="0">
+                <a:solidFill>
+                  <a:schemeClr val="tx2"/>
+                </a:solidFill>
+                <a:latin typeface="Anonymous Pro" panose="02060609030202000504" pitchFamily="49" charset="0"/>
+                <a:ea typeface="Anonymous Pro" panose="02060609030202000504" pitchFamily="49" charset="0"/>
+              </a:rPr>
+              <a:t>git branch</a:t>
+            </a:r>
+          </a:p>
+          <a:p>
+            <a:pPr lvl="1"/>
+            <a:r>
+              <a:rPr lang="en-US" sz="2200" dirty="0">
+                <a:ea typeface="Anonymous Pro" panose="02060609030202000504" pitchFamily="49" charset="0"/>
+              </a:rPr>
+              <a:t>List all branches:</a:t>
+            </a:r>
+            <a:br>
+              <a:rPr lang="en-US" sz="2200" dirty="0">
+                <a:ea typeface="Anonymous Pro" panose="02060609030202000504" pitchFamily="49" charset="0"/>
+              </a:rPr>
+            </a:br>
+            <a:r>
+              <a:rPr lang="en-US" sz="2200" dirty="0">
+                <a:solidFill>
+                  <a:schemeClr val="tx2"/>
+                </a:solidFill>
+                <a:latin typeface="Anonymous Pro" panose="02060609030202000504" pitchFamily="49" charset="0"/>
+                <a:ea typeface="Anonymous Pro" panose="02060609030202000504" pitchFamily="49" charset="0"/>
+              </a:rPr>
+              <a:t>git branch –a</a:t>
+            </a:r>
+          </a:p>
+          <a:p>
+            <a:r>
+              <a:rPr lang="en-US" sz="2400" dirty="0">
+                <a:solidFill>
+                  <a:schemeClr val="tx2"/>
+                </a:solidFill>
+                <a:latin typeface="Anonymous Pro" panose="02060609030202000504" pitchFamily="49" charset="0"/>
+                <a:ea typeface="Anonymous Pro" panose="02060609030202000504" pitchFamily="49" charset="0"/>
+              </a:rPr>
+              <a:t>git checkout</a:t>
+            </a:r>
+          </a:p>
+        </p:txBody>
+      </p:sp>
+      <p:sp>
+        <p:nvSpPr>
+          <p:cNvPr id="5" name="Footer Placeholder 4">
+            <a:extLst>
+              <a:ext uri="{FF2B5EF4-FFF2-40B4-BE49-F238E27FC236}">
+                <a16:creationId xmlns:a16="http://schemas.microsoft.com/office/drawing/2014/main" id="{E45EB377-3EB9-43A1-B307-92EC16FF4DAD}"/>
+              </a:ext>
+            </a:extLst>
+          </p:cNvPr>
+          <p:cNvSpPr>
+            <a:spLocks noGrp="1"/>
+          </p:cNvSpPr>
+          <p:nvPr>
+            <p:ph type="ftr" sz="quarter" idx="16"/>
+          </p:nvPr>
+        </p:nvSpPr>
+        <p:spPr/>
+        <p:txBody>
+          <a:bodyPr/>
+          <a:lstStyle/>
+          <a:p>
+            <a:r>
+              <a:rPr lang="en-US"/>
+              <a:t>Silicon Labs Confidential</a:t>
+            </a:r>
+            <a:endParaRPr lang="en-US" dirty="0"/>
+          </a:p>
+        </p:txBody>
+      </p:sp>
+      <p:sp>
+        <p:nvSpPr>
+          <p:cNvPr id="6" name="Slide Number Placeholder 5">
+            <a:extLst>
+              <a:ext uri="{FF2B5EF4-FFF2-40B4-BE49-F238E27FC236}">
+                <a16:creationId xmlns:a16="http://schemas.microsoft.com/office/drawing/2014/main" id="{0EA8148E-1E95-409E-9CD6-909F3E1E4C97}"/>
+              </a:ext>
+            </a:extLst>
+          </p:cNvPr>
+          <p:cNvSpPr>
+            <a:spLocks noGrp="1"/>
+          </p:cNvSpPr>
+          <p:nvPr>
+            <p:ph type="sldNum" sz="quarter" idx="17"/>
+          </p:nvPr>
+        </p:nvSpPr>
+        <p:spPr/>
+        <p:txBody>
+          <a:bodyPr/>
+          <a:lstStyle/>
+          <a:p>
+            <a:fld id="{29A7BD92-6AE5-CF43-B276-274952F2BFB4}" type="slidenum">
+              <a:rPr lang="en-US" smtClean="0"/>
+              <a:pPr/>
+              <a:t>16</a:t>
+            </a:fld>
+            <a:endParaRPr lang="en-US" dirty="0"/>
+          </a:p>
+        </p:txBody>
+      </p:sp>
+    </p:spTree>
+    <p:extLst>
+      <p:ext uri="{BB962C8B-B14F-4D97-AF65-F5344CB8AC3E}">
+        <p14:creationId xmlns:p14="http://schemas.microsoft.com/office/powerpoint/2010/main" val="3314524375"/>
+      </p:ext>
+    </p:extLst>
+  </p:cSld>
+  <p:clrMapOvr>
+    <a:masterClrMapping/>
+  </p:clrMapOvr>
+  <p:transition spd="med">
+    <p:wipe/>
+  </p:transition>
+</p:sld>
+</file>
+
+<file path=ppt/slides/slide17.xml><?xml version="1.0" encoding="utf-8"?>
+<p:sld xmlns:a="http://schemas.openxmlformats.org/drawingml/2006/main" xmlns:r="http://schemas.openxmlformats.org/officeDocument/2006/relationships" xmlns:p="http://schemas.openxmlformats.org/presentationml/2006/main">
+  <p:cSld>
+    <p:spTree>
+      <p:nvGrpSpPr>
+        <p:cNvPr id="1" name=""/>
+        <p:cNvGrpSpPr/>
+        <p:nvPr/>
+      </p:nvGrpSpPr>
+      <p:grpSpPr>
+        <a:xfrm>
+          <a:off x="0" y="0"/>
+          <a:ext cx="0" cy="0"/>
+          <a:chOff x="0" y="0"/>
+          <a:chExt cx="0" cy="0"/>
+        </a:xfrm>
+      </p:grpSpPr>
+      <p:sp>
+        <p:nvSpPr>
+          <p:cNvPr id="2" name="Title 1">
+            <a:extLst>
+              <a:ext uri="{FF2B5EF4-FFF2-40B4-BE49-F238E27FC236}">
+                <a16:creationId xmlns:a16="http://schemas.microsoft.com/office/drawing/2014/main" id="{B4D1630C-11EE-4830-A867-2B7AF1274FAC}"/>
+              </a:ext>
+            </a:extLst>
+          </p:cNvPr>
+          <p:cNvSpPr>
+            <a:spLocks noGrp="1"/>
+          </p:cNvSpPr>
+          <p:nvPr>
+            <p:ph type="title"/>
+          </p:nvPr>
+        </p:nvSpPr>
+        <p:spPr/>
+        <p:txBody>
+          <a:bodyPr/>
+          <a:lstStyle/>
+          <a:p>
+            <a:r>
+              <a:rPr lang="en-US" dirty="0"/>
+              <a:t>Checkout HEADs, Branches, and Commits</a:t>
+            </a:r>
+          </a:p>
+        </p:txBody>
+      </p:sp>
+      <p:sp>
+        <p:nvSpPr>
+          <p:cNvPr id="3" name="Picture Placeholder 2">
+            <a:extLst>
+              <a:ext uri="{FF2B5EF4-FFF2-40B4-BE49-F238E27FC236}">
+                <a16:creationId xmlns:a16="http://schemas.microsoft.com/office/drawing/2014/main" id="{0267409B-48E6-4A8D-8765-4F7358EBACA4}"/>
+              </a:ext>
+            </a:extLst>
+          </p:cNvPr>
+          <p:cNvSpPr>
+            <a:spLocks noGrp="1"/>
+          </p:cNvSpPr>
+          <p:nvPr>
+            <p:ph type="pic" sz="quarter" idx="15"/>
+          </p:nvPr>
+        </p:nvSpPr>
+        <p:spPr/>
+      </p:sp>
+      <p:sp>
+        <p:nvSpPr>
+          <p:cNvPr id="4" name="Content Placeholder 3">
+            <a:extLst>
+              <a:ext uri="{FF2B5EF4-FFF2-40B4-BE49-F238E27FC236}">
+                <a16:creationId xmlns:a16="http://schemas.microsoft.com/office/drawing/2014/main" id="{7CC10A9D-86C7-44A1-9B50-3293D8F18D93}"/>
+              </a:ext>
+            </a:extLst>
+          </p:cNvPr>
+          <p:cNvSpPr>
+            <a:spLocks noGrp="1"/>
+          </p:cNvSpPr>
+          <p:nvPr>
+            <p:ph sz="quarter" idx="13"/>
+          </p:nvPr>
+        </p:nvSpPr>
+        <p:spPr/>
+        <p:txBody>
+          <a:bodyPr>
+            <a:normAutofit/>
+          </a:bodyPr>
+          <a:lstStyle/>
+          <a:p>
+            <a:r>
+              <a:rPr lang="en-US" sz="2400" dirty="0">
+                <a:solidFill>
+                  <a:schemeClr val="tx2"/>
+                </a:solidFill>
+                <a:latin typeface="Anonymous Pro" panose="02060609030202000504" pitchFamily="49" charset="0"/>
+                <a:ea typeface="Anonymous Pro" panose="02060609030202000504" pitchFamily="49" charset="0"/>
+              </a:rPr>
+              <a:t>git checkout</a:t>
+            </a:r>
+          </a:p>
+          <a:p>
+            <a:r>
+              <a:rPr lang="en-US" sz="2400" dirty="0"/>
+              <a:t>You can checkout specific commits</a:t>
+            </a:r>
+          </a:p>
+          <a:p>
+            <a:pPr lvl="1"/>
+            <a:r>
+              <a:rPr lang="en-US" sz="2200" dirty="0"/>
+              <a:t>Changes here don’t affect any other branch</a:t>
+            </a:r>
+          </a:p>
+        </p:txBody>
+      </p:sp>
+      <p:sp>
+        <p:nvSpPr>
+          <p:cNvPr id="5" name="Footer Placeholder 4">
+            <a:extLst>
+              <a:ext uri="{FF2B5EF4-FFF2-40B4-BE49-F238E27FC236}">
+                <a16:creationId xmlns:a16="http://schemas.microsoft.com/office/drawing/2014/main" id="{C809A984-C7B1-4CF5-A7F1-BA4FAE35B9A8}"/>
+              </a:ext>
+            </a:extLst>
+          </p:cNvPr>
+          <p:cNvSpPr>
+            <a:spLocks noGrp="1"/>
+          </p:cNvSpPr>
+          <p:nvPr>
+            <p:ph type="ftr" sz="quarter" idx="16"/>
+          </p:nvPr>
+        </p:nvSpPr>
+        <p:spPr/>
+        <p:txBody>
+          <a:bodyPr/>
+          <a:lstStyle/>
+          <a:p>
+            <a:r>
+              <a:rPr lang="en-US"/>
+              <a:t>Silicon Labs Confidential</a:t>
+            </a:r>
+            <a:endParaRPr lang="en-US" dirty="0"/>
+          </a:p>
+        </p:txBody>
+      </p:sp>
+      <p:sp>
+        <p:nvSpPr>
+          <p:cNvPr id="6" name="Slide Number Placeholder 5">
+            <a:extLst>
+              <a:ext uri="{FF2B5EF4-FFF2-40B4-BE49-F238E27FC236}">
+                <a16:creationId xmlns:a16="http://schemas.microsoft.com/office/drawing/2014/main" id="{BF0AF62E-F562-43EE-9244-8C9C79D4BD8F}"/>
+              </a:ext>
+            </a:extLst>
+          </p:cNvPr>
+          <p:cNvSpPr>
+            <a:spLocks noGrp="1"/>
+          </p:cNvSpPr>
+          <p:nvPr>
+            <p:ph type="sldNum" sz="quarter" idx="17"/>
+          </p:nvPr>
+        </p:nvSpPr>
+        <p:spPr/>
+        <p:txBody>
+          <a:bodyPr/>
+          <a:lstStyle/>
+          <a:p>
+            <a:fld id="{29A7BD92-6AE5-CF43-B276-274952F2BFB4}" type="slidenum">
+              <a:rPr lang="en-US" smtClean="0"/>
+              <a:pPr/>
+              <a:t>17</a:t>
+            </a:fld>
+            <a:endParaRPr lang="en-US" dirty="0"/>
+          </a:p>
+        </p:txBody>
+      </p:sp>
+    </p:spTree>
+    <p:extLst>
+      <p:ext uri="{BB962C8B-B14F-4D97-AF65-F5344CB8AC3E}">
+        <p14:creationId xmlns:p14="http://schemas.microsoft.com/office/powerpoint/2010/main" val="4141897053"/>
+      </p:ext>
+    </p:extLst>
+  </p:cSld>
+  <p:clrMapOvr>
+    <a:masterClrMapping/>
+  </p:clrMapOvr>
+  <p:transition spd="med">
+    <p:wipe/>
+  </p:transition>
+</p:sld>
+</file>
+
+<file path=ppt/slides/slide18.xml><?xml version="1.0" encoding="utf-8"?>
+<p:sld xmlns:a="http://schemas.openxmlformats.org/drawingml/2006/main" xmlns:r="http://schemas.openxmlformats.org/officeDocument/2006/relationships" xmlns:p="http://schemas.openxmlformats.org/presentationml/2006/main">
+  <p:cSld>
+    <p:spTree>
+      <p:nvGrpSpPr>
+        <p:cNvPr id="1" name=""/>
+        <p:cNvGrpSpPr/>
+        <p:nvPr/>
+      </p:nvGrpSpPr>
+      <p:grpSpPr>
+        <a:xfrm>
+          <a:off x="0" y="0"/>
+          <a:ext cx="0" cy="0"/>
+          <a:chOff x="0" y="0"/>
+          <a:chExt cx="0" cy="0"/>
+        </a:xfrm>
+      </p:grpSpPr>
+      <p:sp>
+        <p:nvSpPr>
+          <p:cNvPr id="2" name="Title 1">
+            <a:extLst>
+              <a:ext uri="{FF2B5EF4-FFF2-40B4-BE49-F238E27FC236}">
+                <a16:creationId xmlns:a16="http://schemas.microsoft.com/office/drawing/2014/main" id="{6A3A55A3-670A-47C8-AD62-036B949F96D8}"/>
+              </a:ext>
+            </a:extLst>
+          </p:cNvPr>
+          <p:cNvSpPr>
+            <a:spLocks noGrp="1"/>
+          </p:cNvSpPr>
+          <p:nvPr>
+            <p:ph type="title"/>
+          </p:nvPr>
+        </p:nvSpPr>
+        <p:spPr/>
+        <p:txBody>
+          <a:bodyPr/>
+          <a:lstStyle/>
+          <a:p>
+            <a:r>
+              <a:rPr lang="en-US" dirty="0"/>
+              <a:t>Branching Paths</a:t>
+            </a:r>
+          </a:p>
+        </p:txBody>
+      </p:sp>
+      <p:sp>
+        <p:nvSpPr>
+          <p:cNvPr id="3" name="Picture Placeholder 2">
+            <a:extLst>
+              <a:ext uri="{FF2B5EF4-FFF2-40B4-BE49-F238E27FC236}">
+                <a16:creationId xmlns:a16="http://schemas.microsoft.com/office/drawing/2014/main" id="{26C38E42-622D-4A04-85A5-ECBA1432917B}"/>
+              </a:ext>
+            </a:extLst>
+          </p:cNvPr>
+          <p:cNvSpPr>
+            <a:spLocks noGrp="1"/>
+          </p:cNvSpPr>
+          <p:nvPr>
+            <p:ph type="pic" sz="quarter" idx="15"/>
+          </p:nvPr>
+        </p:nvSpPr>
+        <p:spPr/>
+      </p:sp>
+      <p:sp>
+        <p:nvSpPr>
+          <p:cNvPr id="4" name="Content Placeholder 3">
+            <a:extLst>
+              <a:ext uri="{FF2B5EF4-FFF2-40B4-BE49-F238E27FC236}">
+                <a16:creationId xmlns:a16="http://schemas.microsoft.com/office/drawing/2014/main" id="{44BC5D67-1FDE-4E24-8EEA-A460E15BDF50}"/>
+              </a:ext>
+            </a:extLst>
+          </p:cNvPr>
+          <p:cNvSpPr>
+            <a:spLocks noGrp="1"/>
+          </p:cNvSpPr>
+          <p:nvPr>
+            <p:ph sz="quarter" idx="13"/>
+          </p:nvPr>
+        </p:nvSpPr>
+        <p:spPr/>
+        <p:txBody>
+          <a:bodyPr>
+            <a:normAutofit/>
+          </a:bodyPr>
+          <a:lstStyle/>
+          <a:p>
+            <a:r>
+              <a:rPr lang="en-US" sz="2400" dirty="0">
+                <a:solidFill>
+                  <a:schemeClr val="tx2"/>
+                </a:solidFill>
+                <a:latin typeface="Anonymous Pro" panose="02060609030202000504" pitchFamily="49" charset="0"/>
+                <a:ea typeface="Anonymous Pro" panose="02060609030202000504" pitchFamily="49" charset="0"/>
+              </a:rPr>
+              <a:t>git add</a:t>
+            </a:r>
+          </a:p>
+          <a:p>
+            <a:r>
+              <a:rPr lang="en-US" sz="2400" dirty="0">
+                <a:solidFill>
+                  <a:schemeClr val="tx2"/>
+                </a:solidFill>
+                <a:latin typeface="Anonymous Pro" panose="02060609030202000504" pitchFamily="49" charset="0"/>
+                <a:ea typeface="Anonymous Pro" panose="02060609030202000504" pitchFamily="49" charset="0"/>
+              </a:rPr>
+              <a:t>git commit -m</a:t>
+            </a:r>
+          </a:p>
+          <a:p>
+            <a:r>
+              <a:rPr lang="en-US" sz="2400" dirty="0">
+                <a:solidFill>
+                  <a:schemeClr val="tx2"/>
+                </a:solidFill>
+                <a:latin typeface="Anonymous Pro" panose="02060609030202000504" pitchFamily="49" charset="0"/>
+                <a:ea typeface="Anonymous Pro" panose="02060609030202000504" pitchFamily="49" charset="0"/>
+              </a:rPr>
+              <a:t>git log</a:t>
+            </a:r>
+          </a:p>
+          <a:p>
+            <a:r>
+              <a:rPr lang="en-US" sz="2400" dirty="0">
+                <a:solidFill>
+                  <a:schemeClr val="tx2"/>
+                </a:solidFill>
+                <a:latin typeface="Anonymous Pro" panose="02060609030202000504" pitchFamily="49" charset="0"/>
+                <a:ea typeface="Anonymous Pro" panose="02060609030202000504" pitchFamily="49" charset="0"/>
+              </a:rPr>
+              <a:t>git checkout</a:t>
+            </a:r>
+          </a:p>
+          <a:p>
+            <a:r>
+              <a:rPr lang="en-US" sz="2400" dirty="0">
+                <a:solidFill>
+                  <a:schemeClr val="tx2"/>
+                </a:solidFill>
+                <a:latin typeface="Anonymous Pro" panose="02060609030202000504" pitchFamily="49" charset="0"/>
+                <a:ea typeface="Anonymous Pro" panose="02060609030202000504" pitchFamily="49" charset="0"/>
+              </a:rPr>
+              <a:t>git add</a:t>
+            </a:r>
+          </a:p>
+          <a:p>
+            <a:r>
+              <a:rPr lang="en-US" sz="2400" dirty="0">
+                <a:solidFill>
+                  <a:schemeClr val="tx2"/>
+                </a:solidFill>
+                <a:latin typeface="Anonymous Pro" panose="02060609030202000504" pitchFamily="49" charset="0"/>
+                <a:ea typeface="Anonymous Pro" panose="02060609030202000504" pitchFamily="49" charset="0"/>
+              </a:rPr>
+              <a:t>git commit -m</a:t>
+            </a:r>
+          </a:p>
+          <a:p>
+            <a:r>
+              <a:rPr lang="en-US" sz="2400" dirty="0">
+                <a:solidFill>
+                  <a:schemeClr val="tx2"/>
+                </a:solidFill>
+                <a:latin typeface="Anonymous Pro" panose="02060609030202000504" pitchFamily="49" charset="0"/>
+                <a:ea typeface="Anonymous Pro" panose="02060609030202000504" pitchFamily="49" charset="0"/>
+              </a:rPr>
+              <a:t>git log</a:t>
+            </a:r>
+          </a:p>
+        </p:txBody>
+      </p:sp>
+      <p:sp>
+        <p:nvSpPr>
+          <p:cNvPr id="5" name="Footer Placeholder 4">
+            <a:extLst>
+              <a:ext uri="{FF2B5EF4-FFF2-40B4-BE49-F238E27FC236}">
+                <a16:creationId xmlns:a16="http://schemas.microsoft.com/office/drawing/2014/main" id="{956A2134-CD3F-493D-B5A6-AF0870EACC56}"/>
+              </a:ext>
+            </a:extLst>
+          </p:cNvPr>
+          <p:cNvSpPr>
+            <a:spLocks noGrp="1"/>
+          </p:cNvSpPr>
+          <p:nvPr>
+            <p:ph type="ftr" sz="quarter" idx="16"/>
+          </p:nvPr>
+        </p:nvSpPr>
+        <p:spPr/>
+        <p:txBody>
+          <a:bodyPr/>
+          <a:lstStyle/>
+          <a:p>
+            <a:r>
+              <a:rPr lang="en-US"/>
+              <a:t>Silicon Labs Confidential</a:t>
+            </a:r>
+            <a:endParaRPr lang="en-US" dirty="0"/>
+          </a:p>
+        </p:txBody>
+      </p:sp>
+      <p:sp>
+        <p:nvSpPr>
+          <p:cNvPr id="6" name="Slide Number Placeholder 5">
+            <a:extLst>
+              <a:ext uri="{FF2B5EF4-FFF2-40B4-BE49-F238E27FC236}">
+                <a16:creationId xmlns:a16="http://schemas.microsoft.com/office/drawing/2014/main" id="{E4C8FBB3-5C67-40D2-AE9D-3DF28BC46803}"/>
+              </a:ext>
+            </a:extLst>
+          </p:cNvPr>
+          <p:cNvSpPr>
+            <a:spLocks noGrp="1"/>
+          </p:cNvSpPr>
+          <p:nvPr>
+            <p:ph type="sldNum" sz="quarter" idx="17"/>
+          </p:nvPr>
+        </p:nvSpPr>
+        <p:spPr/>
+        <p:txBody>
+          <a:bodyPr/>
+          <a:lstStyle/>
+          <a:p>
+            <a:fld id="{29A7BD92-6AE5-CF43-B276-274952F2BFB4}" type="slidenum">
+              <a:rPr lang="en-US" smtClean="0"/>
+              <a:pPr/>
+              <a:t>18</a:t>
+            </a:fld>
+            <a:endParaRPr lang="en-US" dirty="0"/>
+          </a:p>
+        </p:txBody>
+      </p:sp>
+    </p:spTree>
+    <p:extLst>
+      <p:ext uri="{BB962C8B-B14F-4D97-AF65-F5344CB8AC3E}">
+        <p14:creationId xmlns:p14="http://schemas.microsoft.com/office/powerpoint/2010/main" val="75528996"/>
+      </p:ext>
+    </p:extLst>
+  </p:cSld>
+  <p:clrMapOvr>
+    <a:masterClrMapping/>
+  </p:clrMapOvr>
+  <p:transition spd="med">
+    <p:wipe/>
+  </p:transition>
+</p:sld>
+</file>
+
+<file path=ppt/slides/slide19.xml><?xml version="1.0" encoding="utf-8"?>
+<p:sld xmlns:a="http://schemas.openxmlformats.org/drawingml/2006/main" xmlns:r="http://schemas.openxmlformats.org/officeDocument/2006/relationships" xmlns:p="http://schemas.openxmlformats.org/presentationml/2006/main">
+  <p:cSld>
+    <p:spTree>
+      <p:nvGrpSpPr>
+        <p:cNvPr id="1" name=""/>
+        <p:cNvGrpSpPr/>
+        <p:nvPr/>
+      </p:nvGrpSpPr>
+      <p:grpSpPr>
+        <a:xfrm>
+          <a:off x="0" y="0"/>
+          <a:ext cx="0" cy="0"/>
+          <a:chOff x="0" y="0"/>
+          <a:chExt cx="0" cy="0"/>
+        </a:xfrm>
+      </p:grpSpPr>
+      <p:sp>
+        <p:nvSpPr>
+          <p:cNvPr id="2" name="Title 1">
+            <a:extLst>
+              <a:ext uri="{FF2B5EF4-FFF2-40B4-BE49-F238E27FC236}">
+                <a16:creationId xmlns:a16="http://schemas.microsoft.com/office/drawing/2014/main" id="{A0AC7DCB-BC39-4FF9-8C92-2D8D26A6C16C}"/>
+              </a:ext>
+            </a:extLst>
+          </p:cNvPr>
+          <p:cNvSpPr>
+            <a:spLocks noGrp="1"/>
+          </p:cNvSpPr>
+          <p:nvPr>
+            <p:ph type="title"/>
+          </p:nvPr>
+        </p:nvSpPr>
+        <p:spPr/>
+        <p:txBody>
+          <a:bodyPr/>
+          <a:lstStyle/>
+          <a:p>
+            <a:r>
+              <a:rPr lang="en-US" dirty="0"/>
+              <a:t>Merging Changes</a:t>
+            </a:r>
+          </a:p>
+        </p:txBody>
+      </p:sp>
+      <p:sp>
+        <p:nvSpPr>
+          <p:cNvPr id="3" name="Text Placeholder 2">
+            <a:extLst>
+              <a:ext uri="{FF2B5EF4-FFF2-40B4-BE49-F238E27FC236}">
+                <a16:creationId xmlns:a16="http://schemas.microsoft.com/office/drawing/2014/main" id="{DD6FCBC3-D476-45BB-A3A9-F13DEF443153}"/>
+              </a:ext>
+            </a:extLst>
+          </p:cNvPr>
+          <p:cNvSpPr>
+            <a:spLocks noGrp="1"/>
+          </p:cNvSpPr>
+          <p:nvPr>
+            <p:ph type="body" sz="quarter" idx="11"/>
+          </p:nvPr>
+        </p:nvSpPr>
+        <p:spPr/>
+        <p:txBody>
+          <a:bodyPr/>
+          <a:lstStyle/>
+          <a:p>
+            <a:r>
+              <a:rPr lang="en-US" dirty="0"/>
+              <a:t>The good, , and the ugly</a:t>
+            </a:r>
+          </a:p>
+        </p:txBody>
+      </p:sp>
+    </p:spTree>
+    <p:extLst>
+      <p:ext uri="{BB962C8B-B14F-4D97-AF65-F5344CB8AC3E}">
+        <p14:creationId xmlns:p14="http://schemas.microsoft.com/office/powerpoint/2010/main" val="2540530933"/>
+      </p:ext>
+    </p:extLst>
+  </p:cSld>
+  <p:clrMapOvr>
+    <a:masterClrMapping/>
+  </p:clrMapOvr>
+  <p:transition spd="med">
+    <p:wipe/>
+  </p:transition>
 </p:sld>
 </file>
 
@@ -15306,26 +17231,26 @@
           <a:lstStyle/>
           <a:p>
             <a:r>
-              <a:rPr lang="en-US" sz="2400" dirty="0" smtClean="0"/>
+              <a:rPr lang="en-US" sz="2400" dirty="0"/>
               <a:t>Absolute beginners</a:t>
             </a:r>
           </a:p>
           <a:p>
             <a:r>
-              <a:rPr lang="en-US" sz="2400" dirty="0" smtClean="0"/>
+              <a:rPr lang="en-US" sz="2400" dirty="0"/>
               <a:t>Those who want to learn how to properly merge</a:t>
             </a:r>
           </a:p>
           <a:p>
             <a:r>
-              <a:rPr lang="en-US" sz="2400" dirty="0" smtClean="0"/>
+              <a:rPr lang="en-US" sz="2400" dirty="0"/>
               <a:t>Those who are not comfortable with command line </a:t>
             </a:r>
             <a:r>
-              <a:rPr lang="en-US" sz="2400" dirty="0" err="1" smtClean="0"/>
+              <a:rPr lang="en-US" sz="2400" dirty="0" err="1"/>
               <a:t>git</a:t>
             </a:r>
-            <a:endParaRPr lang="en-US" sz="2400" dirty="0" smtClean="0"/>
+            <a:endParaRPr lang="en-US" sz="2400" dirty="0"/>
           </a:p>
         </p:txBody>
       </p:sp>
@@ -15345,10 +17270,9 @@
           <a:lstStyle/>
           <a:p>
             <a:r>
-              <a:rPr lang="en-US" dirty="0" smtClean="0"/>
+              <a:rPr lang="en-US" dirty="0"/>
               <a:t>Who This Is For</a:t>
             </a:r>
-            <a:endParaRPr lang="en-US" dirty="0"/>
           </a:p>
         </p:txBody>
       </p:sp>
@@ -15368,7 +17292,7 @@
           <a:lstStyle/>
           <a:p>
             <a:r>
-              <a:rPr lang="en-US" smtClean="0"/>
+              <a:rPr lang="en-US"/>
               <a:t>Silicon Labs Confidential</a:t>
             </a:r>
             <a:endParaRPr lang="en-US" dirty="0"/>
@@ -15403,6 +17327,2037 @@
     <p:extLst>
       <p:ext uri="{BB962C8B-B14F-4D97-AF65-F5344CB8AC3E}">
         <p14:creationId xmlns:p14="http://schemas.microsoft.com/office/powerpoint/2010/main" val="246646530"/>
+      </p:ext>
+    </p:extLst>
+  </p:cSld>
+  <p:clrMapOvr>
+    <a:masterClrMapping/>
+  </p:clrMapOvr>
+  <p:transition spd="med">
+    <p:wipe/>
+  </p:transition>
+</p:sld>
+</file>
+
+<file path=ppt/slides/slide20.xml><?xml version="1.0" encoding="utf-8"?>
+<p:sld xmlns:a="http://schemas.openxmlformats.org/drawingml/2006/main" xmlns:r="http://schemas.openxmlformats.org/officeDocument/2006/relationships" xmlns:p="http://schemas.openxmlformats.org/presentationml/2006/main">
+  <p:cSld>
+    <p:spTree>
+      <p:nvGrpSpPr>
+        <p:cNvPr id="1" name=""/>
+        <p:cNvGrpSpPr/>
+        <p:nvPr/>
+      </p:nvGrpSpPr>
+      <p:grpSpPr>
+        <a:xfrm>
+          <a:off x="0" y="0"/>
+          <a:ext cx="0" cy="0"/>
+          <a:chOff x="0" y="0"/>
+          <a:chExt cx="0" cy="0"/>
+        </a:xfrm>
+      </p:grpSpPr>
+      <p:sp>
+        <p:nvSpPr>
+          <p:cNvPr id="2" name="Title 1">
+            <a:extLst>
+              <a:ext uri="{FF2B5EF4-FFF2-40B4-BE49-F238E27FC236}">
+                <a16:creationId xmlns:a16="http://schemas.microsoft.com/office/drawing/2014/main" id="{5FB6C9EB-A154-49FA-B21A-83DCEA776E9F}"/>
+              </a:ext>
+            </a:extLst>
+          </p:cNvPr>
+          <p:cNvSpPr>
+            <a:spLocks noGrp="1"/>
+          </p:cNvSpPr>
+          <p:nvPr>
+            <p:ph type="title"/>
+          </p:nvPr>
+        </p:nvSpPr>
+        <p:spPr/>
+        <p:txBody>
+          <a:bodyPr/>
+          <a:lstStyle/>
+          <a:p>
+            <a:r>
+              <a:rPr lang="en-US" dirty="0"/>
+              <a:t>What Is a Merge?</a:t>
+            </a:r>
+          </a:p>
+        </p:txBody>
+      </p:sp>
+      <p:sp>
+        <p:nvSpPr>
+          <p:cNvPr id="10" name="Picture Placeholder 9">
+            <a:extLst>
+              <a:ext uri="{FF2B5EF4-FFF2-40B4-BE49-F238E27FC236}">
+                <a16:creationId xmlns:a16="http://schemas.microsoft.com/office/drawing/2014/main" id="{B44B7676-58B3-4B7D-955C-A3B7EAA0210C}"/>
+              </a:ext>
+            </a:extLst>
+          </p:cNvPr>
+          <p:cNvSpPr>
+            <a:spLocks noGrp="1"/>
+          </p:cNvSpPr>
+          <p:nvPr>
+            <p:ph type="pic" sz="quarter" idx="15"/>
+          </p:nvPr>
+        </p:nvSpPr>
+        <p:spPr/>
+      </p:sp>
+      <p:sp>
+        <p:nvSpPr>
+          <p:cNvPr id="9" name="Content Placeholder 8">
+            <a:extLst>
+              <a:ext uri="{FF2B5EF4-FFF2-40B4-BE49-F238E27FC236}">
+                <a16:creationId xmlns:a16="http://schemas.microsoft.com/office/drawing/2014/main" id="{3D8D62F3-F276-429A-8EF2-C484A461B3F8}"/>
+              </a:ext>
+            </a:extLst>
+          </p:cNvPr>
+          <p:cNvSpPr>
+            <a:spLocks noGrp="1"/>
+          </p:cNvSpPr>
+          <p:nvPr>
+            <p:ph sz="quarter" idx="13"/>
+          </p:nvPr>
+        </p:nvSpPr>
+        <p:spPr/>
+        <p:txBody>
+          <a:bodyPr/>
+          <a:lstStyle/>
+          <a:p>
+            <a:r>
+              <a:rPr lang="en-US" dirty="0"/>
+              <a:t>Merging: combining the changes in different refs</a:t>
+            </a:r>
+          </a:p>
+          <a:p>
+            <a:r>
+              <a:rPr lang="en-US" dirty="0"/>
+              <a:t>Merges can happen automatically, or they can conflict, and need to be resolved manually</a:t>
+            </a:r>
+          </a:p>
+        </p:txBody>
+      </p:sp>
+      <p:sp>
+        <p:nvSpPr>
+          <p:cNvPr id="5" name="Footer Placeholder 4">
+            <a:extLst>
+              <a:ext uri="{FF2B5EF4-FFF2-40B4-BE49-F238E27FC236}">
+                <a16:creationId xmlns:a16="http://schemas.microsoft.com/office/drawing/2014/main" id="{08A52053-BFA2-40EA-A15A-941969D6A0DB}"/>
+              </a:ext>
+            </a:extLst>
+          </p:cNvPr>
+          <p:cNvSpPr>
+            <a:spLocks noGrp="1"/>
+          </p:cNvSpPr>
+          <p:nvPr>
+            <p:ph type="ftr" sz="quarter" idx="16"/>
+          </p:nvPr>
+        </p:nvSpPr>
+        <p:spPr/>
+        <p:txBody>
+          <a:bodyPr/>
+          <a:lstStyle/>
+          <a:p>
+            <a:r>
+              <a:rPr lang="en-US"/>
+              <a:t>Silicon Labs Confidential</a:t>
+            </a:r>
+            <a:endParaRPr lang="en-US" dirty="0"/>
+          </a:p>
+        </p:txBody>
+      </p:sp>
+      <p:sp>
+        <p:nvSpPr>
+          <p:cNvPr id="6" name="Slide Number Placeholder 5">
+            <a:extLst>
+              <a:ext uri="{FF2B5EF4-FFF2-40B4-BE49-F238E27FC236}">
+                <a16:creationId xmlns:a16="http://schemas.microsoft.com/office/drawing/2014/main" id="{4E15F35C-662A-4705-BA49-677E80C88E6E}"/>
+              </a:ext>
+            </a:extLst>
+          </p:cNvPr>
+          <p:cNvSpPr>
+            <a:spLocks noGrp="1"/>
+          </p:cNvSpPr>
+          <p:nvPr>
+            <p:ph type="sldNum" sz="quarter" idx="17"/>
+          </p:nvPr>
+        </p:nvSpPr>
+        <p:spPr/>
+        <p:txBody>
+          <a:bodyPr/>
+          <a:lstStyle/>
+          <a:p>
+            <a:fld id="{29A7BD92-6AE5-CF43-B276-274952F2BFB4}" type="slidenum">
+              <a:rPr lang="en-US" smtClean="0"/>
+              <a:pPr/>
+              <a:t>20</a:t>
+            </a:fld>
+            <a:endParaRPr lang="en-US" dirty="0"/>
+          </a:p>
+        </p:txBody>
+      </p:sp>
+      <p:pic>
+        <p:nvPicPr>
+          <p:cNvPr id="21" name="Picture 20">
+            <a:extLst>
+              <a:ext uri="{FF2B5EF4-FFF2-40B4-BE49-F238E27FC236}">
+                <a16:creationId xmlns:a16="http://schemas.microsoft.com/office/drawing/2014/main" id="{58AD425F-05FD-428C-AB9A-A0D4C4FBB304}"/>
+              </a:ext>
+            </a:extLst>
+          </p:cNvPr>
+          <p:cNvPicPr>
+            <a:picLocks noChangeAspect="1"/>
+          </p:cNvPicPr>
+          <p:nvPr/>
+        </p:nvPicPr>
+        <p:blipFill>
+          <a:blip r:embed="rId2">
+            <a:extLst>
+              <a:ext uri="{28A0092B-C50C-407E-A947-70E740481C1C}">
+                <a14:useLocalDpi xmlns:a14="http://schemas.microsoft.com/office/drawing/2010/main" val="0"/>
+              </a:ext>
+            </a:extLst>
+          </a:blip>
+          <a:stretch>
+            <a:fillRect/>
+          </a:stretch>
+        </p:blipFill>
+        <p:spPr>
+          <a:xfrm>
+            <a:off x="458840" y="1781746"/>
+            <a:ext cx="6553201" cy="3751708"/>
+          </a:xfrm>
+          <a:prstGeom prst="rect">
+            <a:avLst/>
+          </a:prstGeom>
+        </p:spPr>
+      </p:pic>
+      <p:sp>
+        <p:nvSpPr>
+          <p:cNvPr id="22" name="Rectangle 21">
+            <a:extLst>
+              <a:ext uri="{FF2B5EF4-FFF2-40B4-BE49-F238E27FC236}">
+                <a16:creationId xmlns:a16="http://schemas.microsoft.com/office/drawing/2014/main" id="{BAA6F3A9-27C9-420C-B916-4E0776D6A5E3}"/>
+              </a:ext>
+            </a:extLst>
+          </p:cNvPr>
+          <p:cNvSpPr/>
+          <p:nvPr/>
+        </p:nvSpPr>
+        <p:spPr>
+          <a:xfrm>
+            <a:off x="1514475" y="5828627"/>
+            <a:ext cx="4295775" cy="276999"/>
+          </a:xfrm>
+          <a:prstGeom prst="rect">
+            <a:avLst/>
+          </a:prstGeom>
+        </p:spPr>
+        <p:txBody>
+          <a:bodyPr wrap="square">
+            <a:spAutoFit/>
+          </a:bodyPr>
+          <a:lstStyle/>
+          <a:p>
+            <a:r>
+              <a:rPr lang="en-US" sz="1200" dirty="0"/>
+              <a:t>https://www.atlassian.com/git/tutorials/using-branches/git-merge</a:t>
+            </a:r>
+          </a:p>
+        </p:txBody>
+      </p:sp>
+    </p:spTree>
+    <p:extLst>
+      <p:ext uri="{BB962C8B-B14F-4D97-AF65-F5344CB8AC3E}">
+        <p14:creationId xmlns:p14="http://schemas.microsoft.com/office/powerpoint/2010/main" val="2861772393"/>
+      </p:ext>
+    </p:extLst>
+  </p:cSld>
+  <p:clrMapOvr>
+    <a:masterClrMapping/>
+  </p:clrMapOvr>
+  <p:transition spd="med">
+    <p:wipe/>
+  </p:transition>
+</p:sld>
+</file>
+
+<file path=ppt/slides/slide21.xml><?xml version="1.0" encoding="utf-8"?>
+<p:sld xmlns:a="http://schemas.openxmlformats.org/drawingml/2006/main" xmlns:r="http://schemas.openxmlformats.org/officeDocument/2006/relationships" xmlns:p="http://schemas.openxmlformats.org/presentationml/2006/main">
+  <p:cSld>
+    <p:spTree>
+      <p:nvGrpSpPr>
+        <p:cNvPr id="1" name=""/>
+        <p:cNvGrpSpPr/>
+        <p:nvPr/>
+      </p:nvGrpSpPr>
+      <p:grpSpPr>
+        <a:xfrm>
+          <a:off x="0" y="0"/>
+          <a:ext cx="0" cy="0"/>
+          <a:chOff x="0" y="0"/>
+          <a:chExt cx="0" cy="0"/>
+        </a:xfrm>
+      </p:grpSpPr>
+      <p:sp>
+        <p:nvSpPr>
+          <p:cNvPr id="2" name="Title 1">
+            <a:extLst>
+              <a:ext uri="{FF2B5EF4-FFF2-40B4-BE49-F238E27FC236}">
+                <a16:creationId xmlns:a16="http://schemas.microsoft.com/office/drawing/2014/main" id="{501DDC29-3622-440F-B370-69A0E6CC335F}"/>
+              </a:ext>
+            </a:extLst>
+          </p:cNvPr>
+          <p:cNvSpPr>
+            <a:spLocks noGrp="1"/>
+          </p:cNvSpPr>
+          <p:nvPr>
+            <p:ph type="title"/>
+          </p:nvPr>
+        </p:nvSpPr>
+        <p:spPr/>
+        <p:txBody>
+          <a:bodyPr/>
+          <a:lstStyle/>
+          <a:p>
+            <a:r>
+              <a:rPr lang="en-US" dirty="0"/>
+              <a:t>An Easy Merge</a:t>
+            </a:r>
+          </a:p>
+        </p:txBody>
+      </p:sp>
+      <p:sp>
+        <p:nvSpPr>
+          <p:cNvPr id="8" name="Picture Placeholder 7">
+            <a:extLst>
+              <a:ext uri="{FF2B5EF4-FFF2-40B4-BE49-F238E27FC236}">
+                <a16:creationId xmlns:a16="http://schemas.microsoft.com/office/drawing/2014/main" id="{0DEA699E-F73F-4BEB-AABB-E9EFB4BF8F23}"/>
+              </a:ext>
+            </a:extLst>
+          </p:cNvPr>
+          <p:cNvSpPr>
+            <a:spLocks noGrp="1"/>
+          </p:cNvSpPr>
+          <p:nvPr>
+            <p:ph type="pic" sz="quarter" idx="15"/>
+          </p:nvPr>
+        </p:nvSpPr>
+        <p:spPr/>
+      </p:sp>
+      <p:sp>
+        <p:nvSpPr>
+          <p:cNvPr id="7" name="Content Placeholder 6">
+            <a:extLst>
+              <a:ext uri="{FF2B5EF4-FFF2-40B4-BE49-F238E27FC236}">
+                <a16:creationId xmlns:a16="http://schemas.microsoft.com/office/drawing/2014/main" id="{EFCB4816-AD6C-4DBD-8991-2149A4E34601}"/>
+              </a:ext>
+            </a:extLst>
+          </p:cNvPr>
+          <p:cNvSpPr>
+            <a:spLocks noGrp="1"/>
+          </p:cNvSpPr>
+          <p:nvPr>
+            <p:ph sz="quarter" idx="13"/>
+          </p:nvPr>
+        </p:nvSpPr>
+        <p:spPr/>
+        <p:txBody>
+          <a:bodyPr>
+            <a:normAutofit/>
+          </a:bodyPr>
+          <a:lstStyle/>
+          <a:p>
+            <a:r>
+              <a:rPr lang="en-US" sz="2400" dirty="0">
+                <a:solidFill>
+                  <a:schemeClr val="tx2"/>
+                </a:solidFill>
+                <a:latin typeface="Anonymous Pro" panose="02060609030202000504" pitchFamily="49" charset="0"/>
+                <a:ea typeface="Anonymous Pro" panose="02060609030202000504" pitchFamily="49" charset="0"/>
+              </a:rPr>
+              <a:t>git merge</a:t>
+            </a:r>
+          </a:p>
+        </p:txBody>
+      </p:sp>
+      <p:sp>
+        <p:nvSpPr>
+          <p:cNvPr id="5" name="Footer Placeholder 4">
+            <a:extLst>
+              <a:ext uri="{FF2B5EF4-FFF2-40B4-BE49-F238E27FC236}">
+                <a16:creationId xmlns:a16="http://schemas.microsoft.com/office/drawing/2014/main" id="{ECD6453A-C832-4739-8A63-9D06BE693ABF}"/>
+              </a:ext>
+            </a:extLst>
+          </p:cNvPr>
+          <p:cNvSpPr>
+            <a:spLocks noGrp="1"/>
+          </p:cNvSpPr>
+          <p:nvPr>
+            <p:ph type="ftr" sz="quarter" idx="16"/>
+          </p:nvPr>
+        </p:nvSpPr>
+        <p:spPr/>
+        <p:txBody>
+          <a:bodyPr/>
+          <a:lstStyle/>
+          <a:p>
+            <a:r>
+              <a:rPr lang="en-US"/>
+              <a:t>Silicon Labs Confidential</a:t>
+            </a:r>
+            <a:endParaRPr lang="en-US" dirty="0"/>
+          </a:p>
+        </p:txBody>
+      </p:sp>
+      <p:sp>
+        <p:nvSpPr>
+          <p:cNvPr id="6" name="Slide Number Placeholder 5">
+            <a:extLst>
+              <a:ext uri="{FF2B5EF4-FFF2-40B4-BE49-F238E27FC236}">
+                <a16:creationId xmlns:a16="http://schemas.microsoft.com/office/drawing/2014/main" id="{02B2084C-5C33-4217-AC90-457B76C7BAA1}"/>
+              </a:ext>
+            </a:extLst>
+          </p:cNvPr>
+          <p:cNvSpPr>
+            <a:spLocks noGrp="1"/>
+          </p:cNvSpPr>
+          <p:nvPr>
+            <p:ph type="sldNum" sz="quarter" idx="17"/>
+          </p:nvPr>
+        </p:nvSpPr>
+        <p:spPr/>
+        <p:txBody>
+          <a:bodyPr/>
+          <a:lstStyle/>
+          <a:p>
+            <a:fld id="{29A7BD92-6AE5-CF43-B276-274952F2BFB4}" type="slidenum">
+              <a:rPr lang="en-US" smtClean="0"/>
+              <a:pPr/>
+              <a:t>21</a:t>
+            </a:fld>
+            <a:endParaRPr lang="en-US" dirty="0"/>
+          </a:p>
+        </p:txBody>
+      </p:sp>
+    </p:spTree>
+    <p:extLst>
+      <p:ext uri="{BB962C8B-B14F-4D97-AF65-F5344CB8AC3E}">
+        <p14:creationId xmlns:p14="http://schemas.microsoft.com/office/powerpoint/2010/main" val="2433078358"/>
+      </p:ext>
+    </p:extLst>
+  </p:cSld>
+  <p:clrMapOvr>
+    <a:masterClrMapping/>
+  </p:clrMapOvr>
+  <p:transition spd="med">
+    <p:wipe/>
+  </p:transition>
+</p:sld>
+</file>
+
+<file path=ppt/slides/slide22.xml><?xml version="1.0" encoding="utf-8"?>
+<p:sld xmlns:a="http://schemas.openxmlformats.org/drawingml/2006/main" xmlns:r="http://schemas.openxmlformats.org/officeDocument/2006/relationships" xmlns:p="http://schemas.openxmlformats.org/presentationml/2006/main">
+  <p:cSld>
+    <p:spTree>
+      <p:nvGrpSpPr>
+        <p:cNvPr id="1" name=""/>
+        <p:cNvGrpSpPr/>
+        <p:nvPr/>
+      </p:nvGrpSpPr>
+      <p:grpSpPr>
+        <a:xfrm>
+          <a:off x="0" y="0"/>
+          <a:ext cx="0" cy="0"/>
+          <a:chOff x="0" y="0"/>
+          <a:chExt cx="0" cy="0"/>
+        </a:xfrm>
+      </p:grpSpPr>
+      <p:sp>
+        <p:nvSpPr>
+          <p:cNvPr id="2" name="Title 1">
+            <a:extLst>
+              <a:ext uri="{FF2B5EF4-FFF2-40B4-BE49-F238E27FC236}">
+                <a16:creationId xmlns:a16="http://schemas.microsoft.com/office/drawing/2014/main" id="{B4CA7F5A-B990-4F87-949E-107E5D86AB74}"/>
+              </a:ext>
+            </a:extLst>
+          </p:cNvPr>
+          <p:cNvSpPr>
+            <a:spLocks noGrp="1"/>
+          </p:cNvSpPr>
+          <p:nvPr>
+            <p:ph type="title"/>
+          </p:nvPr>
+        </p:nvSpPr>
+        <p:spPr/>
+        <p:txBody>
+          <a:bodyPr/>
+          <a:lstStyle/>
+          <a:p>
+            <a:r>
+              <a:rPr lang="en-US" dirty="0"/>
+              <a:t>Setting up a Harder Merge</a:t>
+            </a:r>
+          </a:p>
+        </p:txBody>
+      </p:sp>
+      <p:sp>
+        <p:nvSpPr>
+          <p:cNvPr id="3" name="Picture Placeholder 2">
+            <a:extLst>
+              <a:ext uri="{FF2B5EF4-FFF2-40B4-BE49-F238E27FC236}">
+                <a16:creationId xmlns:a16="http://schemas.microsoft.com/office/drawing/2014/main" id="{39EE8739-EB8B-4976-860F-B9F3DCF7FA68}"/>
+              </a:ext>
+            </a:extLst>
+          </p:cNvPr>
+          <p:cNvSpPr>
+            <a:spLocks noGrp="1"/>
+          </p:cNvSpPr>
+          <p:nvPr>
+            <p:ph type="pic" sz="quarter" idx="15"/>
+          </p:nvPr>
+        </p:nvSpPr>
+        <p:spPr/>
+      </p:sp>
+      <p:sp>
+        <p:nvSpPr>
+          <p:cNvPr id="4" name="Content Placeholder 3">
+            <a:extLst>
+              <a:ext uri="{FF2B5EF4-FFF2-40B4-BE49-F238E27FC236}">
+                <a16:creationId xmlns:a16="http://schemas.microsoft.com/office/drawing/2014/main" id="{66029AA0-DC50-4885-9F84-2C03F253C1D2}"/>
+              </a:ext>
+            </a:extLst>
+          </p:cNvPr>
+          <p:cNvSpPr>
+            <a:spLocks noGrp="1"/>
+          </p:cNvSpPr>
+          <p:nvPr>
+            <p:ph sz="quarter" idx="13"/>
+          </p:nvPr>
+        </p:nvSpPr>
+        <p:spPr/>
+        <p:txBody>
+          <a:bodyPr>
+            <a:normAutofit/>
+          </a:bodyPr>
+          <a:lstStyle/>
+          <a:p>
+            <a:r>
+              <a:rPr lang="en-US" sz="2400" dirty="0">
+                <a:solidFill>
+                  <a:schemeClr val="tx2"/>
+                </a:solidFill>
+                <a:latin typeface="Anonymous Pro" panose="02060609030202000504" pitchFamily="49" charset="0"/>
+                <a:ea typeface="Anonymous Pro" panose="02060609030202000504" pitchFamily="49" charset="0"/>
+              </a:rPr>
+              <a:t>git add –A</a:t>
+            </a:r>
+          </a:p>
+          <a:p>
+            <a:r>
+              <a:rPr lang="en-US" sz="2400" dirty="0">
+                <a:solidFill>
+                  <a:schemeClr val="tx2"/>
+                </a:solidFill>
+                <a:latin typeface="Anonymous Pro" panose="02060609030202000504" pitchFamily="49" charset="0"/>
+                <a:ea typeface="Anonymous Pro" panose="02060609030202000504" pitchFamily="49" charset="0"/>
+              </a:rPr>
+              <a:t>git status</a:t>
+            </a:r>
+          </a:p>
+          <a:p>
+            <a:r>
+              <a:rPr lang="en-US" sz="2400" dirty="0">
+                <a:solidFill>
+                  <a:schemeClr val="tx2"/>
+                </a:solidFill>
+                <a:latin typeface="Anonymous Pro" panose="02060609030202000504" pitchFamily="49" charset="0"/>
+                <a:ea typeface="Anonymous Pro" panose="02060609030202000504" pitchFamily="49" charset="0"/>
+              </a:rPr>
+              <a:t>git commit –m</a:t>
+            </a:r>
+          </a:p>
+          <a:p>
+            <a:r>
+              <a:rPr lang="en-US" sz="2400" dirty="0">
+                <a:solidFill>
+                  <a:schemeClr val="tx2"/>
+                </a:solidFill>
+                <a:latin typeface="Anonymous Pro" panose="02060609030202000504" pitchFamily="49" charset="0"/>
+                <a:ea typeface="Anonymous Pro" panose="02060609030202000504" pitchFamily="49" charset="0"/>
+              </a:rPr>
+              <a:t>git checkout</a:t>
+            </a:r>
+          </a:p>
+          <a:p>
+            <a:r>
+              <a:rPr lang="en-US" sz="2400" dirty="0">
+                <a:solidFill>
+                  <a:schemeClr val="tx2"/>
+                </a:solidFill>
+                <a:latin typeface="Anonymous Pro" panose="02060609030202000504" pitchFamily="49" charset="0"/>
+                <a:ea typeface="Anonymous Pro" panose="02060609030202000504" pitchFamily="49" charset="0"/>
+              </a:rPr>
+              <a:t>git commit –a –m</a:t>
+            </a:r>
+          </a:p>
+          <a:p>
+            <a:r>
+              <a:rPr lang="en-US" sz="2400" dirty="0">
+                <a:solidFill>
+                  <a:schemeClr val="tx2"/>
+                </a:solidFill>
+                <a:latin typeface="Anonymous Pro" panose="02060609030202000504" pitchFamily="49" charset="0"/>
+                <a:ea typeface="Anonymous Pro" panose="02060609030202000504" pitchFamily="49" charset="0"/>
+              </a:rPr>
+              <a:t>git checkout</a:t>
+            </a:r>
+          </a:p>
+          <a:p>
+            <a:r>
+              <a:rPr lang="en-US" sz="2400" dirty="0">
+                <a:solidFill>
+                  <a:schemeClr val="tx2"/>
+                </a:solidFill>
+                <a:latin typeface="Anonymous Pro" panose="02060609030202000504" pitchFamily="49" charset="0"/>
+                <a:ea typeface="Anonymous Pro" panose="02060609030202000504" pitchFamily="49" charset="0"/>
+              </a:rPr>
+              <a:t>git merge</a:t>
+            </a:r>
+          </a:p>
+        </p:txBody>
+      </p:sp>
+      <p:sp>
+        <p:nvSpPr>
+          <p:cNvPr id="5" name="Footer Placeholder 4">
+            <a:extLst>
+              <a:ext uri="{FF2B5EF4-FFF2-40B4-BE49-F238E27FC236}">
+                <a16:creationId xmlns:a16="http://schemas.microsoft.com/office/drawing/2014/main" id="{51E0C95C-0EEA-456C-AEAC-8AB0AB08F19B}"/>
+              </a:ext>
+            </a:extLst>
+          </p:cNvPr>
+          <p:cNvSpPr>
+            <a:spLocks noGrp="1"/>
+          </p:cNvSpPr>
+          <p:nvPr>
+            <p:ph type="ftr" sz="quarter" idx="16"/>
+          </p:nvPr>
+        </p:nvSpPr>
+        <p:spPr/>
+        <p:txBody>
+          <a:bodyPr/>
+          <a:lstStyle/>
+          <a:p>
+            <a:r>
+              <a:rPr lang="en-US"/>
+              <a:t>Silicon Labs Confidential</a:t>
+            </a:r>
+            <a:endParaRPr lang="en-US" dirty="0"/>
+          </a:p>
+        </p:txBody>
+      </p:sp>
+      <p:sp>
+        <p:nvSpPr>
+          <p:cNvPr id="6" name="Slide Number Placeholder 5">
+            <a:extLst>
+              <a:ext uri="{FF2B5EF4-FFF2-40B4-BE49-F238E27FC236}">
+                <a16:creationId xmlns:a16="http://schemas.microsoft.com/office/drawing/2014/main" id="{DDD528DC-DFB5-4249-84BF-3BBC651B421E}"/>
+              </a:ext>
+            </a:extLst>
+          </p:cNvPr>
+          <p:cNvSpPr>
+            <a:spLocks noGrp="1"/>
+          </p:cNvSpPr>
+          <p:nvPr>
+            <p:ph type="sldNum" sz="quarter" idx="17"/>
+          </p:nvPr>
+        </p:nvSpPr>
+        <p:spPr/>
+        <p:txBody>
+          <a:bodyPr/>
+          <a:lstStyle/>
+          <a:p>
+            <a:fld id="{29A7BD92-6AE5-CF43-B276-274952F2BFB4}" type="slidenum">
+              <a:rPr lang="en-US" smtClean="0"/>
+              <a:pPr/>
+              <a:t>22</a:t>
+            </a:fld>
+            <a:endParaRPr lang="en-US" dirty="0"/>
+          </a:p>
+        </p:txBody>
+      </p:sp>
+    </p:spTree>
+    <p:extLst>
+      <p:ext uri="{BB962C8B-B14F-4D97-AF65-F5344CB8AC3E}">
+        <p14:creationId xmlns:p14="http://schemas.microsoft.com/office/powerpoint/2010/main" val="3509327201"/>
+      </p:ext>
+    </p:extLst>
+  </p:cSld>
+  <p:clrMapOvr>
+    <a:masterClrMapping/>
+  </p:clrMapOvr>
+  <p:transition spd="med">
+    <p:wipe/>
+  </p:transition>
+</p:sld>
+</file>
+
+<file path=ppt/slides/slide23.xml><?xml version="1.0" encoding="utf-8"?>
+<p:sld xmlns:a="http://schemas.openxmlformats.org/drawingml/2006/main" xmlns:r="http://schemas.openxmlformats.org/officeDocument/2006/relationships" xmlns:p="http://schemas.openxmlformats.org/presentationml/2006/main">
+  <p:cSld>
+    <p:spTree>
+      <p:nvGrpSpPr>
+        <p:cNvPr id="1" name=""/>
+        <p:cNvGrpSpPr/>
+        <p:nvPr/>
+      </p:nvGrpSpPr>
+      <p:grpSpPr>
+        <a:xfrm>
+          <a:off x="0" y="0"/>
+          <a:ext cx="0" cy="0"/>
+          <a:chOff x="0" y="0"/>
+          <a:chExt cx="0" cy="0"/>
+        </a:xfrm>
+      </p:grpSpPr>
+      <p:sp>
+        <p:nvSpPr>
+          <p:cNvPr id="2" name="Title 1">
+            <a:extLst>
+              <a:ext uri="{FF2B5EF4-FFF2-40B4-BE49-F238E27FC236}">
+                <a16:creationId xmlns:a16="http://schemas.microsoft.com/office/drawing/2014/main" id="{8BF1E440-2056-4DC5-8CE9-537D1A8066D9}"/>
+              </a:ext>
+            </a:extLst>
+          </p:cNvPr>
+          <p:cNvSpPr>
+            <a:spLocks noGrp="1"/>
+          </p:cNvSpPr>
+          <p:nvPr>
+            <p:ph type="title"/>
+          </p:nvPr>
+        </p:nvSpPr>
+        <p:spPr/>
+        <p:txBody>
+          <a:bodyPr/>
+          <a:lstStyle/>
+          <a:p>
+            <a:r>
+              <a:rPr lang="en-US" dirty="0"/>
+              <a:t>When Stuff Goes Wrong</a:t>
+            </a:r>
+          </a:p>
+        </p:txBody>
+      </p:sp>
+      <p:sp>
+        <p:nvSpPr>
+          <p:cNvPr id="8" name="Picture Placeholder 7">
+            <a:extLst>
+              <a:ext uri="{FF2B5EF4-FFF2-40B4-BE49-F238E27FC236}">
+                <a16:creationId xmlns:a16="http://schemas.microsoft.com/office/drawing/2014/main" id="{3BE53874-D992-4ADC-A8A4-22A115E68A81}"/>
+              </a:ext>
+            </a:extLst>
+          </p:cNvPr>
+          <p:cNvSpPr>
+            <a:spLocks noGrp="1"/>
+          </p:cNvSpPr>
+          <p:nvPr>
+            <p:ph type="pic" sz="quarter" idx="15"/>
+          </p:nvPr>
+        </p:nvSpPr>
+        <p:spPr/>
+      </p:sp>
+      <p:sp>
+        <p:nvSpPr>
+          <p:cNvPr id="7" name="Content Placeholder 6">
+            <a:extLst>
+              <a:ext uri="{FF2B5EF4-FFF2-40B4-BE49-F238E27FC236}">
+                <a16:creationId xmlns:a16="http://schemas.microsoft.com/office/drawing/2014/main" id="{FB231EE3-C6E3-4AAB-8FE3-1737F30E91D2}"/>
+              </a:ext>
+            </a:extLst>
+          </p:cNvPr>
+          <p:cNvSpPr>
+            <a:spLocks noGrp="1"/>
+          </p:cNvSpPr>
+          <p:nvPr>
+            <p:ph sz="quarter" idx="13"/>
+          </p:nvPr>
+        </p:nvSpPr>
+        <p:spPr/>
+        <p:txBody>
+          <a:bodyPr>
+            <a:normAutofit/>
+          </a:bodyPr>
+          <a:lstStyle/>
+          <a:p>
+            <a:r>
+              <a:rPr lang="en-US" sz="2400" dirty="0"/>
+              <a:t>Git doesn’t know how to automatically resolve the differences</a:t>
+            </a:r>
+          </a:p>
+          <a:p>
+            <a:r>
+              <a:rPr lang="en-US" sz="2400" dirty="0"/>
+              <a:t>Usually, the same parts of the same file has been modified</a:t>
+            </a:r>
+          </a:p>
+        </p:txBody>
+      </p:sp>
+      <p:sp>
+        <p:nvSpPr>
+          <p:cNvPr id="5" name="Footer Placeholder 4">
+            <a:extLst>
+              <a:ext uri="{FF2B5EF4-FFF2-40B4-BE49-F238E27FC236}">
+                <a16:creationId xmlns:a16="http://schemas.microsoft.com/office/drawing/2014/main" id="{F1A1F689-4F68-415F-AC44-5FDBD36588C9}"/>
+              </a:ext>
+            </a:extLst>
+          </p:cNvPr>
+          <p:cNvSpPr>
+            <a:spLocks noGrp="1"/>
+          </p:cNvSpPr>
+          <p:nvPr>
+            <p:ph type="ftr" sz="quarter" idx="16"/>
+          </p:nvPr>
+        </p:nvSpPr>
+        <p:spPr/>
+        <p:txBody>
+          <a:bodyPr/>
+          <a:lstStyle/>
+          <a:p>
+            <a:r>
+              <a:rPr lang="en-US"/>
+              <a:t>Silicon Labs Confidential</a:t>
+            </a:r>
+            <a:endParaRPr lang="en-US" dirty="0"/>
+          </a:p>
+        </p:txBody>
+      </p:sp>
+      <p:sp>
+        <p:nvSpPr>
+          <p:cNvPr id="6" name="Slide Number Placeholder 5">
+            <a:extLst>
+              <a:ext uri="{FF2B5EF4-FFF2-40B4-BE49-F238E27FC236}">
+                <a16:creationId xmlns:a16="http://schemas.microsoft.com/office/drawing/2014/main" id="{A5E205B1-242F-4F09-8C7E-3B56C4A12A0A}"/>
+              </a:ext>
+            </a:extLst>
+          </p:cNvPr>
+          <p:cNvSpPr>
+            <a:spLocks noGrp="1"/>
+          </p:cNvSpPr>
+          <p:nvPr>
+            <p:ph type="sldNum" sz="quarter" idx="17"/>
+          </p:nvPr>
+        </p:nvSpPr>
+        <p:spPr/>
+        <p:txBody>
+          <a:bodyPr/>
+          <a:lstStyle/>
+          <a:p>
+            <a:fld id="{29A7BD92-6AE5-CF43-B276-274952F2BFB4}" type="slidenum">
+              <a:rPr lang="en-US" smtClean="0"/>
+              <a:pPr/>
+              <a:t>23</a:t>
+            </a:fld>
+            <a:endParaRPr lang="en-US" dirty="0"/>
+          </a:p>
+        </p:txBody>
+      </p:sp>
+      <p:pic>
+        <p:nvPicPr>
+          <p:cNvPr id="15" name="Picture 14">
+            <a:extLst>
+              <a:ext uri="{FF2B5EF4-FFF2-40B4-BE49-F238E27FC236}">
+                <a16:creationId xmlns:a16="http://schemas.microsoft.com/office/drawing/2014/main" id="{9430F5A5-583A-4881-A4E6-A49323010253}"/>
+              </a:ext>
+            </a:extLst>
+          </p:cNvPr>
+          <p:cNvPicPr>
+            <a:picLocks noChangeAspect="1"/>
+          </p:cNvPicPr>
+          <p:nvPr/>
+        </p:nvPicPr>
+        <p:blipFill>
+          <a:blip r:embed="rId2">
+            <a:extLst>
+              <a:ext uri="{28A0092B-C50C-407E-A947-70E740481C1C}">
+                <a14:useLocalDpi xmlns:a14="http://schemas.microsoft.com/office/drawing/2010/main" val="0"/>
+              </a:ext>
+            </a:extLst>
+          </a:blip>
+          <a:stretch>
+            <a:fillRect/>
+          </a:stretch>
+        </p:blipFill>
+        <p:spPr>
+          <a:xfrm>
+            <a:off x="457199" y="2426184"/>
+            <a:ext cx="6553201" cy="2462832"/>
+          </a:xfrm>
+          <a:prstGeom prst="rect">
+            <a:avLst/>
+          </a:prstGeom>
+        </p:spPr>
+      </p:pic>
+      <p:sp>
+        <p:nvSpPr>
+          <p:cNvPr id="16" name="Rectangle 15">
+            <a:extLst>
+              <a:ext uri="{FF2B5EF4-FFF2-40B4-BE49-F238E27FC236}">
+                <a16:creationId xmlns:a16="http://schemas.microsoft.com/office/drawing/2014/main" id="{E237D961-A1B9-4F04-A749-45936ACB5B37}"/>
+              </a:ext>
+            </a:extLst>
+          </p:cNvPr>
+          <p:cNvSpPr/>
+          <p:nvPr/>
+        </p:nvSpPr>
+        <p:spPr>
+          <a:xfrm>
+            <a:off x="1825007" y="5803416"/>
+            <a:ext cx="3817584" cy="276999"/>
+          </a:xfrm>
+          <a:prstGeom prst="rect">
+            <a:avLst/>
+          </a:prstGeom>
+        </p:spPr>
+        <p:txBody>
+          <a:bodyPr wrap="none">
+            <a:spAutoFit/>
+          </a:bodyPr>
+          <a:lstStyle/>
+          <a:p>
+            <a:r>
+              <a:rPr lang="en-US" sz="1200" dirty="0"/>
+              <a:t>http://www.cs.utsa.edu/~cs3443/git/merge-conflicts.html</a:t>
+            </a:r>
+          </a:p>
+        </p:txBody>
+      </p:sp>
+    </p:spTree>
+    <p:extLst>
+      <p:ext uri="{BB962C8B-B14F-4D97-AF65-F5344CB8AC3E}">
+        <p14:creationId xmlns:p14="http://schemas.microsoft.com/office/powerpoint/2010/main" val="313926189"/>
+      </p:ext>
+    </p:extLst>
+  </p:cSld>
+  <p:clrMapOvr>
+    <a:masterClrMapping/>
+  </p:clrMapOvr>
+  <p:transition spd="med">
+    <p:wipe/>
+  </p:transition>
+</p:sld>
+</file>
+
+<file path=ppt/slides/slide24.xml><?xml version="1.0" encoding="utf-8"?>
+<p:sld xmlns:a="http://schemas.openxmlformats.org/drawingml/2006/main" xmlns:r="http://schemas.openxmlformats.org/officeDocument/2006/relationships" xmlns:p="http://schemas.openxmlformats.org/presentationml/2006/main">
+  <p:cSld>
+    <p:spTree>
+      <p:nvGrpSpPr>
+        <p:cNvPr id="1" name=""/>
+        <p:cNvGrpSpPr/>
+        <p:nvPr/>
+      </p:nvGrpSpPr>
+      <p:grpSpPr>
+        <a:xfrm>
+          <a:off x="0" y="0"/>
+          <a:ext cx="0" cy="0"/>
+          <a:chOff x="0" y="0"/>
+          <a:chExt cx="0" cy="0"/>
+        </a:xfrm>
+      </p:grpSpPr>
+      <p:sp>
+        <p:nvSpPr>
+          <p:cNvPr id="2" name="Title 1">
+            <a:extLst>
+              <a:ext uri="{FF2B5EF4-FFF2-40B4-BE49-F238E27FC236}">
+                <a16:creationId xmlns:a16="http://schemas.microsoft.com/office/drawing/2014/main" id="{C9D13186-F09A-4340-B374-DE5962B3908F}"/>
+              </a:ext>
+            </a:extLst>
+          </p:cNvPr>
+          <p:cNvSpPr>
+            <a:spLocks noGrp="1"/>
+          </p:cNvSpPr>
+          <p:nvPr>
+            <p:ph type="title"/>
+          </p:nvPr>
+        </p:nvSpPr>
+        <p:spPr/>
+        <p:txBody>
+          <a:bodyPr/>
+          <a:lstStyle/>
+          <a:p>
+            <a:r>
+              <a:rPr lang="en-US" dirty="0"/>
+              <a:t>What’s Theirs Is Ours and What’s Ours Is Theirs</a:t>
+            </a:r>
+          </a:p>
+        </p:txBody>
+      </p:sp>
+      <p:sp>
+        <p:nvSpPr>
+          <p:cNvPr id="8" name="Picture Placeholder 7">
+            <a:extLst>
+              <a:ext uri="{FF2B5EF4-FFF2-40B4-BE49-F238E27FC236}">
+                <a16:creationId xmlns:a16="http://schemas.microsoft.com/office/drawing/2014/main" id="{DDE4E442-1C15-4FE4-B69F-0AA11D54965C}"/>
+              </a:ext>
+            </a:extLst>
+          </p:cNvPr>
+          <p:cNvSpPr>
+            <a:spLocks noGrp="1"/>
+          </p:cNvSpPr>
+          <p:nvPr>
+            <p:ph type="pic" sz="quarter" idx="15"/>
+          </p:nvPr>
+        </p:nvSpPr>
+        <p:spPr/>
+      </p:sp>
+      <p:sp>
+        <p:nvSpPr>
+          <p:cNvPr id="7" name="Content Placeholder 6">
+            <a:extLst>
+              <a:ext uri="{FF2B5EF4-FFF2-40B4-BE49-F238E27FC236}">
+                <a16:creationId xmlns:a16="http://schemas.microsoft.com/office/drawing/2014/main" id="{6AE722DF-8725-4218-8918-22961C4F6A6E}"/>
+              </a:ext>
+            </a:extLst>
+          </p:cNvPr>
+          <p:cNvSpPr>
+            <a:spLocks noGrp="1"/>
+          </p:cNvSpPr>
+          <p:nvPr>
+            <p:ph sz="quarter" idx="13"/>
+          </p:nvPr>
+        </p:nvSpPr>
+        <p:spPr/>
+        <p:txBody>
+          <a:bodyPr>
+            <a:normAutofit/>
+          </a:bodyPr>
+          <a:lstStyle/>
+          <a:p>
+            <a:r>
+              <a:rPr lang="en-US" sz="2400" dirty="0">
+                <a:solidFill>
+                  <a:schemeClr val="tx2"/>
+                </a:solidFill>
+                <a:latin typeface="Anonymous Pro" panose="02060609030202000504" pitchFamily="49" charset="0"/>
+                <a:ea typeface="Anonymous Pro" panose="02060609030202000504" pitchFamily="49" charset="0"/>
+              </a:rPr>
+              <a:t>git checkout --theirs</a:t>
+            </a:r>
+          </a:p>
+          <a:p>
+            <a:r>
+              <a:rPr lang="en-US" sz="2400" dirty="0">
+                <a:solidFill>
+                  <a:schemeClr val="tx2"/>
+                </a:solidFill>
+                <a:latin typeface="Anonymous Pro" panose="02060609030202000504" pitchFamily="49" charset="0"/>
+                <a:ea typeface="Anonymous Pro" panose="02060609030202000504" pitchFamily="49" charset="0"/>
+              </a:rPr>
+              <a:t>git checkout –-ours</a:t>
+            </a:r>
+          </a:p>
+          <a:p>
+            <a:r>
+              <a:rPr lang="en-US" sz="2400" dirty="0">
+                <a:solidFill>
+                  <a:schemeClr val="tx2"/>
+                </a:solidFill>
+                <a:latin typeface="Anonymous Pro" panose="02060609030202000504" pitchFamily="49" charset="0"/>
+                <a:ea typeface="Anonymous Pro" panose="02060609030202000504" pitchFamily="49" charset="0"/>
+              </a:rPr>
+              <a:t>git </a:t>
+            </a:r>
+            <a:r>
+              <a:rPr lang="en-US" sz="2400" dirty="0" err="1">
+                <a:solidFill>
+                  <a:schemeClr val="tx2"/>
+                </a:solidFill>
+                <a:latin typeface="Anonymous Pro" panose="02060609030202000504" pitchFamily="49" charset="0"/>
+                <a:ea typeface="Anonymous Pro" panose="02060609030202000504" pitchFamily="49" charset="0"/>
+              </a:rPr>
+              <a:t>mergetool</a:t>
+            </a:r>
+            <a:endParaRPr lang="en-US" sz="2400" dirty="0">
+              <a:solidFill>
+                <a:schemeClr val="tx2"/>
+              </a:solidFill>
+              <a:latin typeface="Anonymous Pro" panose="02060609030202000504" pitchFamily="49" charset="0"/>
+              <a:ea typeface="Anonymous Pro" panose="02060609030202000504" pitchFamily="49" charset="0"/>
+            </a:endParaRPr>
+          </a:p>
+        </p:txBody>
+      </p:sp>
+      <p:sp>
+        <p:nvSpPr>
+          <p:cNvPr id="5" name="Footer Placeholder 4">
+            <a:extLst>
+              <a:ext uri="{FF2B5EF4-FFF2-40B4-BE49-F238E27FC236}">
+                <a16:creationId xmlns:a16="http://schemas.microsoft.com/office/drawing/2014/main" id="{04AB356B-99CA-4B66-B7E0-C1AC7D47E899}"/>
+              </a:ext>
+            </a:extLst>
+          </p:cNvPr>
+          <p:cNvSpPr>
+            <a:spLocks noGrp="1"/>
+          </p:cNvSpPr>
+          <p:nvPr>
+            <p:ph type="ftr" sz="quarter" idx="16"/>
+          </p:nvPr>
+        </p:nvSpPr>
+        <p:spPr/>
+        <p:txBody>
+          <a:bodyPr/>
+          <a:lstStyle/>
+          <a:p>
+            <a:r>
+              <a:rPr lang="en-US"/>
+              <a:t>Silicon Labs Confidential</a:t>
+            </a:r>
+            <a:endParaRPr lang="en-US" dirty="0"/>
+          </a:p>
+        </p:txBody>
+      </p:sp>
+      <p:sp>
+        <p:nvSpPr>
+          <p:cNvPr id="6" name="Slide Number Placeholder 5">
+            <a:extLst>
+              <a:ext uri="{FF2B5EF4-FFF2-40B4-BE49-F238E27FC236}">
+                <a16:creationId xmlns:a16="http://schemas.microsoft.com/office/drawing/2014/main" id="{86DC7F98-7DF2-403D-A8A2-CA0D70097344}"/>
+              </a:ext>
+            </a:extLst>
+          </p:cNvPr>
+          <p:cNvSpPr>
+            <a:spLocks noGrp="1"/>
+          </p:cNvSpPr>
+          <p:nvPr>
+            <p:ph type="sldNum" sz="quarter" idx="17"/>
+          </p:nvPr>
+        </p:nvSpPr>
+        <p:spPr/>
+        <p:txBody>
+          <a:bodyPr/>
+          <a:lstStyle/>
+          <a:p>
+            <a:fld id="{29A7BD92-6AE5-CF43-B276-274952F2BFB4}" type="slidenum">
+              <a:rPr lang="en-US" smtClean="0"/>
+              <a:pPr/>
+              <a:t>24</a:t>
+            </a:fld>
+            <a:endParaRPr lang="en-US" dirty="0"/>
+          </a:p>
+        </p:txBody>
+      </p:sp>
+    </p:spTree>
+    <p:extLst>
+      <p:ext uri="{BB962C8B-B14F-4D97-AF65-F5344CB8AC3E}">
+        <p14:creationId xmlns:p14="http://schemas.microsoft.com/office/powerpoint/2010/main" val="2105208860"/>
+      </p:ext>
+    </p:extLst>
+  </p:cSld>
+  <p:clrMapOvr>
+    <a:masterClrMapping/>
+  </p:clrMapOvr>
+  <p:transition spd="med">
+    <p:wipe/>
+  </p:transition>
+</p:sld>
+</file>
+
+<file path=ppt/slides/slide25.xml><?xml version="1.0" encoding="utf-8"?>
+<p:sld xmlns:a="http://schemas.openxmlformats.org/drawingml/2006/main" xmlns:r="http://schemas.openxmlformats.org/officeDocument/2006/relationships" xmlns:p="http://schemas.openxmlformats.org/presentationml/2006/main">
+  <p:cSld>
+    <p:spTree>
+      <p:nvGrpSpPr>
+        <p:cNvPr id="1" name=""/>
+        <p:cNvGrpSpPr/>
+        <p:nvPr/>
+      </p:nvGrpSpPr>
+      <p:grpSpPr>
+        <a:xfrm>
+          <a:off x="0" y="0"/>
+          <a:ext cx="0" cy="0"/>
+          <a:chOff x="0" y="0"/>
+          <a:chExt cx="0" cy="0"/>
+        </a:xfrm>
+      </p:grpSpPr>
+      <p:sp>
+        <p:nvSpPr>
+          <p:cNvPr id="2" name="Title 1">
+            <a:extLst>
+              <a:ext uri="{FF2B5EF4-FFF2-40B4-BE49-F238E27FC236}">
+                <a16:creationId xmlns:a16="http://schemas.microsoft.com/office/drawing/2014/main" id="{BE62F83B-92B6-465C-9726-AEAAAEA71FF3}"/>
+              </a:ext>
+            </a:extLst>
+          </p:cNvPr>
+          <p:cNvSpPr>
+            <a:spLocks noGrp="1"/>
+          </p:cNvSpPr>
+          <p:nvPr>
+            <p:ph type="title"/>
+          </p:nvPr>
+        </p:nvSpPr>
+        <p:spPr/>
+        <p:txBody>
+          <a:bodyPr/>
+          <a:lstStyle/>
+          <a:p>
+            <a:r>
+              <a:rPr lang="en-US" dirty="0"/>
+              <a:t>Sharing Changes</a:t>
+            </a:r>
+          </a:p>
+        </p:txBody>
+      </p:sp>
+      <p:sp>
+        <p:nvSpPr>
+          <p:cNvPr id="3" name="Text Placeholder 2">
+            <a:extLst>
+              <a:ext uri="{FF2B5EF4-FFF2-40B4-BE49-F238E27FC236}">
+                <a16:creationId xmlns:a16="http://schemas.microsoft.com/office/drawing/2014/main" id="{2ADF655D-F8A2-46B3-AAA6-243EF043D0C5}"/>
+              </a:ext>
+            </a:extLst>
+          </p:cNvPr>
+          <p:cNvSpPr>
+            <a:spLocks noGrp="1"/>
+          </p:cNvSpPr>
+          <p:nvPr>
+            <p:ph type="body" sz="quarter" idx="11"/>
+          </p:nvPr>
+        </p:nvSpPr>
+        <p:spPr/>
+        <p:txBody>
+          <a:bodyPr/>
+          <a:lstStyle/>
+          <a:p>
+            <a:endParaRPr lang="en-US"/>
+          </a:p>
+        </p:txBody>
+      </p:sp>
+    </p:spTree>
+    <p:extLst>
+      <p:ext uri="{BB962C8B-B14F-4D97-AF65-F5344CB8AC3E}">
+        <p14:creationId xmlns:p14="http://schemas.microsoft.com/office/powerpoint/2010/main" val="1087452575"/>
+      </p:ext>
+    </p:extLst>
+  </p:cSld>
+  <p:clrMapOvr>
+    <a:masterClrMapping/>
+  </p:clrMapOvr>
+  <p:transition spd="med">
+    <p:wipe/>
+  </p:transition>
+</p:sld>
+</file>
+
+<file path=ppt/slides/slide26.xml><?xml version="1.0" encoding="utf-8"?>
+<p:sld xmlns:a="http://schemas.openxmlformats.org/drawingml/2006/main" xmlns:r="http://schemas.openxmlformats.org/officeDocument/2006/relationships" xmlns:p="http://schemas.openxmlformats.org/presentationml/2006/main">
+  <p:cSld>
+    <p:spTree>
+      <p:nvGrpSpPr>
+        <p:cNvPr id="1" name=""/>
+        <p:cNvGrpSpPr/>
+        <p:nvPr/>
+      </p:nvGrpSpPr>
+      <p:grpSpPr>
+        <a:xfrm>
+          <a:off x="0" y="0"/>
+          <a:ext cx="0" cy="0"/>
+          <a:chOff x="0" y="0"/>
+          <a:chExt cx="0" cy="0"/>
+        </a:xfrm>
+      </p:grpSpPr>
+      <p:sp>
+        <p:nvSpPr>
+          <p:cNvPr id="2" name="Title 1">
+            <a:extLst>
+              <a:ext uri="{FF2B5EF4-FFF2-40B4-BE49-F238E27FC236}">
+                <a16:creationId xmlns:a16="http://schemas.microsoft.com/office/drawing/2014/main" id="{B647C2AC-2741-4EA9-8310-3761E753A4CE}"/>
+              </a:ext>
+            </a:extLst>
+          </p:cNvPr>
+          <p:cNvSpPr>
+            <a:spLocks noGrp="1"/>
+          </p:cNvSpPr>
+          <p:nvPr>
+            <p:ph type="title"/>
+          </p:nvPr>
+        </p:nvSpPr>
+        <p:spPr/>
+        <p:txBody>
+          <a:bodyPr/>
+          <a:lstStyle/>
+          <a:p>
+            <a:r>
+              <a:rPr lang="en-US" dirty="0"/>
+              <a:t>The Remote Repo (It’s Just Another Repo)</a:t>
+            </a:r>
+          </a:p>
+        </p:txBody>
+      </p:sp>
+      <p:sp>
+        <p:nvSpPr>
+          <p:cNvPr id="3" name="Picture Placeholder 2">
+            <a:extLst>
+              <a:ext uri="{FF2B5EF4-FFF2-40B4-BE49-F238E27FC236}">
+                <a16:creationId xmlns:a16="http://schemas.microsoft.com/office/drawing/2014/main" id="{9BB95E05-266A-4709-B23E-217F81799B3C}"/>
+              </a:ext>
+            </a:extLst>
+          </p:cNvPr>
+          <p:cNvSpPr>
+            <a:spLocks noGrp="1"/>
+          </p:cNvSpPr>
+          <p:nvPr>
+            <p:ph type="pic" sz="quarter" idx="15"/>
+          </p:nvPr>
+        </p:nvSpPr>
+        <p:spPr/>
+      </p:sp>
+      <p:sp>
+        <p:nvSpPr>
+          <p:cNvPr id="4" name="Content Placeholder 3">
+            <a:extLst>
+              <a:ext uri="{FF2B5EF4-FFF2-40B4-BE49-F238E27FC236}">
+                <a16:creationId xmlns:a16="http://schemas.microsoft.com/office/drawing/2014/main" id="{F33F84CE-5E75-4518-9FCB-BC9CC8975033}"/>
+              </a:ext>
+            </a:extLst>
+          </p:cNvPr>
+          <p:cNvSpPr>
+            <a:spLocks noGrp="1"/>
+          </p:cNvSpPr>
+          <p:nvPr>
+            <p:ph sz="quarter" idx="13"/>
+          </p:nvPr>
+        </p:nvSpPr>
+        <p:spPr/>
+        <p:txBody>
+          <a:bodyPr>
+            <a:normAutofit/>
+          </a:bodyPr>
+          <a:lstStyle/>
+          <a:p>
+            <a:r>
+              <a:rPr lang="en-US" sz="2400" dirty="0"/>
+              <a:t>It really is just another repository</a:t>
+            </a:r>
+          </a:p>
+          <a:p>
+            <a:r>
+              <a:rPr lang="en-US" sz="2400" dirty="0"/>
+              <a:t>They enable collaboration</a:t>
+            </a:r>
+          </a:p>
+          <a:p>
+            <a:r>
+              <a:rPr lang="en-US" sz="2400" dirty="0"/>
+              <a:t>They serve as a backup</a:t>
+            </a:r>
+          </a:p>
+          <a:p>
+            <a:r>
+              <a:rPr lang="en-US" sz="2400" dirty="0"/>
+              <a:t>They serve as a golden model</a:t>
+            </a:r>
+          </a:p>
+        </p:txBody>
+      </p:sp>
+      <p:sp>
+        <p:nvSpPr>
+          <p:cNvPr id="5" name="Footer Placeholder 4">
+            <a:extLst>
+              <a:ext uri="{FF2B5EF4-FFF2-40B4-BE49-F238E27FC236}">
+                <a16:creationId xmlns:a16="http://schemas.microsoft.com/office/drawing/2014/main" id="{D0165F86-7224-4DB3-8413-5B002FE139A1}"/>
+              </a:ext>
+            </a:extLst>
+          </p:cNvPr>
+          <p:cNvSpPr>
+            <a:spLocks noGrp="1"/>
+          </p:cNvSpPr>
+          <p:nvPr>
+            <p:ph type="ftr" sz="quarter" idx="16"/>
+          </p:nvPr>
+        </p:nvSpPr>
+        <p:spPr/>
+        <p:txBody>
+          <a:bodyPr/>
+          <a:lstStyle/>
+          <a:p>
+            <a:r>
+              <a:rPr lang="en-US"/>
+              <a:t>Silicon Labs Confidential</a:t>
+            </a:r>
+            <a:endParaRPr lang="en-US" dirty="0"/>
+          </a:p>
+        </p:txBody>
+      </p:sp>
+      <p:sp>
+        <p:nvSpPr>
+          <p:cNvPr id="6" name="Slide Number Placeholder 5">
+            <a:extLst>
+              <a:ext uri="{FF2B5EF4-FFF2-40B4-BE49-F238E27FC236}">
+                <a16:creationId xmlns:a16="http://schemas.microsoft.com/office/drawing/2014/main" id="{66D23F21-7BD2-48BE-B0C8-E11F0FFB92D6}"/>
+              </a:ext>
+            </a:extLst>
+          </p:cNvPr>
+          <p:cNvSpPr>
+            <a:spLocks noGrp="1"/>
+          </p:cNvSpPr>
+          <p:nvPr>
+            <p:ph type="sldNum" sz="quarter" idx="17"/>
+          </p:nvPr>
+        </p:nvSpPr>
+        <p:spPr/>
+        <p:txBody>
+          <a:bodyPr/>
+          <a:lstStyle/>
+          <a:p>
+            <a:fld id="{29A7BD92-6AE5-CF43-B276-274952F2BFB4}" type="slidenum">
+              <a:rPr lang="en-US" smtClean="0"/>
+              <a:pPr/>
+              <a:t>26</a:t>
+            </a:fld>
+            <a:endParaRPr lang="en-US" dirty="0"/>
+          </a:p>
+        </p:txBody>
+      </p:sp>
+      <p:pic>
+        <p:nvPicPr>
+          <p:cNvPr id="9" name="Graphic 8">
+            <a:extLst>
+              <a:ext uri="{FF2B5EF4-FFF2-40B4-BE49-F238E27FC236}">
+                <a16:creationId xmlns:a16="http://schemas.microsoft.com/office/drawing/2014/main" id="{086E78AE-A52F-4D28-A493-E5DCE1A8BAC9}"/>
+              </a:ext>
+            </a:extLst>
+          </p:cNvPr>
+          <p:cNvPicPr>
+            <a:picLocks noChangeAspect="1"/>
+          </p:cNvPicPr>
+          <p:nvPr/>
+        </p:nvPicPr>
+        <p:blipFill>
+          <a:blip r:embed="rId2">
+            <a:extLst>
+              <a:ext uri="{28A0092B-C50C-407E-A947-70E740481C1C}">
+                <a14:useLocalDpi xmlns:a14="http://schemas.microsoft.com/office/drawing/2010/main" val="0"/>
+              </a:ext>
+              <a:ext uri="{96DAC541-7B7A-43D3-8B79-37D633B846F1}">
+                <asvg:svgBlip xmlns:asvg="http://schemas.microsoft.com/office/drawing/2016/SVG/main" r:embed="rId3"/>
+              </a:ext>
+            </a:extLst>
+          </a:blip>
+          <a:stretch>
+            <a:fillRect/>
+          </a:stretch>
+        </p:blipFill>
+        <p:spPr>
+          <a:xfrm>
+            <a:off x="458840" y="1978342"/>
+            <a:ext cx="6553201" cy="3358516"/>
+          </a:xfrm>
+          <a:prstGeom prst="rect">
+            <a:avLst/>
+          </a:prstGeom>
+        </p:spPr>
+      </p:pic>
+    </p:spTree>
+    <p:extLst>
+      <p:ext uri="{BB962C8B-B14F-4D97-AF65-F5344CB8AC3E}">
+        <p14:creationId xmlns:p14="http://schemas.microsoft.com/office/powerpoint/2010/main" val="208817642"/>
+      </p:ext>
+    </p:extLst>
+  </p:cSld>
+  <p:clrMapOvr>
+    <a:masterClrMapping/>
+  </p:clrMapOvr>
+  <p:transition spd="med">
+    <p:wipe/>
+  </p:transition>
+</p:sld>
+</file>
+
+<file path=ppt/slides/slide27.xml><?xml version="1.0" encoding="utf-8"?>
+<p:sld xmlns:a="http://schemas.openxmlformats.org/drawingml/2006/main" xmlns:r="http://schemas.openxmlformats.org/officeDocument/2006/relationships" xmlns:p="http://schemas.openxmlformats.org/presentationml/2006/main">
+  <p:cSld>
+    <p:spTree>
+      <p:nvGrpSpPr>
+        <p:cNvPr id="1" name=""/>
+        <p:cNvGrpSpPr/>
+        <p:nvPr/>
+      </p:nvGrpSpPr>
+      <p:grpSpPr>
+        <a:xfrm>
+          <a:off x="0" y="0"/>
+          <a:ext cx="0" cy="0"/>
+          <a:chOff x="0" y="0"/>
+          <a:chExt cx="0" cy="0"/>
+        </a:xfrm>
+      </p:grpSpPr>
+      <p:sp>
+        <p:nvSpPr>
+          <p:cNvPr id="2" name="Title 1">
+            <a:extLst>
+              <a:ext uri="{FF2B5EF4-FFF2-40B4-BE49-F238E27FC236}">
+                <a16:creationId xmlns:a16="http://schemas.microsoft.com/office/drawing/2014/main" id="{E9C6A26F-263D-4E93-AD51-C5D9362D39D7}"/>
+              </a:ext>
+            </a:extLst>
+          </p:cNvPr>
+          <p:cNvSpPr>
+            <a:spLocks noGrp="1"/>
+          </p:cNvSpPr>
+          <p:nvPr>
+            <p:ph type="title"/>
+          </p:nvPr>
+        </p:nvSpPr>
+        <p:spPr/>
+        <p:txBody>
+          <a:bodyPr/>
+          <a:lstStyle/>
+          <a:p>
+            <a:r>
+              <a:rPr lang="en-US" dirty="0"/>
+              <a:t>Duplicating a Repository</a:t>
+            </a:r>
+          </a:p>
+        </p:txBody>
+      </p:sp>
+      <p:sp>
+        <p:nvSpPr>
+          <p:cNvPr id="3" name="Picture Placeholder 2">
+            <a:extLst>
+              <a:ext uri="{FF2B5EF4-FFF2-40B4-BE49-F238E27FC236}">
+                <a16:creationId xmlns:a16="http://schemas.microsoft.com/office/drawing/2014/main" id="{6C503CB0-5EDF-4B3F-BB8D-44E978DFE782}"/>
+              </a:ext>
+            </a:extLst>
+          </p:cNvPr>
+          <p:cNvSpPr>
+            <a:spLocks noGrp="1"/>
+          </p:cNvSpPr>
+          <p:nvPr>
+            <p:ph type="pic" sz="quarter" idx="15"/>
+          </p:nvPr>
+        </p:nvSpPr>
+        <p:spPr/>
+      </p:sp>
+      <p:sp>
+        <p:nvSpPr>
+          <p:cNvPr id="4" name="Content Placeholder 3">
+            <a:extLst>
+              <a:ext uri="{FF2B5EF4-FFF2-40B4-BE49-F238E27FC236}">
+                <a16:creationId xmlns:a16="http://schemas.microsoft.com/office/drawing/2014/main" id="{1D0AE657-31A0-48E4-94CB-5617663EBD96}"/>
+              </a:ext>
+            </a:extLst>
+          </p:cNvPr>
+          <p:cNvSpPr>
+            <a:spLocks noGrp="1"/>
+          </p:cNvSpPr>
+          <p:nvPr>
+            <p:ph sz="quarter" idx="13"/>
+          </p:nvPr>
+        </p:nvSpPr>
+        <p:spPr/>
+        <p:txBody>
+          <a:bodyPr>
+            <a:normAutofit/>
+          </a:bodyPr>
+          <a:lstStyle/>
+          <a:p>
+            <a:r>
+              <a:rPr lang="en-US" sz="2400" dirty="0">
+                <a:solidFill>
+                  <a:schemeClr val="tx2"/>
+                </a:solidFill>
+                <a:latin typeface="Anonymous Pro" panose="02060609030202000504" pitchFamily="49" charset="0"/>
+                <a:ea typeface="Anonymous Pro" panose="02060609030202000504" pitchFamily="49" charset="0"/>
+              </a:rPr>
+              <a:t>git </a:t>
+            </a:r>
+            <a:r>
+              <a:rPr lang="en-US" sz="2400" dirty="0" err="1">
+                <a:solidFill>
+                  <a:schemeClr val="tx2"/>
+                </a:solidFill>
+                <a:latin typeface="Anonymous Pro" panose="02060609030202000504" pitchFamily="49" charset="0"/>
+                <a:ea typeface="Anonymous Pro" panose="02060609030202000504" pitchFamily="49" charset="0"/>
+              </a:rPr>
+              <a:t>init</a:t>
+            </a:r>
+            <a:endParaRPr lang="en-US" sz="2400" dirty="0">
+              <a:solidFill>
+                <a:schemeClr val="tx2"/>
+              </a:solidFill>
+              <a:latin typeface="Anonymous Pro" panose="02060609030202000504" pitchFamily="49" charset="0"/>
+              <a:ea typeface="Anonymous Pro" panose="02060609030202000504" pitchFamily="49" charset="0"/>
+            </a:endParaRPr>
+          </a:p>
+          <a:p>
+            <a:r>
+              <a:rPr lang="en-US" sz="2400" dirty="0">
+                <a:solidFill>
+                  <a:schemeClr val="tx2"/>
+                </a:solidFill>
+                <a:latin typeface="Anonymous Pro" panose="02060609030202000504" pitchFamily="49" charset="0"/>
+                <a:ea typeface="Anonymous Pro" panose="02060609030202000504" pitchFamily="49" charset="0"/>
+              </a:rPr>
+              <a:t>git remote add origin</a:t>
+            </a:r>
+          </a:p>
+          <a:p>
+            <a:r>
+              <a:rPr lang="en-US" sz="2400" dirty="0">
+                <a:solidFill>
+                  <a:schemeClr val="tx2"/>
+                </a:solidFill>
+                <a:latin typeface="Anonymous Pro" panose="02060609030202000504" pitchFamily="49" charset="0"/>
+                <a:ea typeface="Anonymous Pro" panose="02060609030202000504" pitchFamily="49" charset="0"/>
+              </a:rPr>
+              <a:t>git fetch --all</a:t>
+            </a:r>
+          </a:p>
+          <a:p>
+            <a:r>
+              <a:rPr lang="en-US" sz="2400" dirty="0">
+                <a:solidFill>
+                  <a:schemeClr val="tx2"/>
+                </a:solidFill>
+                <a:latin typeface="Anonymous Pro" panose="02060609030202000504" pitchFamily="49" charset="0"/>
+                <a:ea typeface="Anonymous Pro" panose="02060609030202000504" pitchFamily="49" charset="0"/>
+              </a:rPr>
+              <a:t>git merge origin/master</a:t>
+            </a:r>
+          </a:p>
+        </p:txBody>
+      </p:sp>
+      <p:sp>
+        <p:nvSpPr>
+          <p:cNvPr id="5" name="Footer Placeholder 4">
+            <a:extLst>
+              <a:ext uri="{FF2B5EF4-FFF2-40B4-BE49-F238E27FC236}">
+                <a16:creationId xmlns:a16="http://schemas.microsoft.com/office/drawing/2014/main" id="{74EED76F-0060-4B5D-9258-BC99B4AFD9EC}"/>
+              </a:ext>
+            </a:extLst>
+          </p:cNvPr>
+          <p:cNvSpPr>
+            <a:spLocks noGrp="1"/>
+          </p:cNvSpPr>
+          <p:nvPr>
+            <p:ph type="ftr" sz="quarter" idx="16"/>
+          </p:nvPr>
+        </p:nvSpPr>
+        <p:spPr/>
+        <p:txBody>
+          <a:bodyPr/>
+          <a:lstStyle/>
+          <a:p>
+            <a:r>
+              <a:rPr lang="en-US"/>
+              <a:t>Silicon Labs Confidential</a:t>
+            </a:r>
+            <a:endParaRPr lang="en-US" dirty="0"/>
+          </a:p>
+        </p:txBody>
+      </p:sp>
+      <p:sp>
+        <p:nvSpPr>
+          <p:cNvPr id="6" name="Slide Number Placeholder 5">
+            <a:extLst>
+              <a:ext uri="{FF2B5EF4-FFF2-40B4-BE49-F238E27FC236}">
+                <a16:creationId xmlns:a16="http://schemas.microsoft.com/office/drawing/2014/main" id="{F12556C0-FEDE-4410-A142-6DD347F1F78E}"/>
+              </a:ext>
+            </a:extLst>
+          </p:cNvPr>
+          <p:cNvSpPr>
+            <a:spLocks noGrp="1"/>
+          </p:cNvSpPr>
+          <p:nvPr>
+            <p:ph type="sldNum" sz="quarter" idx="17"/>
+          </p:nvPr>
+        </p:nvSpPr>
+        <p:spPr/>
+        <p:txBody>
+          <a:bodyPr/>
+          <a:lstStyle/>
+          <a:p>
+            <a:fld id="{29A7BD92-6AE5-CF43-B276-274952F2BFB4}" type="slidenum">
+              <a:rPr lang="en-US" smtClean="0"/>
+              <a:pPr/>
+              <a:t>27</a:t>
+            </a:fld>
+            <a:endParaRPr lang="en-US" dirty="0"/>
+          </a:p>
+        </p:txBody>
+      </p:sp>
+    </p:spTree>
+    <p:extLst>
+      <p:ext uri="{BB962C8B-B14F-4D97-AF65-F5344CB8AC3E}">
+        <p14:creationId xmlns:p14="http://schemas.microsoft.com/office/powerpoint/2010/main" val="2340369487"/>
+      </p:ext>
+    </p:extLst>
+  </p:cSld>
+  <p:clrMapOvr>
+    <a:masterClrMapping/>
+  </p:clrMapOvr>
+  <p:transition spd="med">
+    <p:wipe/>
+  </p:transition>
+</p:sld>
+</file>
+
+<file path=ppt/slides/slide28.xml><?xml version="1.0" encoding="utf-8"?>
+<p:sld xmlns:a="http://schemas.openxmlformats.org/drawingml/2006/main" xmlns:r="http://schemas.openxmlformats.org/officeDocument/2006/relationships" xmlns:p="http://schemas.openxmlformats.org/presentationml/2006/main">
+  <p:cSld>
+    <p:spTree>
+      <p:nvGrpSpPr>
+        <p:cNvPr id="1" name=""/>
+        <p:cNvGrpSpPr/>
+        <p:nvPr/>
+      </p:nvGrpSpPr>
+      <p:grpSpPr>
+        <a:xfrm>
+          <a:off x="0" y="0"/>
+          <a:ext cx="0" cy="0"/>
+          <a:chOff x="0" y="0"/>
+          <a:chExt cx="0" cy="0"/>
+        </a:xfrm>
+      </p:grpSpPr>
+      <p:sp>
+        <p:nvSpPr>
+          <p:cNvPr id="2" name="Title 1">
+            <a:extLst>
+              <a:ext uri="{FF2B5EF4-FFF2-40B4-BE49-F238E27FC236}">
+                <a16:creationId xmlns:a16="http://schemas.microsoft.com/office/drawing/2014/main" id="{7A170A47-B491-47BE-AE56-1495C7EFE8E5}"/>
+              </a:ext>
+            </a:extLst>
+          </p:cNvPr>
+          <p:cNvSpPr>
+            <a:spLocks noGrp="1"/>
+          </p:cNvSpPr>
+          <p:nvPr>
+            <p:ph type="title"/>
+          </p:nvPr>
+        </p:nvSpPr>
+        <p:spPr/>
+        <p:txBody>
+          <a:bodyPr/>
+          <a:lstStyle/>
+          <a:p>
+            <a:r>
+              <a:rPr lang="en-US" dirty="0"/>
+              <a:t>There’s an Easier Way</a:t>
+            </a:r>
+          </a:p>
+        </p:txBody>
+      </p:sp>
+      <p:sp>
+        <p:nvSpPr>
+          <p:cNvPr id="7" name="Picture Placeholder 6">
+            <a:extLst>
+              <a:ext uri="{FF2B5EF4-FFF2-40B4-BE49-F238E27FC236}">
+                <a16:creationId xmlns:a16="http://schemas.microsoft.com/office/drawing/2014/main" id="{2792E3D0-4F51-42F5-89AF-8E5AD27A367A}"/>
+              </a:ext>
+            </a:extLst>
+          </p:cNvPr>
+          <p:cNvSpPr>
+            <a:spLocks noGrp="1"/>
+          </p:cNvSpPr>
+          <p:nvPr>
+            <p:ph type="pic" sz="quarter" idx="15"/>
+          </p:nvPr>
+        </p:nvSpPr>
+        <p:spPr/>
+      </p:sp>
+      <p:sp>
+        <p:nvSpPr>
+          <p:cNvPr id="4" name="Content Placeholder 3">
+            <a:extLst>
+              <a:ext uri="{FF2B5EF4-FFF2-40B4-BE49-F238E27FC236}">
+                <a16:creationId xmlns:a16="http://schemas.microsoft.com/office/drawing/2014/main" id="{23600CDD-954F-44D1-8482-3E4AF08696E9}"/>
+              </a:ext>
+            </a:extLst>
+          </p:cNvPr>
+          <p:cNvSpPr>
+            <a:spLocks noGrp="1"/>
+          </p:cNvSpPr>
+          <p:nvPr>
+            <p:ph sz="quarter" idx="13"/>
+          </p:nvPr>
+        </p:nvSpPr>
+        <p:spPr/>
+        <p:txBody>
+          <a:bodyPr>
+            <a:normAutofit/>
+          </a:bodyPr>
+          <a:lstStyle/>
+          <a:p>
+            <a:r>
+              <a:rPr lang="en-US" sz="2400" dirty="0">
+                <a:solidFill>
+                  <a:schemeClr val="tx2"/>
+                </a:solidFill>
+                <a:latin typeface="Anonymous Pro" panose="02060609030202000504" pitchFamily="49" charset="0"/>
+                <a:ea typeface="Anonymous Pro" panose="02060609030202000504" pitchFamily="49" charset="0"/>
+              </a:rPr>
+              <a:t>git clone</a:t>
+            </a:r>
+          </a:p>
+        </p:txBody>
+      </p:sp>
+      <p:sp>
+        <p:nvSpPr>
+          <p:cNvPr id="5" name="Footer Placeholder 4">
+            <a:extLst>
+              <a:ext uri="{FF2B5EF4-FFF2-40B4-BE49-F238E27FC236}">
+                <a16:creationId xmlns:a16="http://schemas.microsoft.com/office/drawing/2014/main" id="{3ED4D48D-1626-4C16-9E4B-B154C1E050A8}"/>
+              </a:ext>
+            </a:extLst>
+          </p:cNvPr>
+          <p:cNvSpPr>
+            <a:spLocks noGrp="1"/>
+          </p:cNvSpPr>
+          <p:nvPr>
+            <p:ph type="ftr" sz="quarter" idx="16"/>
+          </p:nvPr>
+        </p:nvSpPr>
+        <p:spPr/>
+        <p:txBody>
+          <a:bodyPr/>
+          <a:lstStyle/>
+          <a:p>
+            <a:r>
+              <a:rPr lang="en-US"/>
+              <a:t>Silicon Labs Confidential</a:t>
+            </a:r>
+            <a:endParaRPr lang="en-US" dirty="0"/>
+          </a:p>
+        </p:txBody>
+      </p:sp>
+      <p:sp>
+        <p:nvSpPr>
+          <p:cNvPr id="6" name="Slide Number Placeholder 5">
+            <a:extLst>
+              <a:ext uri="{FF2B5EF4-FFF2-40B4-BE49-F238E27FC236}">
+                <a16:creationId xmlns:a16="http://schemas.microsoft.com/office/drawing/2014/main" id="{5810B8DD-AE21-407E-8C14-334847C55FF9}"/>
+              </a:ext>
+            </a:extLst>
+          </p:cNvPr>
+          <p:cNvSpPr>
+            <a:spLocks noGrp="1"/>
+          </p:cNvSpPr>
+          <p:nvPr>
+            <p:ph type="sldNum" sz="quarter" idx="17"/>
+          </p:nvPr>
+        </p:nvSpPr>
+        <p:spPr/>
+        <p:txBody>
+          <a:bodyPr/>
+          <a:lstStyle/>
+          <a:p>
+            <a:fld id="{29A7BD92-6AE5-CF43-B276-274952F2BFB4}" type="slidenum">
+              <a:rPr lang="en-US" smtClean="0"/>
+              <a:pPr/>
+              <a:t>28</a:t>
+            </a:fld>
+            <a:endParaRPr lang="en-US" dirty="0"/>
+          </a:p>
+        </p:txBody>
+      </p:sp>
+    </p:spTree>
+    <p:extLst>
+      <p:ext uri="{BB962C8B-B14F-4D97-AF65-F5344CB8AC3E}">
+        <p14:creationId xmlns:p14="http://schemas.microsoft.com/office/powerpoint/2010/main" val="1202494912"/>
+      </p:ext>
+    </p:extLst>
+  </p:cSld>
+  <p:clrMapOvr>
+    <a:masterClrMapping/>
+  </p:clrMapOvr>
+  <p:transition spd="med">
+    <p:wipe/>
+  </p:transition>
+</p:sld>
+</file>
+
+<file path=ppt/slides/slide29.xml><?xml version="1.0" encoding="utf-8"?>
+<p:sld xmlns:a="http://schemas.openxmlformats.org/drawingml/2006/main" xmlns:r="http://schemas.openxmlformats.org/officeDocument/2006/relationships" xmlns:p="http://schemas.openxmlformats.org/presentationml/2006/main">
+  <p:cSld>
+    <p:spTree>
+      <p:nvGrpSpPr>
+        <p:cNvPr id="1" name=""/>
+        <p:cNvGrpSpPr/>
+        <p:nvPr/>
+      </p:nvGrpSpPr>
+      <p:grpSpPr>
+        <a:xfrm>
+          <a:off x="0" y="0"/>
+          <a:ext cx="0" cy="0"/>
+          <a:chOff x="0" y="0"/>
+          <a:chExt cx="0" cy="0"/>
+        </a:xfrm>
+      </p:grpSpPr>
+      <p:sp>
+        <p:nvSpPr>
+          <p:cNvPr id="2" name="Title 1">
+            <a:extLst>
+              <a:ext uri="{FF2B5EF4-FFF2-40B4-BE49-F238E27FC236}">
+                <a16:creationId xmlns:a16="http://schemas.microsoft.com/office/drawing/2014/main" id="{C58964FD-692D-4523-A8BD-D1831D0ED39B}"/>
+              </a:ext>
+            </a:extLst>
+          </p:cNvPr>
+          <p:cNvSpPr>
+            <a:spLocks noGrp="1"/>
+          </p:cNvSpPr>
+          <p:nvPr>
+            <p:ph type="title"/>
+          </p:nvPr>
+        </p:nvSpPr>
+        <p:spPr/>
+        <p:txBody>
+          <a:bodyPr/>
+          <a:lstStyle/>
+          <a:p>
+            <a:r>
+              <a:rPr lang="en-US" dirty="0"/>
+              <a:t>Sharing Our Commits</a:t>
+            </a:r>
+          </a:p>
+        </p:txBody>
+      </p:sp>
+      <p:sp>
+        <p:nvSpPr>
+          <p:cNvPr id="3" name="Picture Placeholder 2">
+            <a:extLst>
+              <a:ext uri="{FF2B5EF4-FFF2-40B4-BE49-F238E27FC236}">
+                <a16:creationId xmlns:a16="http://schemas.microsoft.com/office/drawing/2014/main" id="{19C0F337-A6DD-4EFE-8FBF-5E0CC4DDE93F}"/>
+              </a:ext>
+            </a:extLst>
+          </p:cNvPr>
+          <p:cNvSpPr>
+            <a:spLocks noGrp="1"/>
+          </p:cNvSpPr>
+          <p:nvPr>
+            <p:ph type="pic" sz="quarter" idx="15"/>
+          </p:nvPr>
+        </p:nvSpPr>
+        <p:spPr/>
+      </p:sp>
+      <p:sp>
+        <p:nvSpPr>
+          <p:cNvPr id="4" name="Content Placeholder 3">
+            <a:extLst>
+              <a:ext uri="{FF2B5EF4-FFF2-40B4-BE49-F238E27FC236}">
+                <a16:creationId xmlns:a16="http://schemas.microsoft.com/office/drawing/2014/main" id="{82D28967-226F-4158-99AF-B0C7B969045B}"/>
+              </a:ext>
+            </a:extLst>
+          </p:cNvPr>
+          <p:cNvSpPr>
+            <a:spLocks noGrp="1"/>
+          </p:cNvSpPr>
+          <p:nvPr>
+            <p:ph sz="quarter" idx="13"/>
+          </p:nvPr>
+        </p:nvSpPr>
+        <p:spPr/>
+        <p:txBody>
+          <a:bodyPr>
+            <a:normAutofit/>
+          </a:bodyPr>
+          <a:lstStyle/>
+          <a:p>
+            <a:r>
+              <a:rPr lang="en-US" sz="2400" dirty="0">
+                <a:solidFill>
+                  <a:schemeClr val="tx2"/>
+                </a:solidFill>
+                <a:latin typeface="Anonymous Pro" panose="02060609030202000504" pitchFamily="49" charset="0"/>
+                <a:ea typeface="Anonymous Pro" panose="02060609030202000504" pitchFamily="49" charset="0"/>
+              </a:rPr>
+              <a:t>git add</a:t>
+            </a:r>
+          </a:p>
+          <a:p>
+            <a:r>
+              <a:rPr lang="en-US" sz="2400" dirty="0">
+                <a:solidFill>
+                  <a:schemeClr val="tx2"/>
+                </a:solidFill>
+                <a:latin typeface="Anonymous Pro" panose="02060609030202000504" pitchFamily="49" charset="0"/>
+                <a:ea typeface="Anonymous Pro" panose="02060609030202000504" pitchFamily="49" charset="0"/>
+              </a:rPr>
+              <a:t>git commit –m</a:t>
+            </a:r>
+          </a:p>
+          <a:p>
+            <a:r>
+              <a:rPr lang="en-US" sz="2400" dirty="0">
+                <a:solidFill>
+                  <a:schemeClr val="tx2"/>
+                </a:solidFill>
+                <a:latin typeface="Anonymous Pro" panose="02060609030202000504" pitchFamily="49" charset="0"/>
+                <a:ea typeface="Anonymous Pro" panose="02060609030202000504" pitchFamily="49" charset="0"/>
+              </a:rPr>
+              <a:t>git push -u origin master</a:t>
+            </a:r>
+          </a:p>
+        </p:txBody>
+      </p:sp>
+      <p:sp>
+        <p:nvSpPr>
+          <p:cNvPr id="5" name="Footer Placeholder 4">
+            <a:extLst>
+              <a:ext uri="{FF2B5EF4-FFF2-40B4-BE49-F238E27FC236}">
+                <a16:creationId xmlns:a16="http://schemas.microsoft.com/office/drawing/2014/main" id="{59A5B5D8-E879-46A6-B675-8D134FF30BFB}"/>
+              </a:ext>
+            </a:extLst>
+          </p:cNvPr>
+          <p:cNvSpPr>
+            <a:spLocks noGrp="1"/>
+          </p:cNvSpPr>
+          <p:nvPr>
+            <p:ph type="ftr" sz="quarter" idx="16"/>
+          </p:nvPr>
+        </p:nvSpPr>
+        <p:spPr/>
+        <p:txBody>
+          <a:bodyPr/>
+          <a:lstStyle/>
+          <a:p>
+            <a:r>
+              <a:rPr lang="en-US"/>
+              <a:t>Silicon Labs Confidential</a:t>
+            </a:r>
+            <a:endParaRPr lang="en-US" dirty="0"/>
+          </a:p>
+        </p:txBody>
+      </p:sp>
+      <p:sp>
+        <p:nvSpPr>
+          <p:cNvPr id="6" name="Slide Number Placeholder 5">
+            <a:extLst>
+              <a:ext uri="{FF2B5EF4-FFF2-40B4-BE49-F238E27FC236}">
+                <a16:creationId xmlns:a16="http://schemas.microsoft.com/office/drawing/2014/main" id="{D20D9A2A-613C-4A11-803F-552E77295E38}"/>
+              </a:ext>
+            </a:extLst>
+          </p:cNvPr>
+          <p:cNvSpPr>
+            <a:spLocks noGrp="1"/>
+          </p:cNvSpPr>
+          <p:nvPr>
+            <p:ph type="sldNum" sz="quarter" idx="17"/>
+          </p:nvPr>
+        </p:nvSpPr>
+        <p:spPr/>
+        <p:txBody>
+          <a:bodyPr/>
+          <a:lstStyle/>
+          <a:p>
+            <a:fld id="{29A7BD92-6AE5-CF43-B276-274952F2BFB4}" type="slidenum">
+              <a:rPr lang="en-US" smtClean="0"/>
+              <a:pPr/>
+              <a:t>29</a:t>
+            </a:fld>
+            <a:endParaRPr lang="en-US" dirty="0"/>
+          </a:p>
+        </p:txBody>
+      </p:sp>
+    </p:spTree>
+    <p:extLst>
+      <p:ext uri="{BB962C8B-B14F-4D97-AF65-F5344CB8AC3E}">
+        <p14:creationId xmlns:p14="http://schemas.microsoft.com/office/powerpoint/2010/main" val="2698064216"/>
       </p:ext>
     </p:extLst>
   </p:cSld>
@@ -15450,29 +19405,28 @@
           <a:lstStyle/>
           <a:p>
             <a:r>
-              <a:rPr lang="en-US" sz="2400" dirty="0" smtClean="0"/>
+              <a:rPr lang="en-US" sz="2400" dirty="0"/>
               <a:t>I’ll talk a bit</a:t>
             </a:r>
           </a:p>
           <a:p>
             <a:r>
-              <a:rPr lang="en-US" sz="2400" dirty="0" smtClean="0"/>
+              <a:rPr lang="en-US" sz="2400" dirty="0"/>
               <a:t>I’ll show a command window and type some commands</a:t>
             </a:r>
           </a:p>
           <a:p>
             <a:pPr lvl="1"/>
             <a:r>
-              <a:rPr lang="en-US" sz="2000" dirty="0" smtClean="0"/>
+              <a:rPr lang="en-US" sz="2000" dirty="0"/>
               <a:t>You’ll type the commands too</a:t>
             </a:r>
           </a:p>
           <a:p>
             <a:r>
-              <a:rPr lang="en-US" sz="2400" dirty="0" smtClean="0"/>
+              <a:rPr lang="en-US" sz="2400" dirty="0"/>
               <a:t>You’ll earn your degree</a:t>
             </a:r>
-            <a:endParaRPr lang="en-US" sz="2400" dirty="0"/>
           </a:p>
         </p:txBody>
       </p:sp>
@@ -15493,15 +19447,7 @@
           <a:p>
             <a:r>
               <a:rPr lang="en-US" dirty="0"/>
-              <a:t>How </a:t>
-            </a:r>
-            <a:r>
-              <a:rPr lang="en-US" dirty="0" smtClean="0"/>
-              <a:t>This Is </a:t>
-            </a:r>
-            <a:r>
-              <a:rPr lang="en-US" dirty="0"/>
-              <a:t>Going to Work</a:t>
+              <a:t>How This Is Going to Work</a:t>
             </a:r>
           </a:p>
         </p:txBody>
@@ -15522,7 +19468,7 @@
           <a:lstStyle/>
           <a:p>
             <a:r>
-              <a:rPr lang="en-US" smtClean="0"/>
+              <a:rPr lang="en-US"/>
               <a:t>Silicon Labs Confidential</a:t>
             </a:r>
             <a:endParaRPr lang="en-US" dirty="0"/>
@@ -15557,6 +19503,597 @@
     <p:extLst>
       <p:ext uri="{BB962C8B-B14F-4D97-AF65-F5344CB8AC3E}">
         <p14:creationId xmlns:p14="http://schemas.microsoft.com/office/powerpoint/2010/main" val="3870545938"/>
+      </p:ext>
+    </p:extLst>
+  </p:cSld>
+  <p:clrMapOvr>
+    <a:masterClrMapping/>
+  </p:clrMapOvr>
+  <p:transition spd="med">
+    <p:wipe/>
+  </p:transition>
+</p:sld>
+</file>
+
+<file path=ppt/slides/slide30.xml><?xml version="1.0" encoding="utf-8"?>
+<p:sld xmlns:a="http://schemas.openxmlformats.org/drawingml/2006/main" xmlns:r="http://schemas.openxmlformats.org/officeDocument/2006/relationships" xmlns:p="http://schemas.openxmlformats.org/presentationml/2006/main">
+  <p:cSld>
+    <p:spTree>
+      <p:nvGrpSpPr>
+        <p:cNvPr id="1" name=""/>
+        <p:cNvGrpSpPr/>
+        <p:nvPr/>
+      </p:nvGrpSpPr>
+      <p:grpSpPr>
+        <a:xfrm>
+          <a:off x="0" y="0"/>
+          <a:ext cx="0" cy="0"/>
+          <a:chOff x="0" y="0"/>
+          <a:chExt cx="0" cy="0"/>
+        </a:xfrm>
+      </p:grpSpPr>
+      <p:sp>
+        <p:nvSpPr>
+          <p:cNvPr id="2" name="Title 1">
+            <a:extLst>
+              <a:ext uri="{FF2B5EF4-FFF2-40B4-BE49-F238E27FC236}">
+                <a16:creationId xmlns:a16="http://schemas.microsoft.com/office/drawing/2014/main" id="{8D0CF1A5-8B52-4A20-8267-E2535D48D4F3}"/>
+              </a:ext>
+            </a:extLst>
+          </p:cNvPr>
+          <p:cNvSpPr>
+            <a:spLocks noGrp="1"/>
+          </p:cNvSpPr>
+          <p:nvPr>
+            <p:ph type="title"/>
+          </p:nvPr>
+        </p:nvSpPr>
+        <p:spPr/>
+        <p:txBody>
+          <a:bodyPr/>
+          <a:lstStyle/>
+          <a:p>
+            <a:r>
+              <a:rPr lang="en-US" dirty="0"/>
+              <a:t>Retrieving Other’s Commits</a:t>
+            </a:r>
+          </a:p>
+        </p:txBody>
+      </p:sp>
+      <p:sp>
+        <p:nvSpPr>
+          <p:cNvPr id="3" name="Picture Placeholder 2">
+            <a:extLst>
+              <a:ext uri="{FF2B5EF4-FFF2-40B4-BE49-F238E27FC236}">
+                <a16:creationId xmlns:a16="http://schemas.microsoft.com/office/drawing/2014/main" id="{078A7F59-0877-4AE6-B480-D3011AEBADD1}"/>
+              </a:ext>
+            </a:extLst>
+          </p:cNvPr>
+          <p:cNvSpPr>
+            <a:spLocks noGrp="1"/>
+          </p:cNvSpPr>
+          <p:nvPr>
+            <p:ph type="pic" sz="quarter" idx="15"/>
+          </p:nvPr>
+        </p:nvSpPr>
+        <p:spPr/>
+      </p:sp>
+      <p:sp>
+        <p:nvSpPr>
+          <p:cNvPr id="4" name="Content Placeholder 3">
+            <a:extLst>
+              <a:ext uri="{FF2B5EF4-FFF2-40B4-BE49-F238E27FC236}">
+                <a16:creationId xmlns:a16="http://schemas.microsoft.com/office/drawing/2014/main" id="{45864C9E-2923-4A12-8CF5-5D9B4CAB1BB6}"/>
+              </a:ext>
+            </a:extLst>
+          </p:cNvPr>
+          <p:cNvSpPr>
+            <a:spLocks noGrp="1"/>
+          </p:cNvSpPr>
+          <p:nvPr>
+            <p:ph sz="quarter" idx="13"/>
+          </p:nvPr>
+        </p:nvSpPr>
+        <p:spPr/>
+        <p:txBody>
+          <a:bodyPr>
+            <a:normAutofit/>
+          </a:bodyPr>
+          <a:lstStyle/>
+          <a:p>
+            <a:r>
+              <a:rPr lang="en-US" sz="2400" dirty="0">
+                <a:solidFill>
+                  <a:schemeClr val="tx2"/>
+                </a:solidFill>
+                <a:latin typeface="Anonymous Pro" panose="02060609030202000504" pitchFamily="49" charset="0"/>
+                <a:ea typeface="Anonymous Pro" panose="02060609030202000504" pitchFamily="49" charset="0"/>
+              </a:rPr>
+              <a:t>git fetch --all</a:t>
+            </a:r>
+          </a:p>
+          <a:p>
+            <a:r>
+              <a:rPr lang="en-US" sz="2400" dirty="0">
+                <a:solidFill>
+                  <a:schemeClr val="tx2"/>
+                </a:solidFill>
+                <a:latin typeface="Anonymous Pro" panose="02060609030202000504" pitchFamily="49" charset="0"/>
+                <a:ea typeface="Anonymous Pro" panose="02060609030202000504" pitchFamily="49" charset="0"/>
+              </a:rPr>
+              <a:t>git merge origin/master</a:t>
+            </a:r>
+          </a:p>
+        </p:txBody>
+      </p:sp>
+      <p:sp>
+        <p:nvSpPr>
+          <p:cNvPr id="5" name="Footer Placeholder 4">
+            <a:extLst>
+              <a:ext uri="{FF2B5EF4-FFF2-40B4-BE49-F238E27FC236}">
+                <a16:creationId xmlns:a16="http://schemas.microsoft.com/office/drawing/2014/main" id="{EF7D0209-59F7-4DC1-82CD-4C061EF6CB63}"/>
+              </a:ext>
+            </a:extLst>
+          </p:cNvPr>
+          <p:cNvSpPr>
+            <a:spLocks noGrp="1"/>
+          </p:cNvSpPr>
+          <p:nvPr>
+            <p:ph type="ftr" sz="quarter" idx="16"/>
+          </p:nvPr>
+        </p:nvSpPr>
+        <p:spPr/>
+        <p:txBody>
+          <a:bodyPr/>
+          <a:lstStyle/>
+          <a:p>
+            <a:r>
+              <a:rPr lang="en-US"/>
+              <a:t>Silicon Labs Confidential</a:t>
+            </a:r>
+            <a:endParaRPr lang="en-US" dirty="0"/>
+          </a:p>
+        </p:txBody>
+      </p:sp>
+      <p:sp>
+        <p:nvSpPr>
+          <p:cNvPr id="6" name="Slide Number Placeholder 5">
+            <a:extLst>
+              <a:ext uri="{FF2B5EF4-FFF2-40B4-BE49-F238E27FC236}">
+                <a16:creationId xmlns:a16="http://schemas.microsoft.com/office/drawing/2014/main" id="{9C5FC3F7-D99A-41E6-B629-5FE56C96D415}"/>
+              </a:ext>
+            </a:extLst>
+          </p:cNvPr>
+          <p:cNvSpPr>
+            <a:spLocks noGrp="1"/>
+          </p:cNvSpPr>
+          <p:nvPr>
+            <p:ph type="sldNum" sz="quarter" idx="17"/>
+          </p:nvPr>
+        </p:nvSpPr>
+        <p:spPr/>
+        <p:txBody>
+          <a:bodyPr/>
+          <a:lstStyle/>
+          <a:p>
+            <a:fld id="{29A7BD92-6AE5-CF43-B276-274952F2BFB4}" type="slidenum">
+              <a:rPr lang="en-US" smtClean="0"/>
+              <a:pPr/>
+              <a:t>30</a:t>
+            </a:fld>
+            <a:endParaRPr lang="en-US" dirty="0"/>
+          </a:p>
+        </p:txBody>
+      </p:sp>
+    </p:spTree>
+    <p:extLst>
+      <p:ext uri="{BB962C8B-B14F-4D97-AF65-F5344CB8AC3E}">
+        <p14:creationId xmlns:p14="http://schemas.microsoft.com/office/powerpoint/2010/main" val="1072774511"/>
+      </p:ext>
+    </p:extLst>
+  </p:cSld>
+  <p:clrMapOvr>
+    <a:masterClrMapping/>
+  </p:clrMapOvr>
+  <p:transition spd="med">
+    <p:wipe/>
+  </p:transition>
+</p:sld>
+</file>
+
+<file path=ppt/slides/slide31.xml><?xml version="1.0" encoding="utf-8"?>
+<p:sld xmlns:a="http://schemas.openxmlformats.org/drawingml/2006/main" xmlns:r="http://schemas.openxmlformats.org/officeDocument/2006/relationships" xmlns:p="http://schemas.openxmlformats.org/presentationml/2006/main">
+  <p:cSld>
+    <p:spTree>
+      <p:nvGrpSpPr>
+        <p:cNvPr id="1" name=""/>
+        <p:cNvGrpSpPr/>
+        <p:nvPr/>
+      </p:nvGrpSpPr>
+      <p:grpSpPr>
+        <a:xfrm>
+          <a:off x="0" y="0"/>
+          <a:ext cx="0" cy="0"/>
+          <a:chOff x="0" y="0"/>
+          <a:chExt cx="0" cy="0"/>
+        </a:xfrm>
+      </p:grpSpPr>
+      <p:sp>
+        <p:nvSpPr>
+          <p:cNvPr id="2" name="Title 1">
+            <a:extLst>
+              <a:ext uri="{FF2B5EF4-FFF2-40B4-BE49-F238E27FC236}">
+                <a16:creationId xmlns:a16="http://schemas.microsoft.com/office/drawing/2014/main" id="{A56777FA-7EB0-4278-BF43-EDD550DA362F}"/>
+              </a:ext>
+            </a:extLst>
+          </p:cNvPr>
+          <p:cNvSpPr>
+            <a:spLocks noGrp="1"/>
+          </p:cNvSpPr>
+          <p:nvPr>
+            <p:ph type="title"/>
+          </p:nvPr>
+        </p:nvSpPr>
+        <p:spPr/>
+        <p:txBody>
+          <a:bodyPr/>
+          <a:lstStyle/>
+          <a:p>
+            <a:r>
+              <a:rPr lang="en-US" dirty="0"/>
+              <a:t>There’s Also an Easier Way</a:t>
+            </a:r>
+          </a:p>
+        </p:txBody>
+      </p:sp>
+      <p:sp>
+        <p:nvSpPr>
+          <p:cNvPr id="3" name="Picture Placeholder 2">
+            <a:extLst>
+              <a:ext uri="{FF2B5EF4-FFF2-40B4-BE49-F238E27FC236}">
+                <a16:creationId xmlns:a16="http://schemas.microsoft.com/office/drawing/2014/main" id="{935D8453-5458-44EB-997A-E07BCFEB213F}"/>
+              </a:ext>
+            </a:extLst>
+          </p:cNvPr>
+          <p:cNvSpPr>
+            <a:spLocks noGrp="1"/>
+          </p:cNvSpPr>
+          <p:nvPr>
+            <p:ph type="pic" sz="quarter" idx="15"/>
+          </p:nvPr>
+        </p:nvSpPr>
+        <p:spPr/>
+      </p:sp>
+      <p:sp>
+        <p:nvSpPr>
+          <p:cNvPr id="4" name="Content Placeholder 3">
+            <a:extLst>
+              <a:ext uri="{FF2B5EF4-FFF2-40B4-BE49-F238E27FC236}">
+                <a16:creationId xmlns:a16="http://schemas.microsoft.com/office/drawing/2014/main" id="{F77C489E-2C69-4545-ABC7-403F1966C9C1}"/>
+              </a:ext>
+            </a:extLst>
+          </p:cNvPr>
+          <p:cNvSpPr>
+            <a:spLocks noGrp="1"/>
+          </p:cNvSpPr>
+          <p:nvPr>
+            <p:ph sz="quarter" idx="13"/>
+          </p:nvPr>
+        </p:nvSpPr>
+        <p:spPr/>
+        <p:txBody>
+          <a:bodyPr>
+            <a:normAutofit/>
+          </a:bodyPr>
+          <a:lstStyle/>
+          <a:p>
+            <a:r>
+              <a:rPr lang="en-US" sz="2400" dirty="0">
+                <a:solidFill>
+                  <a:schemeClr val="tx2"/>
+                </a:solidFill>
+                <a:latin typeface="Anonymous Pro" panose="02060609030202000504" pitchFamily="49" charset="0"/>
+                <a:ea typeface="Anonymous Pro" panose="02060609030202000504" pitchFamily="49" charset="0"/>
+              </a:rPr>
+              <a:t>git pull</a:t>
+            </a:r>
+          </a:p>
+        </p:txBody>
+      </p:sp>
+      <p:sp>
+        <p:nvSpPr>
+          <p:cNvPr id="5" name="Footer Placeholder 4">
+            <a:extLst>
+              <a:ext uri="{FF2B5EF4-FFF2-40B4-BE49-F238E27FC236}">
+                <a16:creationId xmlns:a16="http://schemas.microsoft.com/office/drawing/2014/main" id="{9C09491B-103A-4191-B512-998E70546B6D}"/>
+              </a:ext>
+            </a:extLst>
+          </p:cNvPr>
+          <p:cNvSpPr>
+            <a:spLocks noGrp="1"/>
+          </p:cNvSpPr>
+          <p:nvPr>
+            <p:ph type="ftr" sz="quarter" idx="16"/>
+          </p:nvPr>
+        </p:nvSpPr>
+        <p:spPr/>
+        <p:txBody>
+          <a:bodyPr/>
+          <a:lstStyle/>
+          <a:p>
+            <a:r>
+              <a:rPr lang="en-US"/>
+              <a:t>Silicon Labs Confidential</a:t>
+            </a:r>
+            <a:endParaRPr lang="en-US" dirty="0"/>
+          </a:p>
+        </p:txBody>
+      </p:sp>
+      <p:sp>
+        <p:nvSpPr>
+          <p:cNvPr id="6" name="Slide Number Placeholder 5">
+            <a:extLst>
+              <a:ext uri="{FF2B5EF4-FFF2-40B4-BE49-F238E27FC236}">
+                <a16:creationId xmlns:a16="http://schemas.microsoft.com/office/drawing/2014/main" id="{9110B5AF-67AD-4683-83F7-7A3645DA5E82}"/>
+              </a:ext>
+            </a:extLst>
+          </p:cNvPr>
+          <p:cNvSpPr>
+            <a:spLocks noGrp="1"/>
+          </p:cNvSpPr>
+          <p:nvPr>
+            <p:ph type="sldNum" sz="quarter" idx="17"/>
+          </p:nvPr>
+        </p:nvSpPr>
+        <p:spPr/>
+        <p:txBody>
+          <a:bodyPr/>
+          <a:lstStyle/>
+          <a:p>
+            <a:fld id="{29A7BD92-6AE5-CF43-B276-274952F2BFB4}" type="slidenum">
+              <a:rPr lang="en-US" smtClean="0"/>
+              <a:pPr/>
+              <a:t>31</a:t>
+            </a:fld>
+            <a:endParaRPr lang="en-US" dirty="0"/>
+          </a:p>
+        </p:txBody>
+      </p:sp>
+    </p:spTree>
+    <p:extLst>
+      <p:ext uri="{BB962C8B-B14F-4D97-AF65-F5344CB8AC3E}">
+        <p14:creationId xmlns:p14="http://schemas.microsoft.com/office/powerpoint/2010/main" val="2582080900"/>
+      </p:ext>
+    </p:extLst>
+  </p:cSld>
+  <p:clrMapOvr>
+    <a:masterClrMapping/>
+  </p:clrMapOvr>
+  <p:transition spd="med">
+    <p:wipe/>
+  </p:transition>
+</p:sld>
+</file>
+
+<file path=ppt/slides/slide32.xml><?xml version="1.0" encoding="utf-8"?>
+<p:sld xmlns:a="http://schemas.openxmlformats.org/drawingml/2006/main" xmlns:r="http://schemas.openxmlformats.org/officeDocument/2006/relationships" xmlns:p="http://schemas.openxmlformats.org/presentationml/2006/main">
+  <p:cSld>
+    <p:spTree>
+      <p:nvGrpSpPr>
+        <p:cNvPr id="1" name=""/>
+        <p:cNvGrpSpPr/>
+        <p:nvPr/>
+      </p:nvGrpSpPr>
+      <p:grpSpPr>
+        <a:xfrm>
+          <a:off x="0" y="0"/>
+          <a:ext cx="0" cy="0"/>
+          <a:chOff x="0" y="0"/>
+          <a:chExt cx="0" cy="0"/>
+        </a:xfrm>
+      </p:grpSpPr>
+      <p:sp>
+        <p:nvSpPr>
+          <p:cNvPr id="4" name="Title 3">
+            <a:extLst>
+              <a:ext uri="{FF2B5EF4-FFF2-40B4-BE49-F238E27FC236}">
+                <a16:creationId xmlns:a16="http://schemas.microsoft.com/office/drawing/2014/main" id="{A29ACE7D-3249-4DC5-8EC2-E682B497B9B4}"/>
+              </a:ext>
+            </a:extLst>
+          </p:cNvPr>
+          <p:cNvSpPr>
+            <a:spLocks noGrp="1"/>
+          </p:cNvSpPr>
+          <p:nvPr>
+            <p:ph type="title"/>
+          </p:nvPr>
+        </p:nvSpPr>
+        <p:spPr/>
+        <p:txBody>
+          <a:bodyPr/>
+          <a:lstStyle/>
+          <a:p>
+            <a:r>
+              <a:rPr lang="en-US" dirty="0"/>
+              <a:t>Fin</a:t>
+            </a:r>
+          </a:p>
+        </p:txBody>
+      </p:sp>
+      <p:sp>
+        <p:nvSpPr>
+          <p:cNvPr id="5" name="Text Placeholder 4">
+            <a:extLst>
+              <a:ext uri="{FF2B5EF4-FFF2-40B4-BE49-F238E27FC236}">
+                <a16:creationId xmlns:a16="http://schemas.microsoft.com/office/drawing/2014/main" id="{604CFBF1-D149-4A19-87F6-539F2FED4AE8}"/>
+              </a:ext>
+            </a:extLst>
+          </p:cNvPr>
+          <p:cNvSpPr>
+            <a:spLocks noGrp="1"/>
+          </p:cNvSpPr>
+          <p:nvPr>
+            <p:ph type="body" sz="quarter" idx="11"/>
+          </p:nvPr>
+        </p:nvSpPr>
+        <p:spPr/>
+        <p:txBody>
+          <a:bodyPr/>
+          <a:lstStyle/>
+          <a:p>
+            <a:endParaRPr lang="en-US"/>
+          </a:p>
+        </p:txBody>
+      </p:sp>
+    </p:spTree>
+    <p:extLst>
+      <p:ext uri="{BB962C8B-B14F-4D97-AF65-F5344CB8AC3E}">
+        <p14:creationId xmlns:p14="http://schemas.microsoft.com/office/powerpoint/2010/main" val="2080330869"/>
+      </p:ext>
+    </p:extLst>
+  </p:cSld>
+  <p:clrMapOvr>
+    <a:masterClrMapping/>
+  </p:clrMapOvr>
+  <p:transition spd="med">
+    <p:wipe/>
+  </p:transition>
+</p:sld>
+</file>
+
+<file path=ppt/slides/slide33.xml><?xml version="1.0" encoding="utf-8"?>
+<p:sld xmlns:a="http://schemas.openxmlformats.org/drawingml/2006/main" xmlns:r="http://schemas.openxmlformats.org/officeDocument/2006/relationships" xmlns:p="http://schemas.openxmlformats.org/presentationml/2006/main">
+  <p:cSld>
+    <p:spTree>
+      <p:nvGrpSpPr>
+        <p:cNvPr id="1" name=""/>
+        <p:cNvGrpSpPr/>
+        <p:nvPr/>
+      </p:nvGrpSpPr>
+      <p:grpSpPr>
+        <a:xfrm>
+          <a:off x="0" y="0"/>
+          <a:ext cx="0" cy="0"/>
+          <a:chOff x="0" y="0"/>
+          <a:chExt cx="0" cy="0"/>
+        </a:xfrm>
+      </p:grpSpPr>
+      <p:sp>
+        <p:nvSpPr>
+          <p:cNvPr id="8" name="Content Placeholder 7">
+            <a:extLst>
+              <a:ext uri="{FF2B5EF4-FFF2-40B4-BE49-F238E27FC236}">
+                <a16:creationId xmlns:a16="http://schemas.microsoft.com/office/drawing/2014/main" id="{828FF74C-0339-4BDC-8C5C-AE22963CB050}"/>
+              </a:ext>
+            </a:extLst>
+          </p:cNvPr>
+          <p:cNvSpPr>
+            <a:spLocks noGrp="1"/>
+          </p:cNvSpPr>
+          <p:nvPr>
+            <p:ph idx="10"/>
+          </p:nvPr>
+        </p:nvSpPr>
+        <p:spPr/>
+        <p:txBody>
+          <a:bodyPr/>
+          <a:lstStyle/>
+          <a:p>
+            <a:endParaRPr lang="en-US"/>
+          </a:p>
+        </p:txBody>
+      </p:sp>
+      <p:sp>
+        <p:nvSpPr>
+          <p:cNvPr id="7" name="Title 6">
+            <a:extLst>
+              <a:ext uri="{FF2B5EF4-FFF2-40B4-BE49-F238E27FC236}">
+                <a16:creationId xmlns:a16="http://schemas.microsoft.com/office/drawing/2014/main" id="{B16C337B-F5D3-4ECF-B3AE-4338DE7DBC55}"/>
+              </a:ext>
+            </a:extLst>
+          </p:cNvPr>
+          <p:cNvSpPr>
+            <a:spLocks noGrp="1"/>
+          </p:cNvSpPr>
+          <p:nvPr>
+            <p:ph type="title"/>
+          </p:nvPr>
+        </p:nvSpPr>
+        <p:spPr/>
+        <p:txBody>
+          <a:bodyPr/>
+          <a:lstStyle/>
+          <a:p>
+            <a:r>
+              <a:rPr lang="en-US" dirty="0"/>
+              <a:t>Command Showcase</a:t>
+            </a:r>
+          </a:p>
+        </p:txBody>
+      </p:sp>
+      <p:sp>
+        <p:nvSpPr>
+          <p:cNvPr id="5" name="Footer Placeholder 4">
+            <a:extLst>
+              <a:ext uri="{FF2B5EF4-FFF2-40B4-BE49-F238E27FC236}">
+                <a16:creationId xmlns:a16="http://schemas.microsoft.com/office/drawing/2014/main" id="{DB2EA6FA-7FA0-4422-B3DA-8D645BD81644}"/>
+              </a:ext>
+            </a:extLst>
+          </p:cNvPr>
+          <p:cNvSpPr>
+            <a:spLocks noGrp="1"/>
+          </p:cNvSpPr>
+          <p:nvPr>
+            <p:ph type="ftr" sz="quarter" idx="11"/>
+          </p:nvPr>
+        </p:nvSpPr>
+        <p:spPr/>
+        <p:txBody>
+          <a:bodyPr/>
+          <a:lstStyle/>
+          <a:p>
+            <a:r>
+              <a:rPr lang="en-US"/>
+              <a:t>Silicon Labs Confidential</a:t>
+            </a:r>
+            <a:endParaRPr lang="en-US" dirty="0"/>
+          </a:p>
+        </p:txBody>
+      </p:sp>
+      <p:sp>
+        <p:nvSpPr>
+          <p:cNvPr id="6" name="Slide Number Placeholder 5">
+            <a:extLst>
+              <a:ext uri="{FF2B5EF4-FFF2-40B4-BE49-F238E27FC236}">
+                <a16:creationId xmlns:a16="http://schemas.microsoft.com/office/drawing/2014/main" id="{A385CEE7-C2BC-4524-A96B-EF07A0AB77C2}"/>
+              </a:ext>
+            </a:extLst>
+          </p:cNvPr>
+          <p:cNvSpPr>
+            <a:spLocks noGrp="1"/>
+          </p:cNvSpPr>
+          <p:nvPr>
+            <p:ph type="sldNum" sz="quarter" idx="12"/>
+          </p:nvPr>
+        </p:nvSpPr>
+        <p:spPr/>
+        <p:txBody>
+          <a:bodyPr/>
+          <a:lstStyle/>
+          <a:p>
+            <a:fld id="{29A7BD92-6AE5-CF43-B276-274952F2BFB4}" type="slidenum">
+              <a:rPr lang="en-US" smtClean="0"/>
+              <a:pPr/>
+              <a:t>33</a:t>
+            </a:fld>
+            <a:endParaRPr lang="en-US" dirty="0"/>
+          </a:p>
+        </p:txBody>
+      </p:sp>
+    </p:spTree>
+    <p:extLst>
+      <p:ext uri="{BB962C8B-B14F-4D97-AF65-F5344CB8AC3E}">
+        <p14:creationId xmlns:p14="http://schemas.microsoft.com/office/powerpoint/2010/main" val="2474708577"/>
       </p:ext>
     </p:extLst>
   </p:cSld>
@@ -15604,49 +20141,49 @@
           <a:lstStyle/>
           <a:p>
             <a:r>
-              <a:rPr lang="en-US" sz="2400" dirty="0" smtClean="0"/>
+              <a:rPr lang="en-US" sz="2400" dirty="0"/>
               <a:t>What is Git?</a:t>
             </a:r>
           </a:p>
           <a:p>
             <a:r>
-              <a:rPr lang="en-US" sz="2400" dirty="0" smtClean="0"/>
+              <a:rPr lang="en-US" sz="2400" dirty="0"/>
               <a:t>Making a repository (also, what’s a repository?)</a:t>
             </a:r>
           </a:p>
           <a:p>
             <a:r>
-              <a:rPr lang="en-US" sz="2400" dirty="0" smtClean="0"/>
+              <a:rPr lang="en-US" sz="2400" dirty="0"/>
               <a:t>Tracking changes</a:t>
             </a:r>
           </a:p>
           <a:p>
             <a:r>
-              <a:rPr lang="en-US" sz="2400" dirty="0" smtClean="0"/>
+              <a:rPr lang="en-US" sz="2400" dirty="0"/>
               <a:t>Undoing changes</a:t>
             </a:r>
           </a:p>
           <a:p>
             <a:r>
-              <a:rPr lang="en-US" sz="2400" dirty="0" smtClean="0"/>
+              <a:rPr lang="en-US" sz="2400" dirty="0"/>
               <a:t>Experimenting with changes</a:t>
             </a:r>
           </a:p>
           <a:p>
             <a:r>
-              <a:rPr lang="en-US" sz="2400" dirty="0" smtClean="0"/>
+              <a:rPr lang="en-US" sz="2400" dirty="0"/>
               <a:t>Merging changes</a:t>
             </a:r>
           </a:p>
           <a:p>
             <a:r>
-              <a:rPr lang="en-US" sz="2400" dirty="0" smtClean="0"/>
+              <a:rPr lang="en-US" sz="2400" dirty="0"/>
               <a:t>Sharing changes</a:t>
             </a:r>
           </a:p>
           <a:p>
             <a:r>
-              <a:rPr lang="en-US" sz="2400" dirty="0" smtClean="0"/>
+              <a:rPr lang="en-US" sz="2400" dirty="0"/>
               <a:t>Wrapping up: command showcase</a:t>
             </a:r>
           </a:p>
@@ -15671,10 +20208,9 @@
           <a:lstStyle/>
           <a:p>
             <a:r>
-              <a:rPr lang="en-US" dirty="0" smtClean="0"/>
+              <a:rPr lang="en-US" dirty="0"/>
               <a:t>Table of Contents</a:t>
             </a:r>
-            <a:endParaRPr lang="en-US" dirty="0"/>
           </a:p>
         </p:txBody>
       </p:sp>
@@ -15694,7 +20230,7 @@
           <a:lstStyle/>
           <a:p>
             <a:r>
-              <a:rPr lang="en-US" smtClean="0"/>
+              <a:rPr lang="en-US"/>
               <a:t>Silicon Labs Confidential</a:t>
             </a:r>
             <a:endParaRPr lang="en-US" dirty="0"/>
@@ -15738,13 +20274,6 @@
   <p:transition spd="med">
     <p:wipe/>
   </p:transition>
-  <p:timing>
-    <p:tnLst>
-      <p:par>
-        <p:cTn id="1" dur="indefinite" restart="never" nodeType="tmRoot"/>
-      </p:par>
-    </p:tnLst>
-  </p:timing>
 </p:sld>
 </file>
 
@@ -15857,34 +20386,33 @@
           <a:lstStyle/>
           <a:p>
             <a:r>
-              <a:rPr lang="en-US" sz="2400" dirty="0" smtClean="0"/>
+              <a:rPr lang="en-US" sz="2400" dirty="0"/>
               <a:t>Git helps you keep track of files</a:t>
             </a:r>
           </a:p>
           <a:p>
             <a:r>
-              <a:rPr lang="en-US" sz="2400" dirty="0" smtClean="0"/>
+              <a:rPr lang="en-US" sz="2400" dirty="0"/>
               <a:t>Git helps you keep track of changes to files</a:t>
             </a:r>
           </a:p>
           <a:p>
             <a:r>
-              <a:rPr lang="en-US" sz="2400" dirty="0" smtClean="0"/>
+              <a:rPr lang="en-US" sz="2400" dirty="0"/>
               <a:t>It’s fully decentralized</a:t>
             </a:r>
           </a:p>
           <a:p>
             <a:r>
-              <a:rPr lang="en-US" sz="2400" dirty="0" smtClean="0"/>
+              <a:rPr lang="en-US" sz="2400" dirty="0"/>
               <a:t>It makes experimenting easy</a:t>
             </a:r>
           </a:p>
           <a:p>
             <a:r>
-              <a:rPr lang="en-US" sz="2400" dirty="0" smtClean="0"/>
+              <a:rPr lang="en-US" sz="2400" dirty="0"/>
               <a:t>It helps protect you from yourself and others</a:t>
             </a:r>
-            <a:endParaRPr lang="en-US" sz="2400" dirty="0"/>
           </a:p>
         </p:txBody>
       </p:sp>
@@ -15904,10 +20432,9 @@
           <a:lstStyle/>
           <a:p>
             <a:r>
-              <a:rPr lang="en-US" dirty="0" smtClean="0"/>
+              <a:rPr lang="en-US" dirty="0"/>
               <a:t>What is Git?</a:t>
             </a:r>
-            <a:endParaRPr lang="en-US" dirty="0"/>
           </a:p>
         </p:txBody>
       </p:sp>
@@ -15927,7 +20454,7 @@
           <a:lstStyle/>
           <a:p>
             <a:r>
-              <a:rPr lang="en-US" smtClean="0"/>
+              <a:rPr lang="en-US"/>
               <a:t>Silicon Labs Confidential</a:t>
             </a:r>
             <a:endParaRPr lang="en-US" dirty="0"/>
@@ -16007,10 +20534,9 @@
           <a:lstStyle/>
           <a:p>
             <a:r>
-              <a:rPr lang="en-US" dirty="0" smtClean="0"/>
+              <a:rPr lang="en-US" dirty="0"/>
               <a:t>Making A Repository</a:t>
             </a:r>
-            <a:endParaRPr lang="en-US" dirty="0"/>
           </a:p>
         </p:txBody>
       </p:sp>
@@ -16044,44 +20570,22 @@
           <a:lstStyle/>
           <a:p>
             <a:r>
-              <a:rPr lang="en-US" sz="2400" dirty="0" smtClean="0">
+              <a:rPr lang="en-US" sz="2400" dirty="0">
                 <a:ea typeface="Anonymous Pro" panose="02060609030202000504" pitchFamily="49" charset="0"/>
               </a:rPr>
-              <a:t>Repository: all the folders and files you want </a:t>
-            </a:r>
-            <a:r>
-              <a:rPr lang="en-US" sz="2400" dirty="0" err="1" smtClean="0">
-                <a:ea typeface="Anonymous Pro" panose="02060609030202000504" pitchFamily="49" charset="0"/>
-              </a:rPr>
-              <a:t>git</a:t>
-            </a:r>
-            <a:r>
-              <a:rPr lang="en-US" sz="2400" dirty="0" smtClean="0">
-                <a:ea typeface="Anonymous Pro" panose="02060609030202000504" pitchFamily="49" charset="0"/>
-              </a:rPr>
-              <a:t> to track</a:t>
-            </a:r>
-          </a:p>
-          <a:p>
-            <a:r>
-              <a:rPr lang="en-US" sz="2400" dirty="0" err="1" smtClean="0">
+              <a:t>Repository: all the folders and files you want git to track</a:t>
+            </a:r>
+          </a:p>
+          <a:p>
+            <a:r>
+              <a:rPr lang="en-US" sz="2400" dirty="0">
                 <a:solidFill>
                   <a:schemeClr val="tx2"/>
                 </a:solidFill>
                 <a:latin typeface="Anonymous Pro" panose="02060609030202000504" pitchFamily="49" charset="0"/>
                 <a:ea typeface="Anonymous Pro" panose="02060609030202000504" pitchFamily="49" charset="0"/>
               </a:rPr>
-              <a:t>git</a:t>
-            </a:r>
-            <a:r>
-              <a:rPr lang="en-US" sz="2400" dirty="0" smtClean="0">
-                <a:solidFill>
-                  <a:schemeClr val="tx2"/>
-                </a:solidFill>
-                <a:latin typeface="Anonymous Pro" panose="02060609030202000504" pitchFamily="49" charset="0"/>
-                <a:ea typeface="Anonymous Pro" panose="02060609030202000504" pitchFamily="49" charset="0"/>
-              </a:rPr>
-              <a:t> </a:t>
+              <a:t>git </a:t>
             </a:r>
             <a:r>
               <a:rPr lang="en-US" sz="2400" dirty="0" err="1">
@@ -16101,6 +20605,26 @@
               <a:ea typeface="Anonymous Pro" panose="02060609030202000504" pitchFamily="49" charset="0"/>
             </a:endParaRPr>
           </a:p>
+          <a:p>
+            <a:r>
+              <a:rPr lang="en-US" sz="2400" dirty="0">
+                <a:ea typeface="Anonymous Pro" panose="02060609030202000504" pitchFamily="49" charset="0"/>
+              </a:rPr>
+              <a:t>There’s a new “.git” folder!</a:t>
+            </a:r>
+          </a:p>
+          <a:p>
+            <a:r>
+              <a:rPr lang="en-US" sz="2400" dirty="0">
+                <a:solidFill>
+                  <a:schemeClr val="tx2"/>
+                </a:solidFill>
+                <a:latin typeface="Anonymous Pro" panose="02060609030202000504"/>
+                <a:ea typeface="Anonymous Pro" panose="02060609030202000504" pitchFamily="49" charset="0"/>
+              </a:rPr>
+              <a:t>git status</a:t>
+            </a:r>
+          </a:p>
         </p:txBody>
       </p:sp>
       <p:sp>
@@ -16119,7 +20643,7 @@
           <a:lstStyle/>
           <a:p>
             <a:r>
-              <a:rPr lang="en-US" smtClean="0"/>
+              <a:rPr lang="en-US"/>
               <a:t>Silicon Labs Confidential</a:t>
             </a:r>
             <a:endParaRPr lang="en-US" dirty="0"/>
@@ -16163,13 +20687,436 @@
   <p:transition spd="med">
     <p:wipe/>
   </p:transition>
-  <p:timing>
-    <p:tnLst>
-      <p:par>
-        <p:cTn id="1" dur="indefinite" restart="never" nodeType="tmRoot"/>
-      </p:par>
-    </p:tnLst>
-  </p:timing>
+</p:sld>
+</file>
+
+<file path=ppt/slides/slide8.xml><?xml version="1.0" encoding="utf-8"?>
+<p:sld xmlns:a="http://schemas.openxmlformats.org/drawingml/2006/main" xmlns:r="http://schemas.openxmlformats.org/officeDocument/2006/relationships" xmlns:p="http://schemas.openxmlformats.org/presentationml/2006/main">
+  <p:cSld>
+    <p:spTree>
+      <p:nvGrpSpPr>
+        <p:cNvPr id="1" name=""/>
+        <p:cNvGrpSpPr/>
+        <p:nvPr/>
+      </p:nvGrpSpPr>
+      <p:grpSpPr>
+        <a:xfrm>
+          <a:off x="0" y="0"/>
+          <a:ext cx="0" cy="0"/>
+          <a:chOff x="0" y="0"/>
+          <a:chExt cx="0" cy="0"/>
+        </a:xfrm>
+      </p:grpSpPr>
+      <p:sp>
+        <p:nvSpPr>
+          <p:cNvPr id="2" name="Title 1">
+            <a:extLst>
+              <a:ext uri="{FF2B5EF4-FFF2-40B4-BE49-F238E27FC236}">
+                <a16:creationId xmlns:a16="http://schemas.microsoft.com/office/drawing/2014/main" id="{F6FF59E5-6289-4073-98CB-4B29AE139B6B}"/>
+              </a:ext>
+            </a:extLst>
+          </p:cNvPr>
+          <p:cNvSpPr>
+            <a:spLocks noGrp="1"/>
+          </p:cNvSpPr>
+          <p:nvPr>
+            <p:ph type="title"/>
+          </p:nvPr>
+        </p:nvSpPr>
+        <p:spPr/>
+        <p:txBody>
+          <a:bodyPr/>
+          <a:lstStyle/>
+          <a:p>
+            <a:r>
+              <a:rPr lang="en-US" dirty="0"/>
+              <a:t>Tracking Changes</a:t>
+            </a:r>
+          </a:p>
+        </p:txBody>
+      </p:sp>
+      <p:sp>
+        <p:nvSpPr>
+          <p:cNvPr id="3" name="Picture Placeholder 2">
+            <a:extLst>
+              <a:ext uri="{FF2B5EF4-FFF2-40B4-BE49-F238E27FC236}">
+                <a16:creationId xmlns:a16="http://schemas.microsoft.com/office/drawing/2014/main" id="{62068AAB-FAD1-4E7F-9770-F74A4C4BDA42}"/>
+              </a:ext>
+            </a:extLst>
+          </p:cNvPr>
+          <p:cNvSpPr>
+            <a:spLocks noGrp="1"/>
+          </p:cNvSpPr>
+          <p:nvPr>
+            <p:ph type="pic" sz="quarter" idx="15"/>
+          </p:nvPr>
+        </p:nvSpPr>
+        <p:spPr/>
+      </p:sp>
+      <p:sp>
+        <p:nvSpPr>
+          <p:cNvPr id="4" name="Content Placeholder 3">
+            <a:extLst>
+              <a:ext uri="{FF2B5EF4-FFF2-40B4-BE49-F238E27FC236}">
+                <a16:creationId xmlns:a16="http://schemas.microsoft.com/office/drawing/2014/main" id="{6E88EDF2-95A2-4313-81BA-FA42DF370B6D}"/>
+              </a:ext>
+            </a:extLst>
+          </p:cNvPr>
+          <p:cNvSpPr>
+            <a:spLocks noGrp="1"/>
+          </p:cNvSpPr>
+          <p:nvPr>
+            <p:ph sz="quarter" idx="13"/>
+          </p:nvPr>
+        </p:nvSpPr>
+        <p:spPr/>
+        <p:txBody>
+          <a:bodyPr>
+            <a:normAutofit/>
+          </a:bodyPr>
+          <a:lstStyle/>
+          <a:p>
+            <a:r>
+              <a:rPr lang="en-US" sz="2400" dirty="0"/>
+              <a:t>Git tracks changes, not files</a:t>
+            </a:r>
+          </a:p>
+          <a:p>
+            <a:r>
+              <a:rPr lang="en-US" sz="2400" dirty="0">
+                <a:solidFill>
+                  <a:schemeClr val="tx2"/>
+                </a:solidFill>
+                <a:latin typeface="Anonymous Pro" panose="02060609030202000504"/>
+              </a:rPr>
+              <a:t>git add</a:t>
+            </a:r>
+          </a:p>
+          <a:p>
+            <a:r>
+              <a:rPr lang="en-US" sz="2400" dirty="0">
+                <a:solidFill>
+                  <a:schemeClr val="tx2"/>
+                </a:solidFill>
+                <a:latin typeface="Anonymous Pro" panose="02060609030202000504"/>
+              </a:rPr>
+              <a:t>git status</a:t>
+            </a:r>
+            <a:r>
+              <a:rPr lang="en-US" sz="2400" dirty="0"/>
+              <a:t> (again)</a:t>
+            </a:r>
+          </a:p>
+        </p:txBody>
+      </p:sp>
+      <p:sp>
+        <p:nvSpPr>
+          <p:cNvPr id="5" name="Footer Placeholder 4">
+            <a:extLst>
+              <a:ext uri="{FF2B5EF4-FFF2-40B4-BE49-F238E27FC236}">
+                <a16:creationId xmlns:a16="http://schemas.microsoft.com/office/drawing/2014/main" id="{B4400C1A-FA34-4FCF-A29C-C3E8A432D527}"/>
+              </a:ext>
+            </a:extLst>
+          </p:cNvPr>
+          <p:cNvSpPr>
+            <a:spLocks noGrp="1"/>
+          </p:cNvSpPr>
+          <p:nvPr>
+            <p:ph type="ftr" sz="quarter" idx="16"/>
+          </p:nvPr>
+        </p:nvSpPr>
+        <p:spPr/>
+        <p:txBody>
+          <a:bodyPr/>
+          <a:lstStyle/>
+          <a:p>
+            <a:r>
+              <a:rPr lang="en-US"/>
+              <a:t>Silicon Labs Confidential</a:t>
+            </a:r>
+            <a:endParaRPr lang="en-US" dirty="0"/>
+          </a:p>
+        </p:txBody>
+      </p:sp>
+      <p:sp>
+        <p:nvSpPr>
+          <p:cNvPr id="6" name="Slide Number Placeholder 5">
+            <a:extLst>
+              <a:ext uri="{FF2B5EF4-FFF2-40B4-BE49-F238E27FC236}">
+                <a16:creationId xmlns:a16="http://schemas.microsoft.com/office/drawing/2014/main" id="{645C396E-487E-41EA-B34E-5BF5711FD77C}"/>
+              </a:ext>
+            </a:extLst>
+          </p:cNvPr>
+          <p:cNvSpPr>
+            <a:spLocks noGrp="1"/>
+          </p:cNvSpPr>
+          <p:nvPr>
+            <p:ph type="sldNum" sz="quarter" idx="17"/>
+          </p:nvPr>
+        </p:nvSpPr>
+        <p:spPr/>
+        <p:txBody>
+          <a:bodyPr/>
+          <a:lstStyle/>
+          <a:p>
+            <a:fld id="{29A7BD92-6AE5-CF43-B276-274952F2BFB4}" type="slidenum">
+              <a:rPr lang="en-US" smtClean="0"/>
+              <a:pPr/>
+              <a:t>8</a:t>
+            </a:fld>
+            <a:endParaRPr lang="en-US" dirty="0"/>
+          </a:p>
+        </p:txBody>
+      </p:sp>
+    </p:spTree>
+    <p:extLst>
+      <p:ext uri="{BB962C8B-B14F-4D97-AF65-F5344CB8AC3E}">
+        <p14:creationId xmlns:p14="http://schemas.microsoft.com/office/powerpoint/2010/main" val="1221832901"/>
+      </p:ext>
+    </p:extLst>
+  </p:cSld>
+  <p:clrMapOvr>
+    <a:masterClrMapping/>
+  </p:clrMapOvr>
+  <p:transition spd="med">
+    <p:wipe/>
+  </p:transition>
+</p:sld>
+</file>
+
+<file path=ppt/slides/slide9.xml><?xml version="1.0" encoding="utf-8"?>
+<p:sld xmlns:a="http://schemas.openxmlformats.org/drawingml/2006/main" xmlns:r="http://schemas.openxmlformats.org/officeDocument/2006/relationships" xmlns:p="http://schemas.openxmlformats.org/presentationml/2006/main">
+  <p:cSld>
+    <p:spTree>
+      <p:nvGrpSpPr>
+        <p:cNvPr id="1" name=""/>
+        <p:cNvGrpSpPr/>
+        <p:nvPr/>
+      </p:nvGrpSpPr>
+      <p:grpSpPr>
+        <a:xfrm>
+          <a:off x="0" y="0"/>
+          <a:ext cx="0" cy="0"/>
+          <a:chOff x="0" y="0"/>
+          <a:chExt cx="0" cy="0"/>
+        </a:xfrm>
+      </p:grpSpPr>
+      <p:sp>
+        <p:nvSpPr>
+          <p:cNvPr id="2" name="Title 1">
+            <a:extLst>
+              <a:ext uri="{FF2B5EF4-FFF2-40B4-BE49-F238E27FC236}">
+                <a16:creationId xmlns:a16="http://schemas.microsoft.com/office/drawing/2014/main" id="{F4F24DFA-04E1-48EE-B0B5-D909E72A62C9}"/>
+              </a:ext>
+            </a:extLst>
+          </p:cNvPr>
+          <p:cNvSpPr>
+            <a:spLocks noGrp="1"/>
+          </p:cNvSpPr>
+          <p:nvPr>
+            <p:ph type="title"/>
+          </p:nvPr>
+        </p:nvSpPr>
+        <p:spPr/>
+        <p:txBody>
+          <a:bodyPr/>
+          <a:lstStyle/>
+          <a:p>
+            <a:r>
+              <a:rPr lang="en-US" dirty="0"/>
+              <a:t>Working Directory vs Staging Area</a:t>
+            </a:r>
+          </a:p>
+        </p:txBody>
+      </p:sp>
+      <p:sp>
+        <p:nvSpPr>
+          <p:cNvPr id="10" name="Picture Placeholder 9">
+            <a:extLst>
+              <a:ext uri="{FF2B5EF4-FFF2-40B4-BE49-F238E27FC236}">
+                <a16:creationId xmlns:a16="http://schemas.microsoft.com/office/drawing/2014/main" id="{EBADF22F-A37E-4D09-A8EB-764269EE8A28}"/>
+              </a:ext>
+            </a:extLst>
+          </p:cNvPr>
+          <p:cNvSpPr>
+            <a:spLocks noGrp="1"/>
+          </p:cNvSpPr>
+          <p:nvPr>
+            <p:ph type="pic" sz="quarter" idx="15"/>
+          </p:nvPr>
+        </p:nvSpPr>
+        <p:spPr/>
+      </p:sp>
+      <p:sp>
+        <p:nvSpPr>
+          <p:cNvPr id="4" name="Content Placeholder 3">
+            <a:extLst>
+              <a:ext uri="{FF2B5EF4-FFF2-40B4-BE49-F238E27FC236}">
+                <a16:creationId xmlns:a16="http://schemas.microsoft.com/office/drawing/2014/main" id="{20CE4900-6D38-4BF0-B577-90CB264906CD}"/>
+              </a:ext>
+            </a:extLst>
+          </p:cNvPr>
+          <p:cNvSpPr>
+            <a:spLocks noGrp="1"/>
+          </p:cNvSpPr>
+          <p:nvPr>
+            <p:ph sz="quarter" idx="13"/>
+          </p:nvPr>
+        </p:nvSpPr>
+        <p:spPr/>
+        <p:txBody>
+          <a:bodyPr/>
+          <a:lstStyle/>
+          <a:p>
+            <a:r>
+              <a:rPr lang="en-US" dirty="0"/>
+              <a:t>Working directory: the current state of your files</a:t>
+            </a:r>
+          </a:p>
+          <a:p>
+            <a:r>
+              <a:rPr lang="en-US" dirty="0"/>
+              <a:t>Staging area: the current set of changes git is tracking</a:t>
+            </a:r>
+          </a:p>
+        </p:txBody>
+      </p:sp>
+      <p:sp>
+        <p:nvSpPr>
+          <p:cNvPr id="5" name="Footer Placeholder 4">
+            <a:extLst>
+              <a:ext uri="{FF2B5EF4-FFF2-40B4-BE49-F238E27FC236}">
+                <a16:creationId xmlns:a16="http://schemas.microsoft.com/office/drawing/2014/main" id="{10D834AC-BA39-4453-A4B2-01EB909E8A3A}"/>
+              </a:ext>
+            </a:extLst>
+          </p:cNvPr>
+          <p:cNvSpPr>
+            <a:spLocks noGrp="1"/>
+          </p:cNvSpPr>
+          <p:nvPr>
+            <p:ph type="ftr" sz="quarter" idx="16"/>
+          </p:nvPr>
+        </p:nvSpPr>
+        <p:spPr/>
+        <p:txBody>
+          <a:bodyPr/>
+          <a:lstStyle/>
+          <a:p>
+            <a:r>
+              <a:rPr lang="en-US"/>
+              <a:t>Silicon Labs Confidential</a:t>
+            </a:r>
+            <a:endParaRPr lang="en-US" dirty="0"/>
+          </a:p>
+        </p:txBody>
+      </p:sp>
+      <p:sp>
+        <p:nvSpPr>
+          <p:cNvPr id="6" name="Slide Number Placeholder 5">
+            <a:extLst>
+              <a:ext uri="{FF2B5EF4-FFF2-40B4-BE49-F238E27FC236}">
+                <a16:creationId xmlns:a16="http://schemas.microsoft.com/office/drawing/2014/main" id="{3CBEAFED-3227-404E-8890-427E511C3AAD}"/>
+              </a:ext>
+            </a:extLst>
+          </p:cNvPr>
+          <p:cNvSpPr>
+            <a:spLocks noGrp="1"/>
+          </p:cNvSpPr>
+          <p:nvPr>
+            <p:ph type="sldNum" sz="quarter" idx="17"/>
+          </p:nvPr>
+        </p:nvSpPr>
+        <p:spPr/>
+        <p:txBody>
+          <a:bodyPr/>
+          <a:lstStyle/>
+          <a:p>
+            <a:fld id="{29A7BD92-6AE5-CF43-B276-274952F2BFB4}" type="slidenum">
+              <a:rPr lang="en-US" smtClean="0"/>
+              <a:pPr/>
+              <a:t>9</a:t>
+            </a:fld>
+            <a:endParaRPr lang="en-US" dirty="0"/>
+          </a:p>
+        </p:txBody>
+      </p:sp>
+      <p:pic>
+        <p:nvPicPr>
+          <p:cNvPr id="9" name="Picture 8">
+            <a:extLst>
+              <a:ext uri="{FF2B5EF4-FFF2-40B4-BE49-F238E27FC236}">
+                <a16:creationId xmlns:a16="http://schemas.microsoft.com/office/drawing/2014/main" id="{9A81B422-B5B5-4D19-8804-5F220A3E7645}"/>
+              </a:ext>
+            </a:extLst>
+          </p:cNvPr>
+          <p:cNvPicPr>
+            <a:picLocks noChangeAspect="1"/>
+          </p:cNvPicPr>
+          <p:nvPr/>
+        </p:nvPicPr>
+        <p:blipFill>
+          <a:blip r:embed="rId2"/>
+          <a:stretch>
+            <a:fillRect/>
+          </a:stretch>
+        </p:blipFill>
+        <p:spPr>
+          <a:xfrm>
+            <a:off x="458842" y="1435011"/>
+            <a:ext cx="6553200" cy="4445178"/>
+          </a:xfrm>
+          <a:prstGeom prst="rect">
+            <a:avLst/>
+          </a:prstGeom>
+        </p:spPr>
+      </p:pic>
+      <p:sp>
+        <p:nvSpPr>
+          <p:cNvPr id="3" name="Rectangle 2">
+            <a:extLst>
+              <a:ext uri="{FF2B5EF4-FFF2-40B4-BE49-F238E27FC236}">
+                <a16:creationId xmlns:a16="http://schemas.microsoft.com/office/drawing/2014/main" id="{F76B5582-F3E8-4E17-91A1-E6396B9507CF}"/>
+              </a:ext>
+            </a:extLst>
+          </p:cNvPr>
+          <p:cNvSpPr/>
+          <p:nvPr/>
+        </p:nvSpPr>
+        <p:spPr>
+          <a:xfrm>
+            <a:off x="920803" y="6001995"/>
+            <a:ext cx="5629275" cy="276999"/>
+          </a:xfrm>
+          <a:prstGeom prst="rect">
+            <a:avLst/>
+          </a:prstGeom>
+        </p:spPr>
+        <p:txBody>
+          <a:bodyPr wrap="square">
+            <a:spAutoFit/>
+          </a:bodyPr>
+          <a:lstStyle/>
+          <a:p>
+            <a:r>
+              <a:rPr lang="en-US" sz="1200" dirty="0"/>
+              <a:t>https://www.quora.com/Whats-the-difference-between-committing-and-pushing-in-Git</a:t>
+            </a:r>
+          </a:p>
+        </p:txBody>
+      </p:sp>
+    </p:spTree>
+    <p:extLst>
+      <p:ext uri="{BB962C8B-B14F-4D97-AF65-F5344CB8AC3E}">
+        <p14:creationId xmlns:p14="http://schemas.microsoft.com/office/powerpoint/2010/main" val="3307427465"/>
+      </p:ext>
+    </p:extLst>
+  </p:cSld>
+  <p:clrMapOvr>
+    <a:masterClrMapping/>
+  </p:clrMapOvr>
+  <p:transition spd="med">
+    <p:wipe/>
+  </p:transition>
 </p:sld>
 </file>
 

--- a/Git The Hard Way.pptx
+++ b/Git The Hard Way.pptx
@@ -18755,6 +18755,40 @@
           </a:prstGeom>
         </p:spPr>
       </p:pic>
+      <p:sp>
+        <p:nvSpPr>
+          <p:cNvPr id="10" name="Rectangle 9">
+            <a:extLst>
+              <a:ext uri="{FF2B5EF4-FFF2-40B4-BE49-F238E27FC236}">
+                <a16:creationId xmlns:a16="http://schemas.microsoft.com/office/drawing/2014/main" id="{8E305396-6880-4EE1-97ED-DE7ABAC9B4E5}"/>
+              </a:ext>
+            </a:extLst>
+          </p:cNvPr>
+          <p:cNvSpPr/>
+          <p:nvPr/>
+        </p:nvSpPr>
+        <p:spPr>
+          <a:xfrm>
+            <a:off x="2140259" y="5730329"/>
+            <a:ext cx="3190361" cy="276999"/>
+          </a:xfrm>
+          <a:prstGeom prst="rect">
+            <a:avLst/>
+          </a:prstGeom>
+        </p:spPr>
+        <p:txBody>
+          <a:bodyPr wrap="none">
+            <a:spAutoFit/>
+          </a:bodyPr>
+          <a:lstStyle/>
+          <a:p>
+            <a:r>
+              <a:rPr lang="en-US" sz="1200" dirty="0"/>
+              <a:t>https://www.atlassian.com/git/tutorials/syncing</a:t>
+            </a:r>
+          </a:p>
+        </p:txBody>
+      </p:sp>
     </p:spTree>
     <p:extLst>
       <p:ext uri="{BB962C8B-B14F-4D97-AF65-F5344CB8AC3E}">

--- a/Git The Hard Way.pptx
+++ b/Git The Hard Way.pptx
@@ -36,8 +36,9 @@
     <p:sldId id="287" r:id="rId30"/>
     <p:sldId id="288" r:id="rId31"/>
     <p:sldId id="289" r:id="rId32"/>
-    <p:sldId id="281" r:id="rId33"/>
-    <p:sldId id="280" r:id="rId34"/>
+    <p:sldId id="290" r:id="rId33"/>
+    <p:sldId id="281" r:id="rId34"/>
+    <p:sldId id="280" r:id="rId35"/>
   </p:sldIdLst>
   <p:sldSz cx="12192000" cy="6858000"/>
   <p:notesSz cx="7010400" cy="9296400"/>
@@ -19928,10 +19929,10 @@
       </p:grpSpPr>
       <p:sp>
         <p:nvSpPr>
-          <p:cNvPr id="4" name="Title 3">
+          <p:cNvPr id="8" name="Content Placeholder 7">
             <a:extLst>
               <a:ext uri="{FF2B5EF4-FFF2-40B4-BE49-F238E27FC236}">
-                <a16:creationId xmlns:a16="http://schemas.microsoft.com/office/drawing/2014/main" id="{A29ACE7D-3249-4DC5-8EC2-E682B497B9B4}"/>
+                <a16:creationId xmlns:a16="http://schemas.microsoft.com/office/drawing/2014/main" id="{C95EB5DF-7DD9-42BA-8D51-4AD56B5FF604}"/>
               </a:ext>
             </a:extLst>
           </p:cNvPr>
@@ -19939,7 +19940,7 @@
             <a:spLocks noGrp="1"/>
           </p:cNvSpPr>
           <p:nvPr>
-            <p:ph type="title"/>
+            <p:ph idx="10"/>
           </p:nvPr>
         </p:nvSpPr>
         <p:spPr/>
@@ -19947,19 +19948,16 @@
           <a:bodyPr/>
           <a:lstStyle/>
           <a:p>
-            <a:r>
-              <a:rPr lang="en-US" dirty="0"/>
-              <a:t>Fin</a:t>
-            </a:r>
-          </a:p>
-        </p:txBody>
-      </p:sp>
-      <p:sp>
-        <p:nvSpPr>
-          <p:cNvPr id="5" name="Text Placeholder 4">
+            <a:endParaRPr lang="en-US" dirty="0"/>
+          </a:p>
+        </p:txBody>
+      </p:sp>
+      <p:sp>
+        <p:nvSpPr>
+          <p:cNvPr id="7" name="Title 6">
             <a:extLst>
               <a:ext uri="{FF2B5EF4-FFF2-40B4-BE49-F238E27FC236}">
-                <a16:creationId xmlns:a16="http://schemas.microsoft.com/office/drawing/2014/main" id="{604CFBF1-D149-4A19-87F6-539F2FED4AE8}"/>
+                <a16:creationId xmlns:a16="http://schemas.microsoft.com/office/drawing/2014/main" id="{D1D781D7-38FD-4142-A43B-B01D2FD2B5C5}"/>
               </a:ext>
             </a:extLst>
           </p:cNvPr>
@@ -19967,7 +19965,7 @@
             <a:spLocks noGrp="1"/>
           </p:cNvSpPr>
           <p:nvPr>
-            <p:ph type="body" sz="quarter" idx="11"/>
+            <p:ph type="title"/>
           </p:nvPr>
         </p:nvSpPr>
         <p:spPr/>
@@ -19975,14 +19973,106 @@
           <a:bodyPr/>
           <a:lstStyle/>
           <a:p>
-            <a:endParaRPr lang="en-US"/>
-          </a:p>
-        </p:txBody>
-      </p:sp>
+            <a:r>
+              <a:rPr lang="en-US" dirty="0"/>
+              <a:t>The Full Picture</a:t>
+            </a:r>
+          </a:p>
+        </p:txBody>
+      </p:sp>
+      <p:sp>
+        <p:nvSpPr>
+          <p:cNvPr id="5" name="Footer Placeholder 4">
+            <a:extLst>
+              <a:ext uri="{FF2B5EF4-FFF2-40B4-BE49-F238E27FC236}">
+                <a16:creationId xmlns:a16="http://schemas.microsoft.com/office/drawing/2014/main" id="{8EE2714B-923D-4D0B-B71B-CF963EF022F1}"/>
+              </a:ext>
+            </a:extLst>
+          </p:cNvPr>
+          <p:cNvSpPr>
+            <a:spLocks noGrp="1"/>
+          </p:cNvSpPr>
+          <p:nvPr>
+            <p:ph type="ftr" sz="quarter" idx="11"/>
+          </p:nvPr>
+        </p:nvSpPr>
+        <p:spPr/>
+        <p:txBody>
+          <a:bodyPr/>
+          <a:lstStyle/>
+          <a:p>
+            <a:r>
+              <a:rPr lang="en-US"/>
+              <a:t>Silicon Labs Confidential</a:t>
+            </a:r>
+            <a:endParaRPr lang="en-US" dirty="0"/>
+          </a:p>
+        </p:txBody>
+      </p:sp>
+      <p:sp>
+        <p:nvSpPr>
+          <p:cNvPr id="6" name="Slide Number Placeholder 5">
+            <a:extLst>
+              <a:ext uri="{FF2B5EF4-FFF2-40B4-BE49-F238E27FC236}">
+                <a16:creationId xmlns:a16="http://schemas.microsoft.com/office/drawing/2014/main" id="{4376A03B-91DD-4E5B-BCCB-15B219BDD8F5}"/>
+              </a:ext>
+            </a:extLst>
+          </p:cNvPr>
+          <p:cNvSpPr>
+            <a:spLocks noGrp="1"/>
+          </p:cNvSpPr>
+          <p:nvPr>
+            <p:ph type="sldNum" sz="quarter" idx="12"/>
+          </p:nvPr>
+        </p:nvSpPr>
+        <p:spPr/>
+        <p:txBody>
+          <a:bodyPr/>
+          <a:lstStyle/>
+          <a:p>
+            <a:fld id="{29A7BD92-6AE5-CF43-B276-274952F2BFB4}" type="slidenum">
+              <a:rPr lang="en-US" smtClean="0"/>
+              <a:pPr/>
+              <a:t>32</a:t>
+            </a:fld>
+            <a:endParaRPr lang="en-US" dirty="0"/>
+          </a:p>
+        </p:txBody>
+      </p:sp>
+      <p:pic>
+        <p:nvPicPr>
+          <p:cNvPr id="13" name="Picture 12">
+            <a:extLst>
+              <a:ext uri="{FF2B5EF4-FFF2-40B4-BE49-F238E27FC236}">
+                <a16:creationId xmlns:a16="http://schemas.microsoft.com/office/drawing/2014/main" id="{33EC8D5B-9D7F-4E30-A6CB-A04988EFB20F}"/>
+              </a:ext>
+            </a:extLst>
+          </p:cNvPr>
+          <p:cNvPicPr>
+            <a:picLocks noChangeAspect="1"/>
+          </p:cNvPicPr>
+          <p:nvPr/>
+        </p:nvPicPr>
+        <p:blipFill>
+          <a:blip r:embed="rId2"/>
+          <a:stretch>
+            <a:fillRect/>
+          </a:stretch>
+        </p:blipFill>
+        <p:spPr>
+          <a:xfrm>
+            <a:off x="3409207" y="1138534"/>
+            <a:ext cx="5373586" cy="5038132"/>
+          </a:xfrm>
+          <a:prstGeom prst="rect">
+            <a:avLst/>
+          </a:prstGeom>
+        </p:spPr>
+      </p:pic>
     </p:spTree>
     <p:extLst>
       <p:ext uri="{BB962C8B-B14F-4D97-AF65-F5344CB8AC3E}">
-        <p14:creationId xmlns:p14="http://schemas.microsoft.com/office/powerpoint/2010/main" val="2080330869"/>
+        <p14:creationId xmlns:p14="http://schemas.microsoft.com/office/powerpoint/2010/main" val="1457179530"/>
       </p:ext>
     </p:extLst>
   </p:cSld>
@@ -20014,6 +20104,92 @@
       </p:grpSpPr>
       <p:sp>
         <p:nvSpPr>
+          <p:cNvPr id="4" name="Title 3">
+            <a:extLst>
+              <a:ext uri="{FF2B5EF4-FFF2-40B4-BE49-F238E27FC236}">
+                <a16:creationId xmlns:a16="http://schemas.microsoft.com/office/drawing/2014/main" id="{A29ACE7D-3249-4DC5-8EC2-E682B497B9B4}"/>
+              </a:ext>
+            </a:extLst>
+          </p:cNvPr>
+          <p:cNvSpPr>
+            <a:spLocks noGrp="1"/>
+          </p:cNvSpPr>
+          <p:nvPr>
+            <p:ph type="title"/>
+          </p:nvPr>
+        </p:nvSpPr>
+        <p:spPr/>
+        <p:txBody>
+          <a:bodyPr/>
+          <a:lstStyle/>
+          <a:p>
+            <a:r>
+              <a:rPr lang="en-US" dirty="0"/>
+              <a:t>Fin</a:t>
+            </a:r>
+          </a:p>
+        </p:txBody>
+      </p:sp>
+      <p:sp>
+        <p:nvSpPr>
+          <p:cNvPr id="5" name="Text Placeholder 4">
+            <a:extLst>
+              <a:ext uri="{FF2B5EF4-FFF2-40B4-BE49-F238E27FC236}">
+                <a16:creationId xmlns:a16="http://schemas.microsoft.com/office/drawing/2014/main" id="{604CFBF1-D149-4A19-87F6-539F2FED4AE8}"/>
+              </a:ext>
+            </a:extLst>
+          </p:cNvPr>
+          <p:cNvSpPr>
+            <a:spLocks noGrp="1"/>
+          </p:cNvSpPr>
+          <p:nvPr>
+            <p:ph type="body" sz="quarter" idx="11"/>
+          </p:nvPr>
+        </p:nvSpPr>
+        <p:spPr/>
+        <p:txBody>
+          <a:bodyPr/>
+          <a:lstStyle/>
+          <a:p>
+            <a:endParaRPr lang="en-US"/>
+          </a:p>
+        </p:txBody>
+      </p:sp>
+    </p:spTree>
+    <p:extLst>
+      <p:ext uri="{BB962C8B-B14F-4D97-AF65-F5344CB8AC3E}">
+        <p14:creationId xmlns:p14="http://schemas.microsoft.com/office/powerpoint/2010/main" val="2080330869"/>
+      </p:ext>
+    </p:extLst>
+  </p:cSld>
+  <p:clrMapOvr>
+    <a:masterClrMapping/>
+  </p:clrMapOvr>
+  <p:transition spd="med">
+    <p:wipe/>
+  </p:transition>
+</p:sld>
+</file>
+
+<file path=ppt/slides/slide34.xml><?xml version="1.0" encoding="utf-8"?>
+<p:sld xmlns:a="http://schemas.openxmlformats.org/drawingml/2006/main" xmlns:r="http://schemas.openxmlformats.org/officeDocument/2006/relationships" xmlns:p="http://schemas.openxmlformats.org/presentationml/2006/main">
+  <p:cSld>
+    <p:spTree>
+      <p:nvGrpSpPr>
+        <p:cNvPr id="1" name=""/>
+        <p:cNvGrpSpPr/>
+        <p:nvPr/>
+      </p:nvGrpSpPr>
+      <p:grpSpPr>
+        <a:xfrm>
+          <a:off x="0" y="0"/>
+          <a:ext cx="0" cy="0"/>
+          <a:chOff x="0" y="0"/>
+          <a:chExt cx="0" cy="0"/>
+        </a:xfrm>
+      </p:grpSpPr>
+      <p:sp>
+        <p:nvSpPr>
           <p:cNvPr id="8" name="Content Placeholder 7">
             <a:extLst>
               <a:ext uri="{FF2B5EF4-FFF2-40B4-BE49-F238E27FC236}">
@@ -20118,7 +20294,7 @@
             <a:fld id="{29A7BD92-6AE5-CF43-B276-274952F2BFB4}" type="slidenum">
               <a:rPr lang="en-US" smtClean="0"/>
               <a:pPr/>
-              <a:t>33</a:t>
+              <a:t>34</a:t>
             </a:fld>
             <a:endParaRPr lang="en-US" dirty="0"/>
           </a:p>
